--- a/03.Slide/lesson2.CSS part1.pptx
+++ b/03.Slide/lesson2.CSS part1.pptx
@@ -16,9 +16,10 @@
     <p:sldId id="262" r:id="rId11"/>
     <p:sldId id="263" r:id="rId12"/>
     <p:sldId id="264" r:id="rId13"/>
+    <p:sldId id="265" r:id="rId14"/>
   </p:sldIdLst>
   <p:sldSz cx="9144000" cy="5143500"/>
-  <p:notesSz cx="6858000" cy="9144000"/>
+  <p:notesSz cx="7772400" cy="10058400"/>
 </p:presentation>
 </file>
 
@@ -63,7 +64,7 @@
       </p:grpSpPr>
       <p:sp>
         <p:nvSpPr>
-          <p:cNvPr id="30" name="PlaceHolder 1"/>
+          <p:cNvPr id="29" name="PlaceHolder 1"/>
           <p:cNvSpPr>
             <a:spLocks noGrp="1"/>
           </p:cNvSpPr>
@@ -74,7 +75,7 @@
         <p:spPr>
           <a:xfrm>
             <a:off x="3537000" y="1578240"/>
-            <a:ext cx="5017320" cy="1578600"/>
+            <a:ext cx="5016960" cy="1578240"/>
           </a:xfrm>
           <a:prstGeom prst="rect">
             <a:avLst/>
@@ -85,18 +86,16 @@
             <a:noAutofit/>
           </a:bodyPr>
           <a:p>
-            <a:endParaRPr b="0" lang="en-US" sz="1400" spc="-1" strike="noStrike">
-              <a:solidFill>
-                <a:srgbClr val="000000"/>
-              </a:solidFill>
-              <a:latin typeface="Arial"/>
-            </a:endParaRPr>
-          </a:p>
-        </p:txBody>
-      </p:sp>
-      <p:sp>
-        <p:nvSpPr>
-          <p:cNvPr id="31" name="PlaceHolder 2"/>
+            <a:pPr algn="ctr"/>
+            <a:endParaRPr b="0" lang="en-US" sz="4400" spc="-1" strike="noStrike">
+              <a:latin typeface="Arial"/>
+            </a:endParaRPr>
+          </a:p>
+        </p:txBody>
+      </p:sp>
+      <p:sp>
+        <p:nvSpPr>
+          <p:cNvPr id="30" name="PlaceHolder 2"/>
           <p:cNvSpPr>
             <a:spLocks noGrp="1"/>
           </p:cNvSpPr>
@@ -118,18 +117,15 @@
             <a:normAutofit/>
           </a:bodyPr>
           <a:p>
-            <a:endParaRPr b="0" lang="en-US" sz="1400" spc="-1" strike="noStrike">
-              <a:solidFill>
-                <a:srgbClr val="000000"/>
-              </a:solidFill>
-              <a:latin typeface="Arial"/>
-            </a:endParaRPr>
-          </a:p>
-        </p:txBody>
-      </p:sp>
-      <p:sp>
-        <p:nvSpPr>
-          <p:cNvPr id="32" name="PlaceHolder 3"/>
+            <a:endParaRPr b="0" lang="en-US" sz="3200" spc="-1" strike="noStrike">
+              <a:latin typeface="Arial"/>
+            </a:endParaRPr>
+          </a:p>
+        </p:txBody>
+      </p:sp>
+      <p:sp>
+        <p:nvSpPr>
+          <p:cNvPr id="31" name="PlaceHolder 3"/>
           <p:cNvSpPr>
             <a:spLocks noGrp="1"/>
           </p:cNvSpPr>
@@ -151,10 +147,7 @@
             <a:normAutofit/>
           </a:bodyPr>
           <a:p>
-            <a:endParaRPr b="0" lang="en-US" sz="1400" spc="-1" strike="noStrike">
-              <a:solidFill>
-                <a:srgbClr val="000000"/>
-              </a:solidFill>
+            <a:endParaRPr b="0" lang="en-US" sz="3200" spc="-1" strike="noStrike">
               <a:latin typeface="Arial"/>
             </a:endParaRPr>
           </a:p>
@@ -184,7 +177,7 @@
       </p:grpSpPr>
       <p:sp>
         <p:nvSpPr>
-          <p:cNvPr id="33" name="PlaceHolder 1"/>
+          <p:cNvPr id="32" name="PlaceHolder 1"/>
           <p:cNvSpPr>
             <a:spLocks noGrp="1"/>
           </p:cNvSpPr>
@@ -195,7 +188,7 @@
         <p:spPr>
           <a:xfrm>
             <a:off x="3537000" y="1578240"/>
-            <a:ext cx="5017320" cy="1578600"/>
+            <a:ext cx="5016960" cy="1578240"/>
           </a:xfrm>
           <a:prstGeom prst="rect">
             <a:avLst/>
@@ -206,18 +199,16 @@
             <a:noAutofit/>
           </a:bodyPr>
           <a:p>
-            <a:endParaRPr b="0" lang="en-US" sz="1400" spc="-1" strike="noStrike">
-              <a:solidFill>
-                <a:srgbClr val="000000"/>
-              </a:solidFill>
-              <a:latin typeface="Arial"/>
-            </a:endParaRPr>
-          </a:p>
-        </p:txBody>
-      </p:sp>
-      <p:sp>
-        <p:nvSpPr>
-          <p:cNvPr id="34" name="PlaceHolder 2"/>
+            <a:pPr algn="ctr"/>
+            <a:endParaRPr b="0" lang="en-US" sz="4400" spc="-1" strike="noStrike">
+              <a:latin typeface="Arial"/>
+            </a:endParaRPr>
+          </a:p>
+        </p:txBody>
+      </p:sp>
+      <p:sp>
+        <p:nvSpPr>
+          <p:cNvPr id="33" name="PlaceHolder 2"/>
           <p:cNvSpPr>
             <a:spLocks noGrp="1"/>
           </p:cNvSpPr>
@@ -239,18 +230,15 @@
             <a:normAutofit/>
           </a:bodyPr>
           <a:p>
-            <a:endParaRPr b="0" lang="en-US" sz="1400" spc="-1" strike="noStrike">
-              <a:solidFill>
-                <a:srgbClr val="000000"/>
-              </a:solidFill>
-              <a:latin typeface="Arial"/>
-            </a:endParaRPr>
-          </a:p>
-        </p:txBody>
-      </p:sp>
-      <p:sp>
-        <p:nvSpPr>
-          <p:cNvPr id="35" name="PlaceHolder 3"/>
+            <a:endParaRPr b="0" lang="en-US" sz="3200" spc="-1" strike="noStrike">
+              <a:latin typeface="Arial"/>
+            </a:endParaRPr>
+          </a:p>
+        </p:txBody>
+      </p:sp>
+      <p:sp>
+        <p:nvSpPr>
+          <p:cNvPr id="34" name="PlaceHolder 3"/>
           <p:cNvSpPr>
             <a:spLocks noGrp="1"/>
           </p:cNvSpPr>
@@ -272,18 +260,15 @@
             <a:normAutofit/>
           </a:bodyPr>
           <a:p>
-            <a:endParaRPr b="0" lang="en-US" sz="1400" spc="-1" strike="noStrike">
-              <a:solidFill>
-                <a:srgbClr val="000000"/>
-              </a:solidFill>
-              <a:latin typeface="Arial"/>
-            </a:endParaRPr>
-          </a:p>
-        </p:txBody>
-      </p:sp>
-      <p:sp>
-        <p:nvSpPr>
-          <p:cNvPr id="36" name="PlaceHolder 4"/>
+            <a:endParaRPr b="0" lang="en-US" sz="3200" spc="-1" strike="noStrike">
+              <a:latin typeface="Arial"/>
+            </a:endParaRPr>
+          </a:p>
+        </p:txBody>
+      </p:sp>
+      <p:sp>
+        <p:nvSpPr>
+          <p:cNvPr id="35" name="PlaceHolder 4"/>
           <p:cNvSpPr>
             <a:spLocks noGrp="1"/>
           </p:cNvSpPr>
@@ -305,18 +290,15 @@
             <a:normAutofit/>
           </a:bodyPr>
           <a:p>
-            <a:endParaRPr b="0" lang="en-US" sz="1400" spc="-1" strike="noStrike">
-              <a:solidFill>
-                <a:srgbClr val="000000"/>
-              </a:solidFill>
-              <a:latin typeface="Arial"/>
-            </a:endParaRPr>
-          </a:p>
-        </p:txBody>
-      </p:sp>
-      <p:sp>
-        <p:nvSpPr>
-          <p:cNvPr id="37" name="PlaceHolder 5"/>
+            <a:endParaRPr b="0" lang="en-US" sz="3200" spc="-1" strike="noStrike">
+              <a:latin typeface="Arial"/>
+            </a:endParaRPr>
+          </a:p>
+        </p:txBody>
+      </p:sp>
+      <p:sp>
+        <p:nvSpPr>
+          <p:cNvPr id="36" name="PlaceHolder 5"/>
           <p:cNvSpPr>
             <a:spLocks noGrp="1"/>
           </p:cNvSpPr>
@@ -338,10 +320,7 @@
             <a:normAutofit/>
           </a:bodyPr>
           <a:p>
-            <a:endParaRPr b="0" lang="en-US" sz="1400" spc="-1" strike="noStrike">
-              <a:solidFill>
-                <a:srgbClr val="000000"/>
-              </a:solidFill>
+            <a:endParaRPr b="0" lang="en-US" sz="3200" spc="-1" strike="noStrike">
               <a:latin typeface="Arial"/>
             </a:endParaRPr>
           </a:p>
@@ -371,7 +350,7 @@
       </p:grpSpPr>
       <p:sp>
         <p:nvSpPr>
-          <p:cNvPr id="38" name="PlaceHolder 1"/>
+          <p:cNvPr id="37" name="PlaceHolder 1"/>
           <p:cNvSpPr>
             <a:spLocks noGrp="1"/>
           </p:cNvSpPr>
@@ -382,7 +361,7 @@
         <p:spPr>
           <a:xfrm>
             <a:off x="3537000" y="1578240"/>
-            <a:ext cx="5017320" cy="1578600"/>
+            <a:ext cx="5016960" cy="1578240"/>
           </a:xfrm>
           <a:prstGeom prst="rect">
             <a:avLst/>
@@ -393,18 +372,16 @@
             <a:noAutofit/>
           </a:bodyPr>
           <a:p>
-            <a:endParaRPr b="0" lang="en-US" sz="1400" spc="-1" strike="noStrike">
-              <a:solidFill>
-                <a:srgbClr val="000000"/>
-              </a:solidFill>
-              <a:latin typeface="Arial"/>
-            </a:endParaRPr>
-          </a:p>
-        </p:txBody>
-      </p:sp>
-      <p:sp>
-        <p:nvSpPr>
-          <p:cNvPr id="39" name="PlaceHolder 2"/>
+            <a:pPr algn="ctr"/>
+            <a:endParaRPr b="0" lang="en-US" sz="4400" spc="-1" strike="noStrike">
+              <a:latin typeface="Arial"/>
+            </a:endParaRPr>
+          </a:p>
+        </p:txBody>
+      </p:sp>
+      <p:sp>
+        <p:nvSpPr>
+          <p:cNvPr id="38" name="PlaceHolder 2"/>
           <p:cNvSpPr>
             <a:spLocks noGrp="1"/>
           </p:cNvSpPr>
@@ -426,18 +403,15 @@
             <a:normAutofit/>
           </a:bodyPr>
           <a:p>
-            <a:endParaRPr b="0" lang="en-US" sz="1400" spc="-1" strike="noStrike">
-              <a:solidFill>
-                <a:srgbClr val="000000"/>
-              </a:solidFill>
-              <a:latin typeface="Arial"/>
-            </a:endParaRPr>
-          </a:p>
-        </p:txBody>
-      </p:sp>
-      <p:sp>
-        <p:nvSpPr>
-          <p:cNvPr id="40" name="PlaceHolder 3"/>
+            <a:endParaRPr b="0" lang="en-US" sz="3200" spc="-1" strike="noStrike">
+              <a:latin typeface="Arial"/>
+            </a:endParaRPr>
+          </a:p>
+        </p:txBody>
+      </p:sp>
+      <p:sp>
+        <p:nvSpPr>
+          <p:cNvPr id="39" name="PlaceHolder 3"/>
           <p:cNvSpPr>
             <a:spLocks noGrp="1"/>
           </p:cNvSpPr>
@@ -459,18 +433,15 @@
             <a:normAutofit/>
           </a:bodyPr>
           <a:p>
-            <a:endParaRPr b="0" lang="en-US" sz="1400" spc="-1" strike="noStrike">
-              <a:solidFill>
-                <a:srgbClr val="000000"/>
-              </a:solidFill>
-              <a:latin typeface="Arial"/>
-            </a:endParaRPr>
-          </a:p>
-        </p:txBody>
-      </p:sp>
-      <p:sp>
-        <p:nvSpPr>
-          <p:cNvPr id="41" name="PlaceHolder 4"/>
+            <a:endParaRPr b="0" lang="en-US" sz="3200" spc="-1" strike="noStrike">
+              <a:latin typeface="Arial"/>
+            </a:endParaRPr>
+          </a:p>
+        </p:txBody>
+      </p:sp>
+      <p:sp>
+        <p:nvSpPr>
+          <p:cNvPr id="40" name="PlaceHolder 4"/>
           <p:cNvSpPr>
             <a:spLocks noGrp="1"/>
           </p:cNvSpPr>
@@ -492,18 +463,15 @@
             <a:normAutofit/>
           </a:bodyPr>
           <a:p>
-            <a:endParaRPr b="0" lang="en-US" sz="1400" spc="-1" strike="noStrike">
-              <a:solidFill>
-                <a:srgbClr val="000000"/>
-              </a:solidFill>
-              <a:latin typeface="Arial"/>
-            </a:endParaRPr>
-          </a:p>
-        </p:txBody>
-      </p:sp>
-      <p:sp>
-        <p:nvSpPr>
-          <p:cNvPr id="42" name="PlaceHolder 5"/>
+            <a:endParaRPr b="0" lang="en-US" sz="3200" spc="-1" strike="noStrike">
+              <a:latin typeface="Arial"/>
+            </a:endParaRPr>
+          </a:p>
+        </p:txBody>
+      </p:sp>
+      <p:sp>
+        <p:nvSpPr>
+          <p:cNvPr id="41" name="PlaceHolder 5"/>
           <p:cNvSpPr>
             <a:spLocks noGrp="1"/>
           </p:cNvSpPr>
@@ -525,18 +493,15 @@
             <a:normAutofit/>
           </a:bodyPr>
           <a:p>
-            <a:endParaRPr b="0" lang="en-US" sz="1400" spc="-1" strike="noStrike">
-              <a:solidFill>
-                <a:srgbClr val="000000"/>
-              </a:solidFill>
-              <a:latin typeface="Arial"/>
-            </a:endParaRPr>
-          </a:p>
-        </p:txBody>
-      </p:sp>
-      <p:sp>
-        <p:nvSpPr>
-          <p:cNvPr id="43" name="PlaceHolder 6"/>
+            <a:endParaRPr b="0" lang="en-US" sz="3200" spc="-1" strike="noStrike">
+              <a:latin typeface="Arial"/>
+            </a:endParaRPr>
+          </a:p>
+        </p:txBody>
+      </p:sp>
+      <p:sp>
+        <p:nvSpPr>
+          <p:cNvPr id="42" name="PlaceHolder 6"/>
           <p:cNvSpPr>
             <a:spLocks noGrp="1"/>
           </p:cNvSpPr>
@@ -558,18 +523,15 @@
             <a:normAutofit/>
           </a:bodyPr>
           <a:p>
-            <a:endParaRPr b="0" lang="en-US" sz="1400" spc="-1" strike="noStrike">
-              <a:solidFill>
-                <a:srgbClr val="000000"/>
-              </a:solidFill>
-              <a:latin typeface="Arial"/>
-            </a:endParaRPr>
-          </a:p>
-        </p:txBody>
-      </p:sp>
-      <p:sp>
-        <p:nvSpPr>
-          <p:cNvPr id="44" name="PlaceHolder 7"/>
+            <a:endParaRPr b="0" lang="en-US" sz="3200" spc="-1" strike="noStrike">
+              <a:latin typeface="Arial"/>
+            </a:endParaRPr>
+          </a:p>
+        </p:txBody>
+      </p:sp>
+      <p:sp>
+        <p:nvSpPr>
+          <p:cNvPr id="43" name="PlaceHolder 7"/>
           <p:cNvSpPr>
             <a:spLocks noGrp="1"/>
           </p:cNvSpPr>
@@ -591,10 +553,7 @@
             <a:normAutofit/>
           </a:bodyPr>
           <a:p>
-            <a:endParaRPr b="0" lang="en-US" sz="1400" spc="-1" strike="noStrike">
-              <a:solidFill>
-                <a:srgbClr val="000000"/>
-              </a:solidFill>
+            <a:endParaRPr b="0" lang="en-US" sz="3200" spc="-1" strike="noStrike">
               <a:latin typeface="Arial"/>
             </a:endParaRPr>
           </a:p>
@@ -646,7 +605,7 @@
       </p:grpSpPr>
       <p:sp>
         <p:nvSpPr>
-          <p:cNvPr id="51" name="PlaceHolder 1"/>
+          <p:cNvPr id="49" name="PlaceHolder 1"/>
           <p:cNvSpPr>
             <a:spLocks noGrp="1"/>
           </p:cNvSpPr>
@@ -657,7 +616,7 @@
         <p:spPr>
           <a:xfrm>
             <a:off x="3537000" y="1578240"/>
-            <a:ext cx="5017320" cy="1578600"/>
+            <a:ext cx="5016960" cy="1578240"/>
           </a:xfrm>
           <a:prstGeom prst="rect">
             <a:avLst/>
@@ -668,18 +627,16 @@
             <a:noAutofit/>
           </a:bodyPr>
           <a:p>
-            <a:endParaRPr b="0" lang="en-US" sz="1400" spc="-1" strike="noStrike">
-              <a:solidFill>
-                <a:srgbClr val="000000"/>
-              </a:solidFill>
-              <a:latin typeface="Arial"/>
-            </a:endParaRPr>
-          </a:p>
-        </p:txBody>
-      </p:sp>
-      <p:sp>
-        <p:nvSpPr>
-          <p:cNvPr id="52" name="PlaceHolder 2"/>
+            <a:pPr algn="ctr"/>
+            <a:endParaRPr b="0" lang="en-US" sz="4400" spc="-1" strike="noStrike">
+              <a:latin typeface="Arial"/>
+            </a:endParaRPr>
+          </a:p>
+        </p:txBody>
+      </p:sp>
+      <p:sp>
+        <p:nvSpPr>
+          <p:cNvPr id="50" name="PlaceHolder 2"/>
           <p:cNvSpPr>
             <a:spLocks noGrp="1"/>
           </p:cNvSpPr>
@@ -732,7 +689,7 @@
       </p:grpSpPr>
       <p:sp>
         <p:nvSpPr>
-          <p:cNvPr id="53" name="PlaceHolder 1"/>
+          <p:cNvPr id="51" name="PlaceHolder 1"/>
           <p:cNvSpPr>
             <a:spLocks noGrp="1"/>
           </p:cNvSpPr>
@@ -743,7 +700,7 @@
         <p:spPr>
           <a:xfrm>
             <a:off x="3537000" y="1578240"/>
-            <a:ext cx="5017320" cy="1578600"/>
+            <a:ext cx="5016960" cy="1578240"/>
           </a:xfrm>
           <a:prstGeom prst="rect">
             <a:avLst/>
@@ -754,18 +711,16 @@
             <a:noAutofit/>
           </a:bodyPr>
           <a:p>
-            <a:endParaRPr b="0" lang="en-US" sz="1400" spc="-1" strike="noStrike">
-              <a:solidFill>
-                <a:srgbClr val="000000"/>
-              </a:solidFill>
-              <a:latin typeface="Arial"/>
-            </a:endParaRPr>
-          </a:p>
-        </p:txBody>
-      </p:sp>
-      <p:sp>
-        <p:nvSpPr>
-          <p:cNvPr id="54" name="PlaceHolder 2"/>
+            <a:pPr algn="ctr"/>
+            <a:endParaRPr b="0" lang="en-US" sz="4400" spc="-1" strike="noStrike">
+              <a:latin typeface="Arial"/>
+            </a:endParaRPr>
+          </a:p>
+        </p:txBody>
+      </p:sp>
+      <p:sp>
+        <p:nvSpPr>
+          <p:cNvPr id="52" name="PlaceHolder 2"/>
           <p:cNvSpPr>
             <a:spLocks noGrp="1"/>
           </p:cNvSpPr>
@@ -787,10 +742,7 @@
             <a:normAutofit/>
           </a:bodyPr>
           <a:p>
-            <a:endParaRPr b="0" lang="en-US" sz="1400" spc="-1" strike="noStrike">
-              <a:solidFill>
-                <a:srgbClr val="000000"/>
-              </a:solidFill>
+            <a:endParaRPr b="0" lang="en-US" sz="3200" spc="-1" strike="noStrike">
               <a:latin typeface="Arial"/>
             </a:endParaRPr>
           </a:p>
@@ -820,7 +772,7 @@
       </p:grpSpPr>
       <p:sp>
         <p:nvSpPr>
-          <p:cNvPr id="55" name="PlaceHolder 1"/>
+          <p:cNvPr id="53" name="PlaceHolder 1"/>
           <p:cNvSpPr>
             <a:spLocks noGrp="1"/>
           </p:cNvSpPr>
@@ -831,7 +783,7 @@
         <p:spPr>
           <a:xfrm>
             <a:off x="3537000" y="1578240"/>
-            <a:ext cx="5017320" cy="1578600"/>
+            <a:ext cx="5016960" cy="1578240"/>
           </a:xfrm>
           <a:prstGeom prst="rect">
             <a:avLst/>
@@ -842,18 +794,16 @@
             <a:noAutofit/>
           </a:bodyPr>
           <a:p>
-            <a:endParaRPr b="0" lang="en-US" sz="1400" spc="-1" strike="noStrike">
-              <a:solidFill>
-                <a:srgbClr val="000000"/>
-              </a:solidFill>
-              <a:latin typeface="Arial"/>
-            </a:endParaRPr>
-          </a:p>
-        </p:txBody>
-      </p:sp>
-      <p:sp>
-        <p:nvSpPr>
-          <p:cNvPr id="56" name="PlaceHolder 2"/>
+            <a:pPr algn="ctr"/>
+            <a:endParaRPr b="0" lang="en-US" sz="4400" spc="-1" strike="noStrike">
+              <a:latin typeface="Arial"/>
+            </a:endParaRPr>
+          </a:p>
+        </p:txBody>
+      </p:sp>
+      <p:sp>
+        <p:nvSpPr>
+          <p:cNvPr id="54" name="PlaceHolder 2"/>
           <p:cNvSpPr>
             <a:spLocks noGrp="1"/>
           </p:cNvSpPr>
@@ -875,18 +825,15 @@
             <a:normAutofit/>
           </a:bodyPr>
           <a:p>
-            <a:endParaRPr b="0" lang="en-US" sz="1400" spc="-1" strike="noStrike">
-              <a:solidFill>
-                <a:srgbClr val="000000"/>
-              </a:solidFill>
-              <a:latin typeface="Arial"/>
-            </a:endParaRPr>
-          </a:p>
-        </p:txBody>
-      </p:sp>
-      <p:sp>
-        <p:nvSpPr>
-          <p:cNvPr id="57" name="PlaceHolder 3"/>
+            <a:endParaRPr b="0" lang="en-US" sz="3200" spc="-1" strike="noStrike">
+              <a:latin typeface="Arial"/>
+            </a:endParaRPr>
+          </a:p>
+        </p:txBody>
+      </p:sp>
+      <p:sp>
+        <p:nvSpPr>
+          <p:cNvPr id="55" name="PlaceHolder 3"/>
           <p:cNvSpPr>
             <a:spLocks noGrp="1"/>
           </p:cNvSpPr>
@@ -908,10 +855,7 @@
             <a:normAutofit/>
           </a:bodyPr>
           <a:p>
-            <a:endParaRPr b="0" lang="en-US" sz="1400" spc="-1" strike="noStrike">
-              <a:solidFill>
-                <a:srgbClr val="000000"/>
-              </a:solidFill>
+            <a:endParaRPr b="0" lang="en-US" sz="3200" spc="-1" strike="noStrike">
               <a:latin typeface="Arial"/>
             </a:endParaRPr>
           </a:p>
@@ -941,7 +885,7 @@
       </p:grpSpPr>
       <p:sp>
         <p:nvSpPr>
-          <p:cNvPr id="58" name="PlaceHolder 1"/>
+          <p:cNvPr id="56" name="PlaceHolder 1"/>
           <p:cNvSpPr>
             <a:spLocks noGrp="1"/>
           </p:cNvSpPr>
@@ -952,7 +896,7 @@
         <p:spPr>
           <a:xfrm>
             <a:off x="3537000" y="1578240"/>
-            <a:ext cx="5017320" cy="1578600"/>
+            <a:ext cx="5016960" cy="1578240"/>
           </a:xfrm>
           <a:prstGeom prst="rect">
             <a:avLst/>
@@ -963,10 +907,8 @@
             <a:noAutofit/>
           </a:bodyPr>
           <a:p>
-            <a:endParaRPr b="0" lang="en-US" sz="1400" spc="-1" strike="noStrike">
-              <a:solidFill>
-                <a:srgbClr val="000000"/>
-              </a:solidFill>
+            <a:pPr algn="ctr"/>
+            <a:endParaRPr b="0" lang="en-US" sz="4400" spc="-1" strike="noStrike">
               <a:latin typeface="Arial"/>
             </a:endParaRPr>
           </a:p>
@@ -996,7 +938,7 @@
       </p:grpSpPr>
       <p:sp>
         <p:nvSpPr>
-          <p:cNvPr id="59" name="PlaceHolder 1"/>
+          <p:cNvPr id="57" name="PlaceHolder 1"/>
           <p:cNvSpPr>
             <a:spLocks noGrp="1"/>
           </p:cNvSpPr>
@@ -1007,7 +949,7 @@
         <p:spPr>
           <a:xfrm>
             <a:off x="3537000" y="1578240"/>
-            <a:ext cx="5017320" cy="7318800"/>
+            <a:ext cx="5016960" cy="7317000"/>
           </a:xfrm>
           <a:prstGeom prst="rect">
             <a:avLst/>
@@ -1049,7 +991,7 @@
       </p:grpSpPr>
       <p:sp>
         <p:nvSpPr>
-          <p:cNvPr id="60" name="PlaceHolder 1"/>
+          <p:cNvPr id="58" name="PlaceHolder 1"/>
           <p:cNvSpPr>
             <a:spLocks noGrp="1"/>
           </p:cNvSpPr>
@@ -1060,7 +1002,7 @@
         <p:spPr>
           <a:xfrm>
             <a:off x="3537000" y="1578240"/>
-            <a:ext cx="5017320" cy="1578600"/>
+            <a:ext cx="5016960" cy="1578240"/>
           </a:xfrm>
           <a:prstGeom prst="rect">
             <a:avLst/>
@@ -1071,18 +1013,16 @@
             <a:noAutofit/>
           </a:bodyPr>
           <a:p>
-            <a:endParaRPr b="0" lang="en-US" sz="1400" spc="-1" strike="noStrike">
-              <a:solidFill>
-                <a:srgbClr val="000000"/>
-              </a:solidFill>
-              <a:latin typeface="Arial"/>
-            </a:endParaRPr>
-          </a:p>
-        </p:txBody>
-      </p:sp>
-      <p:sp>
-        <p:nvSpPr>
-          <p:cNvPr id="61" name="PlaceHolder 2"/>
+            <a:pPr algn="ctr"/>
+            <a:endParaRPr b="0" lang="en-US" sz="4400" spc="-1" strike="noStrike">
+              <a:latin typeface="Arial"/>
+            </a:endParaRPr>
+          </a:p>
+        </p:txBody>
+      </p:sp>
+      <p:sp>
+        <p:nvSpPr>
+          <p:cNvPr id="59" name="PlaceHolder 2"/>
           <p:cNvSpPr>
             <a:spLocks noGrp="1"/>
           </p:cNvSpPr>
@@ -1104,18 +1044,15 @@
             <a:normAutofit/>
           </a:bodyPr>
           <a:p>
-            <a:endParaRPr b="0" lang="en-US" sz="1400" spc="-1" strike="noStrike">
-              <a:solidFill>
-                <a:srgbClr val="000000"/>
-              </a:solidFill>
-              <a:latin typeface="Arial"/>
-            </a:endParaRPr>
-          </a:p>
-        </p:txBody>
-      </p:sp>
-      <p:sp>
-        <p:nvSpPr>
-          <p:cNvPr id="62" name="PlaceHolder 3"/>
+            <a:endParaRPr b="0" lang="en-US" sz="3200" spc="-1" strike="noStrike">
+              <a:latin typeface="Arial"/>
+            </a:endParaRPr>
+          </a:p>
+        </p:txBody>
+      </p:sp>
+      <p:sp>
+        <p:nvSpPr>
+          <p:cNvPr id="60" name="PlaceHolder 3"/>
           <p:cNvSpPr>
             <a:spLocks noGrp="1"/>
           </p:cNvSpPr>
@@ -1137,18 +1074,15 @@
             <a:normAutofit/>
           </a:bodyPr>
           <a:p>
-            <a:endParaRPr b="0" lang="en-US" sz="1400" spc="-1" strike="noStrike">
-              <a:solidFill>
-                <a:srgbClr val="000000"/>
-              </a:solidFill>
-              <a:latin typeface="Arial"/>
-            </a:endParaRPr>
-          </a:p>
-        </p:txBody>
-      </p:sp>
-      <p:sp>
-        <p:nvSpPr>
-          <p:cNvPr id="63" name="PlaceHolder 4"/>
+            <a:endParaRPr b="0" lang="en-US" sz="3200" spc="-1" strike="noStrike">
+              <a:latin typeface="Arial"/>
+            </a:endParaRPr>
+          </a:p>
+        </p:txBody>
+      </p:sp>
+      <p:sp>
+        <p:nvSpPr>
+          <p:cNvPr id="61" name="PlaceHolder 4"/>
           <p:cNvSpPr>
             <a:spLocks noGrp="1"/>
           </p:cNvSpPr>
@@ -1170,10 +1104,7 @@
             <a:normAutofit/>
           </a:bodyPr>
           <a:p>
-            <a:endParaRPr b="0" lang="en-US" sz="1400" spc="-1" strike="noStrike">
-              <a:solidFill>
-                <a:srgbClr val="000000"/>
-              </a:solidFill>
+            <a:endParaRPr b="0" lang="en-US" sz="3200" spc="-1" strike="noStrike">
               <a:latin typeface="Arial"/>
             </a:endParaRPr>
           </a:p>
@@ -1203,7 +1134,7 @@
       </p:grpSpPr>
       <p:sp>
         <p:nvSpPr>
-          <p:cNvPr id="9" name="PlaceHolder 1"/>
+          <p:cNvPr id="8" name="PlaceHolder 1"/>
           <p:cNvSpPr>
             <a:spLocks noGrp="1"/>
           </p:cNvSpPr>
@@ -1214,7 +1145,7 @@
         <p:spPr>
           <a:xfrm>
             <a:off x="3537000" y="1578240"/>
-            <a:ext cx="5017320" cy="1578600"/>
+            <a:ext cx="5016960" cy="1578240"/>
           </a:xfrm>
           <a:prstGeom prst="rect">
             <a:avLst/>
@@ -1225,18 +1156,16 @@
             <a:noAutofit/>
           </a:bodyPr>
           <a:p>
-            <a:endParaRPr b="0" lang="en-US" sz="1400" spc="-1" strike="noStrike">
-              <a:solidFill>
-                <a:srgbClr val="000000"/>
-              </a:solidFill>
-              <a:latin typeface="Arial"/>
-            </a:endParaRPr>
-          </a:p>
-        </p:txBody>
-      </p:sp>
-      <p:sp>
-        <p:nvSpPr>
-          <p:cNvPr id="10" name="PlaceHolder 2"/>
+            <a:pPr algn="ctr"/>
+            <a:endParaRPr b="0" lang="en-US" sz="4400" spc="-1" strike="noStrike">
+              <a:latin typeface="Arial"/>
+            </a:endParaRPr>
+          </a:p>
+        </p:txBody>
+      </p:sp>
+      <p:sp>
+        <p:nvSpPr>
+          <p:cNvPr id="9" name="PlaceHolder 2"/>
           <p:cNvSpPr>
             <a:spLocks noGrp="1"/>
           </p:cNvSpPr>
@@ -1289,7 +1218,7 @@
       </p:grpSpPr>
       <p:sp>
         <p:nvSpPr>
-          <p:cNvPr id="64" name="PlaceHolder 1"/>
+          <p:cNvPr id="62" name="PlaceHolder 1"/>
           <p:cNvSpPr>
             <a:spLocks noGrp="1"/>
           </p:cNvSpPr>
@@ -1300,7 +1229,7 @@
         <p:spPr>
           <a:xfrm>
             <a:off x="3537000" y="1578240"/>
-            <a:ext cx="5017320" cy="1578600"/>
+            <a:ext cx="5016960" cy="1578240"/>
           </a:xfrm>
           <a:prstGeom prst="rect">
             <a:avLst/>
@@ -1311,18 +1240,16 @@
             <a:noAutofit/>
           </a:bodyPr>
           <a:p>
-            <a:endParaRPr b="0" lang="en-US" sz="1400" spc="-1" strike="noStrike">
-              <a:solidFill>
-                <a:srgbClr val="000000"/>
-              </a:solidFill>
-              <a:latin typeface="Arial"/>
-            </a:endParaRPr>
-          </a:p>
-        </p:txBody>
-      </p:sp>
-      <p:sp>
-        <p:nvSpPr>
-          <p:cNvPr id="65" name="PlaceHolder 2"/>
+            <a:pPr algn="ctr"/>
+            <a:endParaRPr b="0" lang="en-US" sz="4400" spc="-1" strike="noStrike">
+              <a:latin typeface="Arial"/>
+            </a:endParaRPr>
+          </a:p>
+        </p:txBody>
+      </p:sp>
+      <p:sp>
+        <p:nvSpPr>
+          <p:cNvPr id="63" name="PlaceHolder 2"/>
           <p:cNvSpPr>
             <a:spLocks noGrp="1"/>
           </p:cNvSpPr>
@@ -1344,18 +1271,15 @@
             <a:normAutofit/>
           </a:bodyPr>
           <a:p>
-            <a:endParaRPr b="0" lang="en-US" sz="1400" spc="-1" strike="noStrike">
-              <a:solidFill>
-                <a:srgbClr val="000000"/>
-              </a:solidFill>
-              <a:latin typeface="Arial"/>
-            </a:endParaRPr>
-          </a:p>
-        </p:txBody>
-      </p:sp>
-      <p:sp>
-        <p:nvSpPr>
-          <p:cNvPr id="66" name="PlaceHolder 3"/>
+            <a:endParaRPr b="0" lang="en-US" sz="3200" spc="-1" strike="noStrike">
+              <a:latin typeface="Arial"/>
+            </a:endParaRPr>
+          </a:p>
+        </p:txBody>
+      </p:sp>
+      <p:sp>
+        <p:nvSpPr>
+          <p:cNvPr id="64" name="PlaceHolder 3"/>
           <p:cNvSpPr>
             <a:spLocks noGrp="1"/>
           </p:cNvSpPr>
@@ -1377,18 +1301,15 @@
             <a:normAutofit/>
           </a:bodyPr>
           <a:p>
-            <a:endParaRPr b="0" lang="en-US" sz="1400" spc="-1" strike="noStrike">
-              <a:solidFill>
-                <a:srgbClr val="000000"/>
-              </a:solidFill>
-              <a:latin typeface="Arial"/>
-            </a:endParaRPr>
-          </a:p>
-        </p:txBody>
-      </p:sp>
-      <p:sp>
-        <p:nvSpPr>
-          <p:cNvPr id="67" name="PlaceHolder 4"/>
+            <a:endParaRPr b="0" lang="en-US" sz="3200" spc="-1" strike="noStrike">
+              <a:latin typeface="Arial"/>
+            </a:endParaRPr>
+          </a:p>
+        </p:txBody>
+      </p:sp>
+      <p:sp>
+        <p:nvSpPr>
+          <p:cNvPr id="65" name="PlaceHolder 4"/>
           <p:cNvSpPr>
             <a:spLocks noGrp="1"/>
           </p:cNvSpPr>
@@ -1410,10 +1331,7 @@
             <a:normAutofit/>
           </a:bodyPr>
           <a:p>
-            <a:endParaRPr b="0" lang="en-US" sz="1400" spc="-1" strike="noStrike">
-              <a:solidFill>
-                <a:srgbClr val="000000"/>
-              </a:solidFill>
+            <a:endParaRPr b="0" lang="en-US" sz="3200" spc="-1" strike="noStrike">
               <a:latin typeface="Arial"/>
             </a:endParaRPr>
           </a:p>
@@ -1443,7 +1361,7 @@
       </p:grpSpPr>
       <p:sp>
         <p:nvSpPr>
-          <p:cNvPr id="68" name="PlaceHolder 1"/>
+          <p:cNvPr id="66" name="PlaceHolder 1"/>
           <p:cNvSpPr>
             <a:spLocks noGrp="1"/>
           </p:cNvSpPr>
@@ -1454,7 +1372,7 @@
         <p:spPr>
           <a:xfrm>
             <a:off x="3537000" y="1578240"/>
-            <a:ext cx="5017320" cy="1578600"/>
+            <a:ext cx="5016960" cy="1578240"/>
           </a:xfrm>
           <a:prstGeom prst="rect">
             <a:avLst/>
@@ -1465,18 +1383,16 @@
             <a:noAutofit/>
           </a:bodyPr>
           <a:p>
-            <a:endParaRPr b="0" lang="en-US" sz="1400" spc="-1" strike="noStrike">
-              <a:solidFill>
-                <a:srgbClr val="000000"/>
-              </a:solidFill>
-              <a:latin typeface="Arial"/>
-            </a:endParaRPr>
-          </a:p>
-        </p:txBody>
-      </p:sp>
-      <p:sp>
-        <p:nvSpPr>
-          <p:cNvPr id="69" name="PlaceHolder 2"/>
+            <a:pPr algn="ctr"/>
+            <a:endParaRPr b="0" lang="en-US" sz="4400" spc="-1" strike="noStrike">
+              <a:latin typeface="Arial"/>
+            </a:endParaRPr>
+          </a:p>
+        </p:txBody>
+      </p:sp>
+      <p:sp>
+        <p:nvSpPr>
+          <p:cNvPr id="67" name="PlaceHolder 2"/>
           <p:cNvSpPr>
             <a:spLocks noGrp="1"/>
           </p:cNvSpPr>
@@ -1498,18 +1414,15 @@
             <a:normAutofit/>
           </a:bodyPr>
           <a:p>
-            <a:endParaRPr b="0" lang="en-US" sz="1400" spc="-1" strike="noStrike">
-              <a:solidFill>
-                <a:srgbClr val="000000"/>
-              </a:solidFill>
-              <a:latin typeface="Arial"/>
-            </a:endParaRPr>
-          </a:p>
-        </p:txBody>
-      </p:sp>
-      <p:sp>
-        <p:nvSpPr>
-          <p:cNvPr id="70" name="PlaceHolder 3"/>
+            <a:endParaRPr b="0" lang="en-US" sz="3200" spc="-1" strike="noStrike">
+              <a:latin typeface="Arial"/>
+            </a:endParaRPr>
+          </a:p>
+        </p:txBody>
+      </p:sp>
+      <p:sp>
+        <p:nvSpPr>
+          <p:cNvPr id="68" name="PlaceHolder 3"/>
           <p:cNvSpPr>
             <a:spLocks noGrp="1"/>
           </p:cNvSpPr>
@@ -1531,18 +1444,15 @@
             <a:normAutofit/>
           </a:bodyPr>
           <a:p>
-            <a:endParaRPr b="0" lang="en-US" sz="1400" spc="-1" strike="noStrike">
-              <a:solidFill>
-                <a:srgbClr val="000000"/>
-              </a:solidFill>
-              <a:latin typeface="Arial"/>
-            </a:endParaRPr>
-          </a:p>
-        </p:txBody>
-      </p:sp>
-      <p:sp>
-        <p:nvSpPr>
-          <p:cNvPr id="71" name="PlaceHolder 4"/>
+            <a:endParaRPr b="0" lang="en-US" sz="3200" spc="-1" strike="noStrike">
+              <a:latin typeface="Arial"/>
+            </a:endParaRPr>
+          </a:p>
+        </p:txBody>
+      </p:sp>
+      <p:sp>
+        <p:nvSpPr>
+          <p:cNvPr id="69" name="PlaceHolder 4"/>
           <p:cNvSpPr>
             <a:spLocks noGrp="1"/>
           </p:cNvSpPr>
@@ -1564,10 +1474,7 @@
             <a:normAutofit/>
           </a:bodyPr>
           <a:p>
-            <a:endParaRPr b="0" lang="en-US" sz="1400" spc="-1" strike="noStrike">
-              <a:solidFill>
-                <a:srgbClr val="000000"/>
-              </a:solidFill>
+            <a:endParaRPr b="0" lang="en-US" sz="3200" spc="-1" strike="noStrike">
               <a:latin typeface="Arial"/>
             </a:endParaRPr>
           </a:p>
@@ -1597,7 +1504,7 @@
       </p:grpSpPr>
       <p:sp>
         <p:nvSpPr>
-          <p:cNvPr id="72" name="PlaceHolder 1"/>
+          <p:cNvPr id="70" name="PlaceHolder 1"/>
           <p:cNvSpPr>
             <a:spLocks noGrp="1"/>
           </p:cNvSpPr>
@@ -1608,7 +1515,7 @@
         <p:spPr>
           <a:xfrm>
             <a:off x="3537000" y="1578240"/>
-            <a:ext cx="5017320" cy="1578600"/>
+            <a:ext cx="5016960" cy="1578240"/>
           </a:xfrm>
           <a:prstGeom prst="rect">
             <a:avLst/>
@@ -1619,18 +1526,16 @@
             <a:noAutofit/>
           </a:bodyPr>
           <a:p>
-            <a:endParaRPr b="0" lang="en-US" sz="1400" spc="-1" strike="noStrike">
-              <a:solidFill>
-                <a:srgbClr val="000000"/>
-              </a:solidFill>
-              <a:latin typeface="Arial"/>
-            </a:endParaRPr>
-          </a:p>
-        </p:txBody>
-      </p:sp>
-      <p:sp>
-        <p:nvSpPr>
-          <p:cNvPr id="73" name="PlaceHolder 2"/>
+            <a:pPr algn="ctr"/>
+            <a:endParaRPr b="0" lang="en-US" sz="4400" spc="-1" strike="noStrike">
+              <a:latin typeface="Arial"/>
+            </a:endParaRPr>
+          </a:p>
+        </p:txBody>
+      </p:sp>
+      <p:sp>
+        <p:nvSpPr>
+          <p:cNvPr id="71" name="PlaceHolder 2"/>
           <p:cNvSpPr>
             <a:spLocks noGrp="1"/>
           </p:cNvSpPr>
@@ -1652,18 +1557,15 @@
             <a:normAutofit/>
           </a:bodyPr>
           <a:p>
-            <a:endParaRPr b="0" lang="en-US" sz="1400" spc="-1" strike="noStrike">
-              <a:solidFill>
-                <a:srgbClr val="000000"/>
-              </a:solidFill>
-              <a:latin typeface="Arial"/>
-            </a:endParaRPr>
-          </a:p>
-        </p:txBody>
-      </p:sp>
-      <p:sp>
-        <p:nvSpPr>
-          <p:cNvPr id="74" name="PlaceHolder 3"/>
+            <a:endParaRPr b="0" lang="en-US" sz="3200" spc="-1" strike="noStrike">
+              <a:latin typeface="Arial"/>
+            </a:endParaRPr>
+          </a:p>
+        </p:txBody>
+      </p:sp>
+      <p:sp>
+        <p:nvSpPr>
+          <p:cNvPr id="72" name="PlaceHolder 3"/>
           <p:cNvSpPr>
             <a:spLocks noGrp="1"/>
           </p:cNvSpPr>
@@ -1685,10 +1587,7 @@
             <a:normAutofit/>
           </a:bodyPr>
           <a:p>
-            <a:endParaRPr b="0" lang="en-US" sz="1400" spc="-1" strike="noStrike">
-              <a:solidFill>
-                <a:srgbClr val="000000"/>
-              </a:solidFill>
+            <a:endParaRPr b="0" lang="en-US" sz="3200" spc="-1" strike="noStrike">
               <a:latin typeface="Arial"/>
             </a:endParaRPr>
           </a:p>
@@ -1718,7 +1617,7 @@
       </p:grpSpPr>
       <p:sp>
         <p:nvSpPr>
-          <p:cNvPr id="75" name="PlaceHolder 1"/>
+          <p:cNvPr id="73" name="PlaceHolder 1"/>
           <p:cNvSpPr>
             <a:spLocks noGrp="1"/>
           </p:cNvSpPr>
@@ -1729,7 +1628,7 @@
         <p:spPr>
           <a:xfrm>
             <a:off x="3537000" y="1578240"/>
-            <a:ext cx="5017320" cy="1578600"/>
+            <a:ext cx="5016960" cy="1578240"/>
           </a:xfrm>
           <a:prstGeom prst="rect">
             <a:avLst/>
@@ -1740,18 +1639,16 @@
             <a:noAutofit/>
           </a:bodyPr>
           <a:p>
-            <a:endParaRPr b="0" lang="en-US" sz="1400" spc="-1" strike="noStrike">
-              <a:solidFill>
-                <a:srgbClr val="000000"/>
-              </a:solidFill>
-              <a:latin typeface="Arial"/>
-            </a:endParaRPr>
-          </a:p>
-        </p:txBody>
-      </p:sp>
-      <p:sp>
-        <p:nvSpPr>
-          <p:cNvPr id="76" name="PlaceHolder 2"/>
+            <a:pPr algn="ctr"/>
+            <a:endParaRPr b="0" lang="en-US" sz="4400" spc="-1" strike="noStrike">
+              <a:latin typeface="Arial"/>
+            </a:endParaRPr>
+          </a:p>
+        </p:txBody>
+      </p:sp>
+      <p:sp>
+        <p:nvSpPr>
+          <p:cNvPr id="74" name="PlaceHolder 2"/>
           <p:cNvSpPr>
             <a:spLocks noGrp="1"/>
           </p:cNvSpPr>
@@ -1773,18 +1670,15 @@
             <a:normAutofit/>
           </a:bodyPr>
           <a:p>
-            <a:endParaRPr b="0" lang="en-US" sz="1400" spc="-1" strike="noStrike">
-              <a:solidFill>
-                <a:srgbClr val="000000"/>
-              </a:solidFill>
-              <a:latin typeface="Arial"/>
-            </a:endParaRPr>
-          </a:p>
-        </p:txBody>
-      </p:sp>
-      <p:sp>
-        <p:nvSpPr>
-          <p:cNvPr id="77" name="PlaceHolder 3"/>
+            <a:endParaRPr b="0" lang="en-US" sz="3200" spc="-1" strike="noStrike">
+              <a:latin typeface="Arial"/>
+            </a:endParaRPr>
+          </a:p>
+        </p:txBody>
+      </p:sp>
+      <p:sp>
+        <p:nvSpPr>
+          <p:cNvPr id="75" name="PlaceHolder 3"/>
           <p:cNvSpPr>
             <a:spLocks noGrp="1"/>
           </p:cNvSpPr>
@@ -1806,18 +1700,15 @@
             <a:normAutofit/>
           </a:bodyPr>
           <a:p>
-            <a:endParaRPr b="0" lang="en-US" sz="1400" spc="-1" strike="noStrike">
-              <a:solidFill>
-                <a:srgbClr val="000000"/>
-              </a:solidFill>
-              <a:latin typeface="Arial"/>
-            </a:endParaRPr>
-          </a:p>
-        </p:txBody>
-      </p:sp>
-      <p:sp>
-        <p:nvSpPr>
-          <p:cNvPr id="78" name="PlaceHolder 4"/>
+            <a:endParaRPr b="0" lang="en-US" sz="3200" spc="-1" strike="noStrike">
+              <a:latin typeface="Arial"/>
+            </a:endParaRPr>
+          </a:p>
+        </p:txBody>
+      </p:sp>
+      <p:sp>
+        <p:nvSpPr>
+          <p:cNvPr id="76" name="PlaceHolder 4"/>
           <p:cNvSpPr>
             <a:spLocks noGrp="1"/>
           </p:cNvSpPr>
@@ -1839,18 +1730,15 @@
             <a:normAutofit/>
           </a:bodyPr>
           <a:p>
-            <a:endParaRPr b="0" lang="en-US" sz="1400" spc="-1" strike="noStrike">
-              <a:solidFill>
-                <a:srgbClr val="000000"/>
-              </a:solidFill>
-              <a:latin typeface="Arial"/>
-            </a:endParaRPr>
-          </a:p>
-        </p:txBody>
-      </p:sp>
-      <p:sp>
-        <p:nvSpPr>
-          <p:cNvPr id="79" name="PlaceHolder 5"/>
+            <a:endParaRPr b="0" lang="en-US" sz="3200" spc="-1" strike="noStrike">
+              <a:latin typeface="Arial"/>
+            </a:endParaRPr>
+          </a:p>
+        </p:txBody>
+      </p:sp>
+      <p:sp>
+        <p:nvSpPr>
+          <p:cNvPr id="77" name="PlaceHolder 5"/>
           <p:cNvSpPr>
             <a:spLocks noGrp="1"/>
           </p:cNvSpPr>
@@ -1872,10 +1760,7 @@
             <a:normAutofit/>
           </a:bodyPr>
           <a:p>
-            <a:endParaRPr b="0" lang="en-US" sz="1400" spc="-1" strike="noStrike">
-              <a:solidFill>
-                <a:srgbClr val="000000"/>
-              </a:solidFill>
+            <a:endParaRPr b="0" lang="en-US" sz="3200" spc="-1" strike="noStrike">
               <a:latin typeface="Arial"/>
             </a:endParaRPr>
           </a:p>
@@ -1905,7 +1790,7 @@
       </p:grpSpPr>
       <p:sp>
         <p:nvSpPr>
-          <p:cNvPr id="80" name="PlaceHolder 1"/>
+          <p:cNvPr id="78" name="PlaceHolder 1"/>
           <p:cNvSpPr>
             <a:spLocks noGrp="1"/>
           </p:cNvSpPr>
@@ -1916,7 +1801,7 @@
         <p:spPr>
           <a:xfrm>
             <a:off x="3537000" y="1578240"/>
-            <a:ext cx="5017320" cy="1578600"/>
+            <a:ext cx="5016960" cy="1578240"/>
           </a:xfrm>
           <a:prstGeom prst="rect">
             <a:avLst/>
@@ -1927,18 +1812,16 @@
             <a:noAutofit/>
           </a:bodyPr>
           <a:p>
-            <a:endParaRPr b="0" lang="en-US" sz="1400" spc="-1" strike="noStrike">
-              <a:solidFill>
-                <a:srgbClr val="000000"/>
-              </a:solidFill>
-              <a:latin typeface="Arial"/>
-            </a:endParaRPr>
-          </a:p>
-        </p:txBody>
-      </p:sp>
-      <p:sp>
-        <p:nvSpPr>
-          <p:cNvPr id="81" name="PlaceHolder 2"/>
+            <a:pPr algn="ctr"/>
+            <a:endParaRPr b="0" lang="en-US" sz="4400" spc="-1" strike="noStrike">
+              <a:latin typeface="Arial"/>
+            </a:endParaRPr>
+          </a:p>
+        </p:txBody>
+      </p:sp>
+      <p:sp>
+        <p:nvSpPr>
+          <p:cNvPr id="79" name="PlaceHolder 2"/>
           <p:cNvSpPr>
             <a:spLocks noGrp="1"/>
           </p:cNvSpPr>
@@ -1960,18 +1843,15 @@
             <a:normAutofit/>
           </a:bodyPr>
           <a:p>
-            <a:endParaRPr b="0" lang="en-US" sz="1400" spc="-1" strike="noStrike">
-              <a:solidFill>
-                <a:srgbClr val="000000"/>
-              </a:solidFill>
-              <a:latin typeface="Arial"/>
-            </a:endParaRPr>
-          </a:p>
-        </p:txBody>
-      </p:sp>
-      <p:sp>
-        <p:nvSpPr>
-          <p:cNvPr id="82" name="PlaceHolder 3"/>
+            <a:endParaRPr b="0" lang="en-US" sz="3200" spc="-1" strike="noStrike">
+              <a:latin typeface="Arial"/>
+            </a:endParaRPr>
+          </a:p>
+        </p:txBody>
+      </p:sp>
+      <p:sp>
+        <p:nvSpPr>
+          <p:cNvPr id="80" name="PlaceHolder 3"/>
           <p:cNvSpPr>
             <a:spLocks noGrp="1"/>
           </p:cNvSpPr>
@@ -1993,18 +1873,15 @@
             <a:normAutofit/>
           </a:bodyPr>
           <a:p>
-            <a:endParaRPr b="0" lang="en-US" sz="1400" spc="-1" strike="noStrike">
-              <a:solidFill>
-                <a:srgbClr val="000000"/>
-              </a:solidFill>
-              <a:latin typeface="Arial"/>
-            </a:endParaRPr>
-          </a:p>
-        </p:txBody>
-      </p:sp>
-      <p:sp>
-        <p:nvSpPr>
-          <p:cNvPr id="83" name="PlaceHolder 4"/>
+            <a:endParaRPr b="0" lang="en-US" sz="3200" spc="-1" strike="noStrike">
+              <a:latin typeface="Arial"/>
+            </a:endParaRPr>
+          </a:p>
+        </p:txBody>
+      </p:sp>
+      <p:sp>
+        <p:nvSpPr>
+          <p:cNvPr id="81" name="PlaceHolder 4"/>
           <p:cNvSpPr>
             <a:spLocks noGrp="1"/>
           </p:cNvSpPr>
@@ -2026,18 +1903,15 @@
             <a:normAutofit/>
           </a:bodyPr>
           <a:p>
-            <a:endParaRPr b="0" lang="en-US" sz="1400" spc="-1" strike="noStrike">
-              <a:solidFill>
-                <a:srgbClr val="000000"/>
-              </a:solidFill>
-              <a:latin typeface="Arial"/>
-            </a:endParaRPr>
-          </a:p>
-        </p:txBody>
-      </p:sp>
-      <p:sp>
-        <p:nvSpPr>
-          <p:cNvPr id="84" name="PlaceHolder 5"/>
+            <a:endParaRPr b="0" lang="en-US" sz="3200" spc="-1" strike="noStrike">
+              <a:latin typeface="Arial"/>
+            </a:endParaRPr>
+          </a:p>
+        </p:txBody>
+      </p:sp>
+      <p:sp>
+        <p:nvSpPr>
+          <p:cNvPr id="82" name="PlaceHolder 5"/>
           <p:cNvSpPr>
             <a:spLocks noGrp="1"/>
           </p:cNvSpPr>
@@ -2059,18 +1933,15 @@
             <a:normAutofit/>
           </a:bodyPr>
           <a:p>
-            <a:endParaRPr b="0" lang="en-US" sz="1400" spc="-1" strike="noStrike">
-              <a:solidFill>
-                <a:srgbClr val="000000"/>
-              </a:solidFill>
-              <a:latin typeface="Arial"/>
-            </a:endParaRPr>
-          </a:p>
-        </p:txBody>
-      </p:sp>
-      <p:sp>
-        <p:nvSpPr>
-          <p:cNvPr id="85" name="PlaceHolder 6"/>
+            <a:endParaRPr b="0" lang="en-US" sz="3200" spc="-1" strike="noStrike">
+              <a:latin typeface="Arial"/>
+            </a:endParaRPr>
+          </a:p>
+        </p:txBody>
+      </p:sp>
+      <p:sp>
+        <p:nvSpPr>
+          <p:cNvPr id="83" name="PlaceHolder 6"/>
           <p:cNvSpPr>
             <a:spLocks noGrp="1"/>
           </p:cNvSpPr>
@@ -2092,18 +1963,15 @@
             <a:normAutofit/>
           </a:bodyPr>
           <a:p>
-            <a:endParaRPr b="0" lang="en-US" sz="1400" spc="-1" strike="noStrike">
-              <a:solidFill>
-                <a:srgbClr val="000000"/>
-              </a:solidFill>
-              <a:latin typeface="Arial"/>
-            </a:endParaRPr>
-          </a:p>
-        </p:txBody>
-      </p:sp>
-      <p:sp>
-        <p:nvSpPr>
-          <p:cNvPr id="86" name="PlaceHolder 7"/>
+            <a:endParaRPr b="0" lang="en-US" sz="3200" spc="-1" strike="noStrike">
+              <a:latin typeface="Arial"/>
+            </a:endParaRPr>
+          </a:p>
+        </p:txBody>
+      </p:sp>
+      <p:sp>
+        <p:nvSpPr>
+          <p:cNvPr id="84" name="PlaceHolder 7"/>
           <p:cNvSpPr>
             <a:spLocks noGrp="1"/>
           </p:cNvSpPr>
@@ -2125,10 +1993,7 @@
             <a:normAutofit/>
           </a:bodyPr>
           <a:p>
-            <a:endParaRPr b="0" lang="en-US" sz="1400" spc="-1" strike="noStrike">
-              <a:solidFill>
-                <a:srgbClr val="000000"/>
-              </a:solidFill>
+            <a:endParaRPr b="0" lang="en-US" sz="3200" spc="-1" strike="noStrike">
               <a:latin typeface="Arial"/>
             </a:endParaRPr>
           </a:p>
@@ -2180,7 +2045,7 @@
       </p:grpSpPr>
       <p:sp>
         <p:nvSpPr>
-          <p:cNvPr id="94" name="PlaceHolder 1"/>
+          <p:cNvPr id="91" name="PlaceHolder 1"/>
           <p:cNvSpPr>
             <a:spLocks noGrp="1"/>
           </p:cNvSpPr>
@@ -2191,7 +2056,7 @@
         <p:spPr>
           <a:xfrm>
             <a:off x="3537000" y="1578240"/>
-            <a:ext cx="5017320" cy="1578600"/>
+            <a:ext cx="5016960" cy="1578240"/>
           </a:xfrm>
           <a:prstGeom prst="rect">
             <a:avLst/>
@@ -2202,18 +2067,16 @@
             <a:noAutofit/>
           </a:bodyPr>
           <a:p>
-            <a:endParaRPr b="0" lang="en-US" sz="1400" spc="-1" strike="noStrike">
-              <a:solidFill>
-                <a:srgbClr val="000000"/>
-              </a:solidFill>
-              <a:latin typeface="Arial"/>
-            </a:endParaRPr>
-          </a:p>
-        </p:txBody>
-      </p:sp>
-      <p:sp>
-        <p:nvSpPr>
-          <p:cNvPr id="95" name="PlaceHolder 2"/>
+            <a:pPr algn="ctr"/>
+            <a:endParaRPr b="0" lang="en-US" sz="4400" spc="-1" strike="noStrike">
+              <a:latin typeface="Arial"/>
+            </a:endParaRPr>
+          </a:p>
+        </p:txBody>
+      </p:sp>
+      <p:sp>
+        <p:nvSpPr>
+          <p:cNvPr id="92" name="PlaceHolder 2"/>
           <p:cNvSpPr>
             <a:spLocks noGrp="1"/>
           </p:cNvSpPr>
@@ -2266,7 +2129,7 @@
       </p:grpSpPr>
       <p:sp>
         <p:nvSpPr>
-          <p:cNvPr id="96" name="PlaceHolder 1"/>
+          <p:cNvPr id="93" name="PlaceHolder 1"/>
           <p:cNvSpPr>
             <a:spLocks noGrp="1"/>
           </p:cNvSpPr>
@@ -2277,7 +2140,7 @@
         <p:spPr>
           <a:xfrm>
             <a:off x="3537000" y="1578240"/>
-            <a:ext cx="5017320" cy="1578600"/>
+            <a:ext cx="5016960" cy="1578240"/>
           </a:xfrm>
           <a:prstGeom prst="rect">
             <a:avLst/>
@@ -2288,18 +2151,16 @@
             <a:noAutofit/>
           </a:bodyPr>
           <a:p>
-            <a:endParaRPr b="0" lang="en-US" sz="1400" spc="-1" strike="noStrike">
-              <a:solidFill>
-                <a:srgbClr val="000000"/>
-              </a:solidFill>
-              <a:latin typeface="Arial"/>
-            </a:endParaRPr>
-          </a:p>
-        </p:txBody>
-      </p:sp>
-      <p:sp>
-        <p:nvSpPr>
-          <p:cNvPr id="97" name="PlaceHolder 2"/>
+            <a:pPr algn="ctr"/>
+            <a:endParaRPr b="0" lang="en-US" sz="4400" spc="-1" strike="noStrike">
+              <a:latin typeface="Arial"/>
+            </a:endParaRPr>
+          </a:p>
+        </p:txBody>
+      </p:sp>
+      <p:sp>
+        <p:nvSpPr>
+          <p:cNvPr id="94" name="PlaceHolder 2"/>
           <p:cNvSpPr>
             <a:spLocks noGrp="1"/>
           </p:cNvSpPr>
@@ -2321,10 +2182,7 @@
             <a:normAutofit/>
           </a:bodyPr>
           <a:p>
-            <a:endParaRPr b="0" lang="en-US" sz="1400" spc="-1" strike="noStrike">
-              <a:solidFill>
-                <a:srgbClr val="000000"/>
-              </a:solidFill>
+            <a:endParaRPr b="0" lang="en-US" sz="3200" spc="-1" strike="noStrike">
               <a:latin typeface="Arial"/>
             </a:endParaRPr>
           </a:p>
@@ -2354,7 +2212,7 @@
       </p:grpSpPr>
       <p:sp>
         <p:nvSpPr>
-          <p:cNvPr id="98" name="PlaceHolder 1"/>
+          <p:cNvPr id="95" name="PlaceHolder 1"/>
           <p:cNvSpPr>
             <a:spLocks noGrp="1"/>
           </p:cNvSpPr>
@@ -2365,7 +2223,7 @@
         <p:spPr>
           <a:xfrm>
             <a:off x="3537000" y="1578240"/>
-            <a:ext cx="5017320" cy="1578600"/>
+            <a:ext cx="5016960" cy="1578240"/>
           </a:xfrm>
           <a:prstGeom prst="rect">
             <a:avLst/>
@@ -2376,18 +2234,16 @@
             <a:noAutofit/>
           </a:bodyPr>
           <a:p>
-            <a:endParaRPr b="0" lang="en-US" sz="1400" spc="-1" strike="noStrike">
-              <a:solidFill>
-                <a:srgbClr val="000000"/>
-              </a:solidFill>
-              <a:latin typeface="Arial"/>
-            </a:endParaRPr>
-          </a:p>
-        </p:txBody>
-      </p:sp>
-      <p:sp>
-        <p:nvSpPr>
-          <p:cNvPr id="99" name="PlaceHolder 2"/>
+            <a:pPr algn="ctr"/>
+            <a:endParaRPr b="0" lang="en-US" sz="4400" spc="-1" strike="noStrike">
+              <a:latin typeface="Arial"/>
+            </a:endParaRPr>
+          </a:p>
+        </p:txBody>
+      </p:sp>
+      <p:sp>
+        <p:nvSpPr>
+          <p:cNvPr id="96" name="PlaceHolder 2"/>
           <p:cNvSpPr>
             <a:spLocks noGrp="1"/>
           </p:cNvSpPr>
@@ -2409,18 +2265,15 @@
             <a:normAutofit/>
           </a:bodyPr>
           <a:p>
-            <a:endParaRPr b="0" lang="en-US" sz="1400" spc="-1" strike="noStrike">
-              <a:solidFill>
-                <a:srgbClr val="000000"/>
-              </a:solidFill>
-              <a:latin typeface="Arial"/>
-            </a:endParaRPr>
-          </a:p>
-        </p:txBody>
-      </p:sp>
-      <p:sp>
-        <p:nvSpPr>
-          <p:cNvPr id="100" name="PlaceHolder 3"/>
+            <a:endParaRPr b="0" lang="en-US" sz="3200" spc="-1" strike="noStrike">
+              <a:latin typeface="Arial"/>
+            </a:endParaRPr>
+          </a:p>
+        </p:txBody>
+      </p:sp>
+      <p:sp>
+        <p:nvSpPr>
+          <p:cNvPr id="97" name="PlaceHolder 3"/>
           <p:cNvSpPr>
             <a:spLocks noGrp="1"/>
           </p:cNvSpPr>
@@ -2442,10 +2295,7 @@
             <a:normAutofit/>
           </a:bodyPr>
           <a:p>
-            <a:endParaRPr b="0" lang="en-US" sz="1400" spc="-1" strike="noStrike">
-              <a:solidFill>
-                <a:srgbClr val="000000"/>
-              </a:solidFill>
+            <a:endParaRPr b="0" lang="en-US" sz="3200" spc="-1" strike="noStrike">
               <a:latin typeface="Arial"/>
             </a:endParaRPr>
           </a:p>
@@ -2475,7 +2325,7 @@
       </p:grpSpPr>
       <p:sp>
         <p:nvSpPr>
-          <p:cNvPr id="101" name="PlaceHolder 1"/>
+          <p:cNvPr id="98" name="PlaceHolder 1"/>
           <p:cNvSpPr>
             <a:spLocks noGrp="1"/>
           </p:cNvSpPr>
@@ -2486,7 +2336,7 @@
         <p:spPr>
           <a:xfrm>
             <a:off x="3537000" y="1578240"/>
-            <a:ext cx="5017320" cy="1578600"/>
+            <a:ext cx="5016960" cy="1578240"/>
           </a:xfrm>
           <a:prstGeom prst="rect">
             <a:avLst/>
@@ -2497,10 +2347,8 @@
             <a:noAutofit/>
           </a:bodyPr>
           <a:p>
-            <a:endParaRPr b="0" lang="en-US" sz="1400" spc="-1" strike="noStrike">
-              <a:solidFill>
-                <a:srgbClr val="000000"/>
-              </a:solidFill>
+            <a:pPr algn="ctr"/>
+            <a:endParaRPr b="0" lang="en-US" sz="4400" spc="-1" strike="noStrike">
               <a:latin typeface="Arial"/>
             </a:endParaRPr>
           </a:p>
@@ -2530,7 +2378,7 @@
       </p:grpSpPr>
       <p:sp>
         <p:nvSpPr>
-          <p:cNvPr id="11" name="PlaceHolder 1"/>
+          <p:cNvPr id="10" name="PlaceHolder 1"/>
           <p:cNvSpPr>
             <a:spLocks noGrp="1"/>
           </p:cNvSpPr>
@@ -2541,7 +2389,7 @@
         <p:spPr>
           <a:xfrm>
             <a:off x="3537000" y="1578240"/>
-            <a:ext cx="5017320" cy="1578600"/>
+            <a:ext cx="5016960" cy="1578240"/>
           </a:xfrm>
           <a:prstGeom prst="rect">
             <a:avLst/>
@@ -2552,18 +2400,16 @@
             <a:noAutofit/>
           </a:bodyPr>
           <a:p>
-            <a:endParaRPr b="0" lang="en-US" sz="1400" spc="-1" strike="noStrike">
-              <a:solidFill>
-                <a:srgbClr val="000000"/>
-              </a:solidFill>
-              <a:latin typeface="Arial"/>
-            </a:endParaRPr>
-          </a:p>
-        </p:txBody>
-      </p:sp>
-      <p:sp>
-        <p:nvSpPr>
-          <p:cNvPr id="12" name="PlaceHolder 2"/>
+            <a:pPr algn="ctr"/>
+            <a:endParaRPr b="0" lang="en-US" sz="4400" spc="-1" strike="noStrike">
+              <a:latin typeface="Arial"/>
+            </a:endParaRPr>
+          </a:p>
+        </p:txBody>
+      </p:sp>
+      <p:sp>
+        <p:nvSpPr>
+          <p:cNvPr id="11" name="PlaceHolder 2"/>
           <p:cNvSpPr>
             <a:spLocks noGrp="1"/>
           </p:cNvSpPr>
@@ -2585,10 +2431,7 @@
             <a:normAutofit/>
           </a:bodyPr>
           <a:p>
-            <a:endParaRPr b="0" lang="en-US" sz="1400" spc="-1" strike="noStrike">
-              <a:solidFill>
-                <a:srgbClr val="000000"/>
-              </a:solidFill>
+            <a:endParaRPr b="0" lang="en-US" sz="3200" spc="-1" strike="noStrike">
               <a:latin typeface="Arial"/>
             </a:endParaRPr>
           </a:p>
@@ -2618,7 +2461,7 @@
       </p:grpSpPr>
       <p:sp>
         <p:nvSpPr>
-          <p:cNvPr id="102" name="PlaceHolder 1"/>
+          <p:cNvPr id="99" name="PlaceHolder 1"/>
           <p:cNvSpPr>
             <a:spLocks noGrp="1"/>
           </p:cNvSpPr>
@@ -2629,7 +2472,7 @@
         <p:spPr>
           <a:xfrm>
             <a:off x="3537000" y="1578240"/>
-            <a:ext cx="5017320" cy="7318800"/>
+            <a:ext cx="5016960" cy="7317000"/>
           </a:xfrm>
           <a:prstGeom prst="rect">
             <a:avLst/>
@@ -2671,7 +2514,7 @@
       </p:grpSpPr>
       <p:sp>
         <p:nvSpPr>
-          <p:cNvPr id="103" name="PlaceHolder 1"/>
+          <p:cNvPr id="100" name="PlaceHolder 1"/>
           <p:cNvSpPr>
             <a:spLocks noGrp="1"/>
           </p:cNvSpPr>
@@ -2682,7 +2525,7 @@
         <p:spPr>
           <a:xfrm>
             <a:off x="3537000" y="1578240"/>
-            <a:ext cx="5017320" cy="1578600"/>
+            <a:ext cx="5016960" cy="1578240"/>
           </a:xfrm>
           <a:prstGeom prst="rect">
             <a:avLst/>
@@ -2693,18 +2536,16 @@
             <a:noAutofit/>
           </a:bodyPr>
           <a:p>
-            <a:endParaRPr b="0" lang="en-US" sz="1400" spc="-1" strike="noStrike">
-              <a:solidFill>
-                <a:srgbClr val="000000"/>
-              </a:solidFill>
-              <a:latin typeface="Arial"/>
-            </a:endParaRPr>
-          </a:p>
-        </p:txBody>
-      </p:sp>
-      <p:sp>
-        <p:nvSpPr>
-          <p:cNvPr id="104" name="PlaceHolder 2"/>
+            <a:pPr algn="ctr"/>
+            <a:endParaRPr b="0" lang="en-US" sz="4400" spc="-1" strike="noStrike">
+              <a:latin typeface="Arial"/>
+            </a:endParaRPr>
+          </a:p>
+        </p:txBody>
+      </p:sp>
+      <p:sp>
+        <p:nvSpPr>
+          <p:cNvPr id="101" name="PlaceHolder 2"/>
           <p:cNvSpPr>
             <a:spLocks noGrp="1"/>
           </p:cNvSpPr>
@@ -2726,18 +2567,15 @@
             <a:normAutofit/>
           </a:bodyPr>
           <a:p>
-            <a:endParaRPr b="0" lang="en-US" sz="1400" spc="-1" strike="noStrike">
-              <a:solidFill>
-                <a:srgbClr val="000000"/>
-              </a:solidFill>
-              <a:latin typeface="Arial"/>
-            </a:endParaRPr>
-          </a:p>
-        </p:txBody>
-      </p:sp>
-      <p:sp>
-        <p:nvSpPr>
-          <p:cNvPr id="105" name="PlaceHolder 3"/>
+            <a:endParaRPr b="0" lang="en-US" sz="3200" spc="-1" strike="noStrike">
+              <a:latin typeface="Arial"/>
+            </a:endParaRPr>
+          </a:p>
+        </p:txBody>
+      </p:sp>
+      <p:sp>
+        <p:nvSpPr>
+          <p:cNvPr id="102" name="PlaceHolder 3"/>
           <p:cNvSpPr>
             <a:spLocks noGrp="1"/>
           </p:cNvSpPr>
@@ -2759,18 +2597,15 @@
             <a:normAutofit/>
           </a:bodyPr>
           <a:p>
-            <a:endParaRPr b="0" lang="en-US" sz="1400" spc="-1" strike="noStrike">
-              <a:solidFill>
-                <a:srgbClr val="000000"/>
-              </a:solidFill>
-              <a:latin typeface="Arial"/>
-            </a:endParaRPr>
-          </a:p>
-        </p:txBody>
-      </p:sp>
-      <p:sp>
-        <p:nvSpPr>
-          <p:cNvPr id="106" name="PlaceHolder 4"/>
+            <a:endParaRPr b="0" lang="en-US" sz="3200" spc="-1" strike="noStrike">
+              <a:latin typeface="Arial"/>
+            </a:endParaRPr>
+          </a:p>
+        </p:txBody>
+      </p:sp>
+      <p:sp>
+        <p:nvSpPr>
+          <p:cNvPr id="103" name="PlaceHolder 4"/>
           <p:cNvSpPr>
             <a:spLocks noGrp="1"/>
           </p:cNvSpPr>
@@ -2792,10 +2627,7 @@
             <a:normAutofit/>
           </a:bodyPr>
           <a:p>
-            <a:endParaRPr b="0" lang="en-US" sz="1400" spc="-1" strike="noStrike">
-              <a:solidFill>
-                <a:srgbClr val="000000"/>
-              </a:solidFill>
+            <a:endParaRPr b="0" lang="en-US" sz="3200" spc="-1" strike="noStrike">
               <a:latin typeface="Arial"/>
             </a:endParaRPr>
           </a:p>
@@ -2825,7 +2657,7 @@
       </p:grpSpPr>
       <p:sp>
         <p:nvSpPr>
-          <p:cNvPr id="107" name="PlaceHolder 1"/>
+          <p:cNvPr id="104" name="PlaceHolder 1"/>
           <p:cNvSpPr>
             <a:spLocks noGrp="1"/>
           </p:cNvSpPr>
@@ -2836,7 +2668,7 @@
         <p:spPr>
           <a:xfrm>
             <a:off x="3537000" y="1578240"/>
-            <a:ext cx="5017320" cy="1578600"/>
+            <a:ext cx="5016960" cy="1578240"/>
           </a:xfrm>
           <a:prstGeom prst="rect">
             <a:avLst/>
@@ -2847,18 +2679,16 @@
             <a:noAutofit/>
           </a:bodyPr>
           <a:p>
-            <a:endParaRPr b="0" lang="en-US" sz="1400" spc="-1" strike="noStrike">
-              <a:solidFill>
-                <a:srgbClr val="000000"/>
-              </a:solidFill>
-              <a:latin typeface="Arial"/>
-            </a:endParaRPr>
-          </a:p>
-        </p:txBody>
-      </p:sp>
-      <p:sp>
-        <p:nvSpPr>
-          <p:cNvPr id="108" name="PlaceHolder 2"/>
+            <a:pPr algn="ctr"/>
+            <a:endParaRPr b="0" lang="en-US" sz="4400" spc="-1" strike="noStrike">
+              <a:latin typeface="Arial"/>
+            </a:endParaRPr>
+          </a:p>
+        </p:txBody>
+      </p:sp>
+      <p:sp>
+        <p:nvSpPr>
+          <p:cNvPr id="105" name="PlaceHolder 2"/>
           <p:cNvSpPr>
             <a:spLocks noGrp="1"/>
           </p:cNvSpPr>
@@ -2880,18 +2710,15 @@
             <a:normAutofit/>
           </a:bodyPr>
           <a:p>
-            <a:endParaRPr b="0" lang="en-US" sz="1400" spc="-1" strike="noStrike">
-              <a:solidFill>
-                <a:srgbClr val="000000"/>
-              </a:solidFill>
-              <a:latin typeface="Arial"/>
-            </a:endParaRPr>
-          </a:p>
-        </p:txBody>
-      </p:sp>
-      <p:sp>
-        <p:nvSpPr>
-          <p:cNvPr id="109" name="PlaceHolder 3"/>
+            <a:endParaRPr b="0" lang="en-US" sz="3200" spc="-1" strike="noStrike">
+              <a:latin typeface="Arial"/>
+            </a:endParaRPr>
+          </a:p>
+        </p:txBody>
+      </p:sp>
+      <p:sp>
+        <p:nvSpPr>
+          <p:cNvPr id="106" name="PlaceHolder 3"/>
           <p:cNvSpPr>
             <a:spLocks noGrp="1"/>
           </p:cNvSpPr>
@@ -2913,18 +2740,15 @@
             <a:normAutofit/>
           </a:bodyPr>
           <a:p>
-            <a:endParaRPr b="0" lang="en-US" sz="1400" spc="-1" strike="noStrike">
-              <a:solidFill>
-                <a:srgbClr val="000000"/>
-              </a:solidFill>
-              <a:latin typeface="Arial"/>
-            </a:endParaRPr>
-          </a:p>
-        </p:txBody>
-      </p:sp>
-      <p:sp>
-        <p:nvSpPr>
-          <p:cNvPr id="110" name="PlaceHolder 4"/>
+            <a:endParaRPr b="0" lang="en-US" sz="3200" spc="-1" strike="noStrike">
+              <a:latin typeface="Arial"/>
+            </a:endParaRPr>
+          </a:p>
+        </p:txBody>
+      </p:sp>
+      <p:sp>
+        <p:nvSpPr>
+          <p:cNvPr id="107" name="PlaceHolder 4"/>
           <p:cNvSpPr>
             <a:spLocks noGrp="1"/>
           </p:cNvSpPr>
@@ -2946,10 +2770,7 @@
             <a:normAutofit/>
           </a:bodyPr>
           <a:p>
-            <a:endParaRPr b="0" lang="en-US" sz="1400" spc="-1" strike="noStrike">
-              <a:solidFill>
-                <a:srgbClr val="000000"/>
-              </a:solidFill>
+            <a:endParaRPr b="0" lang="en-US" sz="3200" spc="-1" strike="noStrike">
               <a:latin typeface="Arial"/>
             </a:endParaRPr>
           </a:p>
@@ -2979,7 +2800,7 @@
       </p:grpSpPr>
       <p:sp>
         <p:nvSpPr>
-          <p:cNvPr id="111" name="PlaceHolder 1"/>
+          <p:cNvPr id="108" name="PlaceHolder 1"/>
           <p:cNvSpPr>
             <a:spLocks noGrp="1"/>
           </p:cNvSpPr>
@@ -2990,7 +2811,7 @@
         <p:spPr>
           <a:xfrm>
             <a:off x="3537000" y="1578240"/>
-            <a:ext cx="5017320" cy="1578600"/>
+            <a:ext cx="5016960" cy="1578240"/>
           </a:xfrm>
           <a:prstGeom prst="rect">
             <a:avLst/>
@@ -3001,18 +2822,16 @@
             <a:noAutofit/>
           </a:bodyPr>
           <a:p>
-            <a:endParaRPr b="0" lang="en-US" sz="1400" spc="-1" strike="noStrike">
-              <a:solidFill>
-                <a:srgbClr val="000000"/>
-              </a:solidFill>
-              <a:latin typeface="Arial"/>
-            </a:endParaRPr>
-          </a:p>
-        </p:txBody>
-      </p:sp>
-      <p:sp>
-        <p:nvSpPr>
-          <p:cNvPr id="112" name="PlaceHolder 2"/>
+            <a:pPr algn="ctr"/>
+            <a:endParaRPr b="0" lang="en-US" sz="4400" spc="-1" strike="noStrike">
+              <a:latin typeface="Arial"/>
+            </a:endParaRPr>
+          </a:p>
+        </p:txBody>
+      </p:sp>
+      <p:sp>
+        <p:nvSpPr>
+          <p:cNvPr id="109" name="PlaceHolder 2"/>
           <p:cNvSpPr>
             <a:spLocks noGrp="1"/>
           </p:cNvSpPr>
@@ -3034,18 +2853,15 @@
             <a:normAutofit/>
           </a:bodyPr>
           <a:p>
-            <a:endParaRPr b="0" lang="en-US" sz="1400" spc="-1" strike="noStrike">
-              <a:solidFill>
-                <a:srgbClr val="000000"/>
-              </a:solidFill>
-              <a:latin typeface="Arial"/>
-            </a:endParaRPr>
-          </a:p>
-        </p:txBody>
-      </p:sp>
-      <p:sp>
-        <p:nvSpPr>
-          <p:cNvPr id="113" name="PlaceHolder 3"/>
+            <a:endParaRPr b="0" lang="en-US" sz="3200" spc="-1" strike="noStrike">
+              <a:latin typeface="Arial"/>
+            </a:endParaRPr>
+          </a:p>
+        </p:txBody>
+      </p:sp>
+      <p:sp>
+        <p:nvSpPr>
+          <p:cNvPr id="110" name="PlaceHolder 3"/>
           <p:cNvSpPr>
             <a:spLocks noGrp="1"/>
           </p:cNvSpPr>
@@ -3067,18 +2883,15 @@
             <a:normAutofit/>
           </a:bodyPr>
           <a:p>
-            <a:endParaRPr b="0" lang="en-US" sz="1400" spc="-1" strike="noStrike">
-              <a:solidFill>
-                <a:srgbClr val="000000"/>
-              </a:solidFill>
-              <a:latin typeface="Arial"/>
-            </a:endParaRPr>
-          </a:p>
-        </p:txBody>
-      </p:sp>
-      <p:sp>
-        <p:nvSpPr>
-          <p:cNvPr id="114" name="PlaceHolder 4"/>
+            <a:endParaRPr b="0" lang="en-US" sz="3200" spc="-1" strike="noStrike">
+              <a:latin typeface="Arial"/>
+            </a:endParaRPr>
+          </a:p>
+        </p:txBody>
+      </p:sp>
+      <p:sp>
+        <p:nvSpPr>
+          <p:cNvPr id="111" name="PlaceHolder 4"/>
           <p:cNvSpPr>
             <a:spLocks noGrp="1"/>
           </p:cNvSpPr>
@@ -3100,10 +2913,7 @@
             <a:normAutofit/>
           </a:bodyPr>
           <a:p>
-            <a:endParaRPr b="0" lang="en-US" sz="1400" spc="-1" strike="noStrike">
-              <a:solidFill>
-                <a:srgbClr val="000000"/>
-              </a:solidFill>
+            <a:endParaRPr b="0" lang="en-US" sz="3200" spc="-1" strike="noStrike">
               <a:latin typeface="Arial"/>
             </a:endParaRPr>
           </a:p>
@@ -3133,7 +2943,7 @@
       </p:grpSpPr>
       <p:sp>
         <p:nvSpPr>
-          <p:cNvPr id="115" name="PlaceHolder 1"/>
+          <p:cNvPr id="112" name="PlaceHolder 1"/>
           <p:cNvSpPr>
             <a:spLocks noGrp="1"/>
           </p:cNvSpPr>
@@ -3144,7 +2954,7 @@
         <p:spPr>
           <a:xfrm>
             <a:off x="3537000" y="1578240"/>
-            <a:ext cx="5017320" cy="1578600"/>
+            <a:ext cx="5016960" cy="1578240"/>
           </a:xfrm>
           <a:prstGeom prst="rect">
             <a:avLst/>
@@ -3155,18 +2965,16 @@
             <a:noAutofit/>
           </a:bodyPr>
           <a:p>
-            <a:endParaRPr b="0" lang="en-US" sz="1400" spc="-1" strike="noStrike">
-              <a:solidFill>
-                <a:srgbClr val="000000"/>
-              </a:solidFill>
-              <a:latin typeface="Arial"/>
-            </a:endParaRPr>
-          </a:p>
-        </p:txBody>
-      </p:sp>
-      <p:sp>
-        <p:nvSpPr>
-          <p:cNvPr id="116" name="PlaceHolder 2"/>
+            <a:pPr algn="ctr"/>
+            <a:endParaRPr b="0" lang="en-US" sz="4400" spc="-1" strike="noStrike">
+              <a:latin typeface="Arial"/>
+            </a:endParaRPr>
+          </a:p>
+        </p:txBody>
+      </p:sp>
+      <p:sp>
+        <p:nvSpPr>
+          <p:cNvPr id="113" name="PlaceHolder 2"/>
           <p:cNvSpPr>
             <a:spLocks noGrp="1"/>
           </p:cNvSpPr>
@@ -3188,18 +2996,15 @@
             <a:normAutofit/>
           </a:bodyPr>
           <a:p>
-            <a:endParaRPr b="0" lang="en-US" sz="1400" spc="-1" strike="noStrike">
-              <a:solidFill>
-                <a:srgbClr val="000000"/>
-              </a:solidFill>
-              <a:latin typeface="Arial"/>
-            </a:endParaRPr>
-          </a:p>
-        </p:txBody>
-      </p:sp>
-      <p:sp>
-        <p:nvSpPr>
-          <p:cNvPr id="117" name="PlaceHolder 3"/>
+            <a:endParaRPr b="0" lang="en-US" sz="3200" spc="-1" strike="noStrike">
+              <a:latin typeface="Arial"/>
+            </a:endParaRPr>
+          </a:p>
+        </p:txBody>
+      </p:sp>
+      <p:sp>
+        <p:nvSpPr>
+          <p:cNvPr id="114" name="PlaceHolder 3"/>
           <p:cNvSpPr>
             <a:spLocks noGrp="1"/>
           </p:cNvSpPr>
@@ -3221,10 +3026,7 @@
             <a:normAutofit/>
           </a:bodyPr>
           <a:p>
-            <a:endParaRPr b="0" lang="en-US" sz="1400" spc="-1" strike="noStrike">
-              <a:solidFill>
-                <a:srgbClr val="000000"/>
-              </a:solidFill>
+            <a:endParaRPr b="0" lang="en-US" sz="3200" spc="-1" strike="noStrike">
               <a:latin typeface="Arial"/>
             </a:endParaRPr>
           </a:p>
@@ -3254,7 +3056,7 @@
       </p:grpSpPr>
       <p:sp>
         <p:nvSpPr>
-          <p:cNvPr id="118" name="PlaceHolder 1"/>
+          <p:cNvPr id="115" name="PlaceHolder 1"/>
           <p:cNvSpPr>
             <a:spLocks noGrp="1"/>
           </p:cNvSpPr>
@@ -3265,7 +3067,7 @@
         <p:spPr>
           <a:xfrm>
             <a:off x="3537000" y="1578240"/>
-            <a:ext cx="5017320" cy="1578600"/>
+            <a:ext cx="5016960" cy="1578240"/>
           </a:xfrm>
           <a:prstGeom prst="rect">
             <a:avLst/>
@@ -3276,18 +3078,16 @@
             <a:noAutofit/>
           </a:bodyPr>
           <a:p>
-            <a:endParaRPr b="0" lang="en-US" sz="1400" spc="-1" strike="noStrike">
-              <a:solidFill>
-                <a:srgbClr val="000000"/>
-              </a:solidFill>
-              <a:latin typeface="Arial"/>
-            </a:endParaRPr>
-          </a:p>
-        </p:txBody>
-      </p:sp>
-      <p:sp>
-        <p:nvSpPr>
-          <p:cNvPr id="119" name="PlaceHolder 2"/>
+            <a:pPr algn="ctr"/>
+            <a:endParaRPr b="0" lang="en-US" sz="4400" spc="-1" strike="noStrike">
+              <a:latin typeface="Arial"/>
+            </a:endParaRPr>
+          </a:p>
+        </p:txBody>
+      </p:sp>
+      <p:sp>
+        <p:nvSpPr>
+          <p:cNvPr id="116" name="PlaceHolder 2"/>
           <p:cNvSpPr>
             <a:spLocks noGrp="1"/>
           </p:cNvSpPr>
@@ -3309,18 +3109,15 @@
             <a:normAutofit/>
           </a:bodyPr>
           <a:p>
-            <a:endParaRPr b="0" lang="en-US" sz="1400" spc="-1" strike="noStrike">
-              <a:solidFill>
-                <a:srgbClr val="000000"/>
-              </a:solidFill>
-              <a:latin typeface="Arial"/>
-            </a:endParaRPr>
-          </a:p>
-        </p:txBody>
-      </p:sp>
-      <p:sp>
-        <p:nvSpPr>
-          <p:cNvPr id="120" name="PlaceHolder 3"/>
+            <a:endParaRPr b="0" lang="en-US" sz="3200" spc="-1" strike="noStrike">
+              <a:latin typeface="Arial"/>
+            </a:endParaRPr>
+          </a:p>
+        </p:txBody>
+      </p:sp>
+      <p:sp>
+        <p:nvSpPr>
+          <p:cNvPr id="117" name="PlaceHolder 3"/>
           <p:cNvSpPr>
             <a:spLocks noGrp="1"/>
           </p:cNvSpPr>
@@ -3342,18 +3139,15 @@
             <a:normAutofit/>
           </a:bodyPr>
           <a:p>
-            <a:endParaRPr b="0" lang="en-US" sz="1400" spc="-1" strike="noStrike">
-              <a:solidFill>
-                <a:srgbClr val="000000"/>
-              </a:solidFill>
-              <a:latin typeface="Arial"/>
-            </a:endParaRPr>
-          </a:p>
-        </p:txBody>
-      </p:sp>
-      <p:sp>
-        <p:nvSpPr>
-          <p:cNvPr id="121" name="PlaceHolder 4"/>
+            <a:endParaRPr b="0" lang="en-US" sz="3200" spc="-1" strike="noStrike">
+              <a:latin typeface="Arial"/>
+            </a:endParaRPr>
+          </a:p>
+        </p:txBody>
+      </p:sp>
+      <p:sp>
+        <p:nvSpPr>
+          <p:cNvPr id="118" name="PlaceHolder 4"/>
           <p:cNvSpPr>
             <a:spLocks noGrp="1"/>
           </p:cNvSpPr>
@@ -3375,18 +3169,15 @@
             <a:normAutofit/>
           </a:bodyPr>
           <a:p>
-            <a:endParaRPr b="0" lang="en-US" sz="1400" spc="-1" strike="noStrike">
-              <a:solidFill>
-                <a:srgbClr val="000000"/>
-              </a:solidFill>
-              <a:latin typeface="Arial"/>
-            </a:endParaRPr>
-          </a:p>
-        </p:txBody>
-      </p:sp>
-      <p:sp>
-        <p:nvSpPr>
-          <p:cNvPr id="122" name="PlaceHolder 5"/>
+            <a:endParaRPr b="0" lang="en-US" sz="3200" spc="-1" strike="noStrike">
+              <a:latin typeface="Arial"/>
+            </a:endParaRPr>
+          </a:p>
+        </p:txBody>
+      </p:sp>
+      <p:sp>
+        <p:nvSpPr>
+          <p:cNvPr id="119" name="PlaceHolder 5"/>
           <p:cNvSpPr>
             <a:spLocks noGrp="1"/>
           </p:cNvSpPr>
@@ -3408,10 +3199,7 @@
             <a:normAutofit/>
           </a:bodyPr>
           <a:p>
-            <a:endParaRPr b="0" lang="en-US" sz="1400" spc="-1" strike="noStrike">
-              <a:solidFill>
-                <a:srgbClr val="000000"/>
-              </a:solidFill>
+            <a:endParaRPr b="0" lang="en-US" sz="3200" spc="-1" strike="noStrike">
               <a:latin typeface="Arial"/>
             </a:endParaRPr>
           </a:p>
@@ -3441,7 +3229,7 @@
       </p:grpSpPr>
       <p:sp>
         <p:nvSpPr>
-          <p:cNvPr id="123" name="PlaceHolder 1"/>
+          <p:cNvPr id="120" name="PlaceHolder 1"/>
           <p:cNvSpPr>
             <a:spLocks noGrp="1"/>
           </p:cNvSpPr>
@@ -3452,7 +3240,7 @@
         <p:spPr>
           <a:xfrm>
             <a:off x="3537000" y="1578240"/>
-            <a:ext cx="5017320" cy="1578600"/>
+            <a:ext cx="5016960" cy="1578240"/>
           </a:xfrm>
           <a:prstGeom prst="rect">
             <a:avLst/>
@@ -3463,18 +3251,16 @@
             <a:noAutofit/>
           </a:bodyPr>
           <a:p>
-            <a:endParaRPr b="0" lang="en-US" sz="1400" spc="-1" strike="noStrike">
-              <a:solidFill>
-                <a:srgbClr val="000000"/>
-              </a:solidFill>
-              <a:latin typeface="Arial"/>
-            </a:endParaRPr>
-          </a:p>
-        </p:txBody>
-      </p:sp>
-      <p:sp>
-        <p:nvSpPr>
-          <p:cNvPr id="124" name="PlaceHolder 2"/>
+            <a:pPr algn="ctr"/>
+            <a:endParaRPr b="0" lang="en-US" sz="4400" spc="-1" strike="noStrike">
+              <a:latin typeface="Arial"/>
+            </a:endParaRPr>
+          </a:p>
+        </p:txBody>
+      </p:sp>
+      <p:sp>
+        <p:nvSpPr>
+          <p:cNvPr id="121" name="PlaceHolder 2"/>
           <p:cNvSpPr>
             <a:spLocks noGrp="1"/>
           </p:cNvSpPr>
@@ -3496,18 +3282,15 @@
             <a:normAutofit/>
           </a:bodyPr>
           <a:p>
-            <a:endParaRPr b="0" lang="en-US" sz="1400" spc="-1" strike="noStrike">
-              <a:solidFill>
-                <a:srgbClr val="000000"/>
-              </a:solidFill>
-              <a:latin typeface="Arial"/>
-            </a:endParaRPr>
-          </a:p>
-        </p:txBody>
-      </p:sp>
-      <p:sp>
-        <p:nvSpPr>
-          <p:cNvPr id="125" name="PlaceHolder 3"/>
+            <a:endParaRPr b="0" lang="en-US" sz="3200" spc="-1" strike="noStrike">
+              <a:latin typeface="Arial"/>
+            </a:endParaRPr>
+          </a:p>
+        </p:txBody>
+      </p:sp>
+      <p:sp>
+        <p:nvSpPr>
+          <p:cNvPr id="122" name="PlaceHolder 3"/>
           <p:cNvSpPr>
             <a:spLocks noGrp="1"/>
           </p:cNvSpPr>
@@ -3529,18 +3312,15 @@
             <a:normAutofit/>
           </a:bodyPr>
           <a:p>
-            <a:endParaRPr b="0" lang="en-US" sz="1400" spc="-1" strike="noStrike">
-              <a:solidFill>
-                <a:srgbClr val="000000"/>
-              </a:solidFill>
-              <a:latin typeface="Arial"/>
-            </a:endParaRPr>
-          </a:p>
-        </p:txBody>
-      </p:sp>
-      <p:sp>
-        <p:nvSpPr>
-          <p:cNvPr id="126" name="PlaceHolder 4"/>
+            <a:endParaRPr b="0" lang="en-US" sz="3200" spc="-1" strike="noStrike">
+              <a:latin typeface="Arial"/>
+            </a:endParaRPr>
+          </a:p>
+        </p:txBody>
+      </p:sp>
+      <p:sp>
+        <p:nvSpPr>
+          <p:cNvPr id="123" name="PlaceHolder 4"/>
           <p:cNvSpPr>
             <a:spLocks noGrp="1"/>
           </p:cNvSpPr>
@@ -3562,18 +3342,15 @@
             <a:normAutofit/>
           </a:bodyPr>
           <a:p>
-            <a:endParaRPr b="0" lang="en-US" sz="1400" spc="-1" strike="noStrike">
-              <a:solidFill>
-                <a:srgbClr val="000000"/>
-              </a:solidFill>
-              <a:latin typeface="Arial"/>
-            </a:endParaRPr>
-          </a:p>
-        </p:txBody>
-      </p:sp>
-      <p:sp>
-        <p:nvSpPr>
-          <p:cNvPr id="127" name="PlaceHolder 5"/>
+            <a:endParaRPr b="0" lang="en-US" sz="3200" spc="-1" strike="noStrike">
+              <a:latin typeface="Arial"/>
+            </a:endParaRPr>
+          </a:p>
+        </p:txBody>
+      </p:sp>
+      <p:sp>
+        <p:nvSpPr>
+          <p:cNvPr id="124" name="PlaceHolder 5"/>
           <p:cNvSpPr>
             <a:spLocks noGrp="1"/>
           </p:cNvSpPr>
@@ -3595,18 +3372,15 @@
             <a:normAutofit/>
           </a:bodyPr>
           <a:p>
-            <a:endParaRPr b="0" lang="en-US" sz="1400" spc="-1" strike="noStrike">
-              <a:solidFill>
-                <a:srgbClr val="000000"/>
-              </a:solidFill>
-              <a:latin typeface="Arial"/>
-            </a:endParaRPr>
-          </a:p>
-        </p:txBody>
-      </p:sp>
-      <p:sp>
-        <p:nvSpPr>
-          <p:cNvPr id="128" name="PlaceHolder 6"/>
+            <a:endParaRPr b="0" lang="en-US" sz="3200" spc="-1" strike="noStrike">
+              <a:latin typeface="Arial"/>
+            </a:endParaRPr>
+          </a:p>
+        </p:txBody>
+      </p:sp>
+      <p:sp>
+        <p:nvSpPr>
+          <p:cNvPr id="125" name="PlaceHolder 6"/>
           <p:cNvSpPr>
             <a:spLocks noGrp="1"/>
           </p:cNvSpPr>
@@ -3628,18 +3402,15 @@
             <a:normAutofit/>
           </a:bodyPr>
           <a:p>
-            <a:endParaRPr b="0" lang="en-US" sz="1400" spc="-1" strike="noStrike">
-              <a:solidFill>
-                <a:srgbClr val="000000"/>
-              </a:solidFill>
-              <a:latin typeface="Arial"/>
-            </a:endParaRPr>
-          </a:p>
-        </p:txBody>
-      </p:sp>
-      <p:sp>
-        <p:nvSpPr>
-          <p:cNvPr id="129" name="PlaceHolder 7"/>
+            <a:endParaRPr b="0" lang="en-US" sz="3200" spc="-1" strike="noStrike">
+              <a:latin typeface="Arial"/>
+            </a:endParaRPr>
+          </a:p>
+        </p:txBody>
+      </p:sp>
+      <p:sp>
+        <p:nvSpPr>
+          <p:cNvPr id="126" name="PlaceHolder 7"/>
           <p:cNvSpPr>
             <a:spLocks noGrp="1"/>
           </p:cNvSpPr>
@@ -3661,10 +3432,7 @@
             <a:normAutofit/>
           </a:bodyPr>
           <a:p>
-            <a:endParaRPr b="0" lang="en-US" sz="1400" spc="-1" strike="noStrike">
-              <a:solidFill>
-                <a:srgbClr val="000000"/>
-              </a:solidFill>
+            <a:endParaRPr b="0" lang="en-US" sz="3200" spc="-1" strike="noStrike">
               <a:latin typeface="Arial"/>
             </a:endParaRPr>
           </a:p>
@@ -3694,7 +3462,7 @@
       </p:grpSpPr>
       <p:sp>
         <p:nvSpPr>
-          <p:cNvPr id="13" name="PlaceHolder 1"/>
+          <p:cNvPr id="12" name="PlaceHolder 1"/>
           <p:cNvSpPr>
             <a:spLocks noGrp="1"/>
           </p:cNvSpPr>
@@ -3705,7 +3473,7 @@
         <p:spPr>
           <a:xfrm>
             <a:off x="3537000" y="1578240"/>
-            <a:ext cx="5017320" cy="1578600"/>
+            <a:ext cx="5016960" cy="1578240"/>
           </a:xfrm>
           <a:prstGeom prst="rect">
             <a:avLst/>
@@ -3716,18 +3484,16 @@
             <a:noAutofit/>
           </a:bodyPr>
           <a:p>
-            <a:endParaRPr b="0" lang="en-US" sz="1400" spc="-1" strike="noStrike">
-              <a:solidFill>
-                <a:srgbClr val="000000"/>
-              </a:solidFill>
-              <a:latin typeface="Arial"/>
-            </a:endParaRPr>
-          </a:p>
-        </p:txBody>
-      </p:sp>
-      <p:sp>
-        <p:nvSpPr>
-          <p:cNvPr id="14" name="PlaceHolder 2"/>
+            <a:pPr algn="ctr"/>
+            <a:endParaRPr b="0" lang="en-US" sz="4400" spc="-1" strike="noStrike">
+              <a:latin typeface="Arial"/>
+            </a:endParaRPr>
+          </a:p>
+        </p:txBody>
+      </p:sp>
+      <p:sp>
+        <p:nvSpPr>
+          <p:cNvPr id="13" name="PlaceHolder 2"/>
           <p:cNvSpPr>
             <a:spLocks noGrp="1"/>
           </p:cNvSpPr>
@@ -3749,18 +3515,15 @@
             <a:normAutofit/>
           </a:bodyPr>
           <a:p>
-            <a:endParaRPr b="0" lang="en-US" sz="1400" spc="-1" strike="noStrike">
-              <a:solidFill>
-                <a:srgbClr val="000000"/>
-              </a:solidFill>
-              <a:latin typeface="Arial"/>
-            </a:endParaRPr>
-          </a:p>
-        </p:txBody>
-      </p:sp>
-      <p:sp>
-        <p:nvSpPr>
-          <p:cNvPr id="15" name="PlaceHolder 3"/>
+            <a:endParaRPr b="0" lang="en-US" sz="3200" spc="-1" strike="noStrike">
+              <a:latin typeface="Arial"/>
+            </a:endParaRPr>
+          </a:p>
+        </p:txBody>
+      </p:sp>
+      <p:sp>
+        <p:nvSpPr>
+          <p:cNvPr id="14" name="PlaceHolder 3"/>
           <p:cNvSpPr>
             <a:spLocks noGrp="1"/>
           </p:cNvSpPr>
@@ -3782,10 +3545,7 @@
             <a:normAutofit/>
           </a:bodyPr>
           <a:p>
-            <a:endParaRPr b="0" lang="en-US" sz="1400" spc="-1" strike="noStrike">
-              <a:solidFill>
-                <a:srgbClr val="000000"/>
-              </a:solidFill>
+            <a:endParaRPr b="0" lang="en-US" sz="3200" spc="-1" strike="noStrike">
               <a:latin typeface="Arial"/>
             </a:endParaRPr>
           </a:p>
@@ -3815,7 +3575,7 @@
       </p:grpSpPr>
       <p:sp>
         <p:nvSpPr>
-          <p:cNvPr id="16" name="PlaceHolder 1"/>
+          <p:cNvPr id="15" name="PlaceHolder 1"/>
           <p:cNvSpPr>
             <a:spLocks noGrp="1"/>
           </p:cNvSpPr>
@@ -3826,7 +3586,7 @@
         <p:spPr>
           <a:xfrm>
             <a:off x="3537000" y="1578240"/>
-            <a:ext cx="5017320" cy="1578600"/>
+            <a:ext cx="5016960" cy="1578240"/>
           </a:xfrm>
           <a:prstGeom prst="rect">
             <a:avLst/>
@@ -3837,10 +3597,8 @@
             <a:noAutofit/>
           </a:bodyPr>
           <a:p>
-            <a:endParaRPr b="0" lang="en-US" sz="1400" spc="-1" strike="noStrike">
-              <a:solidFill>
-                <a:srgbClr val="000000"/>
-              </a:solidFill>
+            <a:pPr algn="ctr"/>
+            <a:endParaRPr b="0" lang="en-US" sz="4400" spc="-1" strike="noStrike">
               <a:latin typeface="Arial"/>
             </a:endParaRPr>
           </a:p>
@@ -3870,7 +3628,7 @@
       </p:grpSpPr>
       <p:sp>
         <p:nvSpPr>
-          <p:cNvPr id="17" name="PlaceHolder 1"/>
+          <p:cNvPr id="16" name="PlaceHolder 1"/>
           <p:cNvSpPr>
             <a:spLocks noGrp="1"/>
           </p:cNvSpPr>
@@ -3881,7 +3639,7 @@
         <p:spPr>
           <a:xfrm>
             <a:off x="3537000" y="1578240"/>
-            <a:ext cx="5017320" cy="7318800"/>
+            <a:ext cx="5016960" cy="7317000"/>
           </a:xfrm>
           <a:prstGeom prst="rect">
             <a:avLst/>
@@ -3923,7 +3681,7 @@
       </p:grpSpPr>
       <p:sp>
         <p:nvSpPr>
-          <p:cNvPr id="18" name="PlaceHolder 1"/>
+          <p:cNvPr id="17" name="PlaceHolder 1"/>
           <p:cNvSpPr>
             <a:spLocks noGrp="1"/>
           </p:cNvSpPr>
@@ -3934,7 +3692,7 @@
         <p:spPr>
           <a:xfrm>
             <a:off x="3537000" y="1578240"/>
-            <a:ext cx="5017320" cy="1578600"/>
+            <a:ext cx="5016960" cy="1578240"/>
           </a:xfrm>
           <a:prstGeom prst="rect">
             <a:avLst/>
@@ -3945,18 +3703,16 @@
             <a:noAutofit/>
           </a:bodyPr>
           <a:p>
-            <a:endParaRPr b="0" lang="en-US" sz="1400" spc="-1" strike="noStrike">
-              <a:solidFill>
-                <a:srgbClr val="000000"/>
-              </a:solidFill>
-              <a:latin typeface="Arial"/>
-            </a:endParaRPr>
-          </a:p>
-        </p:txBody>
-      </p:sp>
-      <p:sp>
-        <p:nvSpPr>
-          <p:cNvPr id="19" name="PlaceHolder 2"/>
+            <a:pPr algn="ctr"/>
+            <a:endParaRPr b="0" lang="en-US" sz="4400" spc="-1" strike="noStrike">
+              <a:latin typeface="Arial"/>
+            </a:endParaRPr>
+          </a:p>
+        </p:txBody>
+      </p:sp>
+      <p:sp>
+        <p:nvSpPr>
+          <p:cNvPr id="18" name="PlaceHolder 2"/>
           <p:cNvSpPr>
             <a:spLocks noGrp="1"/>
           </p:cNvSpPr>
@@ -3978,18 +3734,15 @@
             <a:normAutofit/>
           </a:bodyPr>
           <a:p>
-            <a:endParaRPr b="0" lang="en-US" sz="1400" spc="-1" strike="noStrike">
-              <a:solidFill>
-                <a:srgbClr val="000000"/>
-              </a:solidFill>
-              <a:latin typeface="Arial"/>
-            </a:endParaRPr>
-          </a:p>
-        </p:txBody>
-      </p:sp>
-      <p:sp>
-        <p:nvSpPr>
-          <p:cNvPr id="20" name="PlaceHolder 3"/>
+            <a:endParaRPr b="0" lang="en-US" sz="3200" spc="-1" strike="noStrike">
+              <a:latin typeface="Arial"/>
+            </a:endParaRPr>
+          </a:p>
+        </p:txBody>
+      </p:sp>
+      <p:sp>
+        <p:nvSpPr>
+          <p:cNvPr id="19" name="PlaceHolder 3"/>
           <p:cNvSpPr>
             <a:spLocks noGrp="1"/>
           </p:cNvSpPr>
@@ -4011,18 +3764,15 @@
             <a:normAutofit/>
           </a:bodyPr>
           <a:p>
-            <a:endParaRPr b="0" lang="en-US" sz="1400" spc="-1" strike="noStrike">
-              <a:solidFill>
-                <a:srgbClr val="000000"/>
-              </a:solidFill>
-              <a:latin typeface="Arial"/>
-            </a:endParaRPr>
-          </a:p>
-        </p:txBody>
-      </p:sp>
-      <p:sp>
-        <p:nvSpPr>
-          <p:cNvPr id="21" name="PlaceHolder 4"/>
+            <a:endParaRPr b="0" lang="en-US" sz="3200" spc="-1" strike="noStrike">
+              <a:latin typeface="Arial"/>
+            </a:endParaRPr>
+          </a:p>
+        </p:txBody>
+      </p:sp>
+      <p:sp>
+        <p:nvSpPr>
+          <p:cNvPr id="20" name="PlaceHolder 4"/>
           <p:cNvSpPr>
             <a:spLocks noGrp="1"/>
           </p:cNvSpPr>
@@ -4044,10 +3794,7 @@
             <a:normAutofit/>
           </a:bodyPr>
           <a:p>
-            <a:endParaRPr b="0" lang="en-US" sz="1400" spc="-1" strike="noStrike">
-              <a:solidFill>
-                <a:srgbClr val="000000"/>
-              </a:solidFill>
+            <a:endParaRPr b="0" lang="en-US" sz="3200" spc="-1" strike="noStrike">
               <a:latin typeface="Arial"/>
             </a:endParaRPr>
           </a:p>
@@ -4077,7 +3824,7 @@
       </p:grpSpPr>
       <p:sp>
         <p:nvSpPr>
-          <p:cNvPr id="22" name="PlaceHolder 1"/>
+          <p:cNvPr id="21" name="PlaceHolder 1"/>
           <p:cNvSpPr>
             <a:spLocks noGrp="1"/>
           </p:cNvSpPr>
@@ -4088,7 +3835,7 @@
         <p:spPr>
           <a:xfrm>
             <a:off x="3537000" y="1578240"/>
-            <a:ext cx="5017320" cy="1578600"/>
+            <a:ext cx="5016960" cy="1578240"/>
           </a:xfrm>
           <a:prstGeom prst="rect">
             <a:avLst/>
@@ -4099,18 +3846,16 @@
             <a:noAutofit/>
           </a:bodyPr>
           <a:p>
-            <a:endParaRPr b="0" lang="en-US" sz="1400" spc="-1" strike="noStrike">
-              <a:solidFill>
-                <a:srgbClr val="000000"/>
-              </a:solidFill>
-              <a:latin typeface="Arial"/>
-            </a:endParaRPr>
-          </a:p>
-        </p:txBody>
-      </p:sp>
-      <p:sp>
-        <p:nvSpPr>
-          <p:cNvPr id="23" name="PlaceHolder 2"/>
+            <a:pPr algn="ctr"/>
+            <a:endParaRPr b="0" lang="en-US" sz="4400" spc="-1" strike="noStrike">
+              <a:latin typeface="Arial"/>
+            </a:endParaRPr>
+          </a:p>
+        </p:txBody>
+      </p:sp>
+      <p:sp>
+        <p:nvSpPr>
+          <p:cNvPr id="22" name="PlaceHolder 2"/>
           <p:cNvSpPr>
             <a:spLocks noGrp="1"/>
           </p:cNvSpPr>
@@ -4132,18 +3877,15 @@
             <a:normAutofit/>
           </a:bodyPr>
           <a:p>
-            <a:endParaRPr b="0" lang="en-US" sz="1400" spc="-1" strike="noStrike">
-              <a:solidFill>
-                <a:srgbClr val="000000"/>
-              </a:solidFill>
-              <a:latin typeface="Arial"/>
-            </a:endParaRPr>
-          </a:p>
-        </p:txBody>
-      </p:sp>
-      <p:sp>
-        <p:nvSpPr>
-          <p:cNvPr id="24" name="PlaceHolder 3"/>
+            <a:endParaRPr b="0" lang="en-US" sz="3200" spc="-1" strike="noStrike">
+              <a:latin typeface="Arial"/>
+            </a:endParaRPr>
+          </a:p>
+        </p:txBody>
+      </p:sp>
+      <p:sp>
+        <p:nvSpPr>
+          <p:cNvPr id="23" name="PlaceHolder 3"/>
           <p:cNvSpPr>
             <a:spLocks noGrp="1"/>
           </p:cNvSpPr>
@@ -4165,18 +3907,15 @@
             <a:normAutofit/>
           </a:bodyPr>
           <a:p>
-            <a:endParaRPr b="0" lang="en-US" sz="1400" spc="-1" strike="noStrike">
-              <a:solidFill>
-                <a:srgbClr val="000000"/>
-              </a:solidFill>
-              <a:latin typeface="Arial"/>
-            </a:endParaRPr>
-          </a:p>
-        </p:txBody>
-      </p:sp>
-      <p:sp>
-        <p:nvSpPr>
-          <p:cNvPr id="25" name="PlaceHolder 4"/>
+            <a:endParaRPr b="0" lang="en-US" sz="3200" spc="-1" strike="noStrike">
+              <a:latin typeface="Arial"/>
+            </a:endParaRPr>
+          </a:p>
+        </p:txBody>
+      </p:sp>
+      <p:sp>
+        <p:nvSpPr>
+          <p:cNvPr id="24" name="PlaceHolder 4"/>
           <p:cNvSpPr>
             <a:spLocks noGrp="1"/>
           </p:cNvSpPr>
@@ -4198,10 +3937,7 @@
             <a:normAutofit/>
           </a:bodyPr>
           <a:p>
-            <a:endParaRPr b="0" lang="en-US" sz="1400" spc="-1" strike="noStrike">
-              <a:solidFill>
-                <a:srgbClr val="000000"/>
-              </a:solidFill>
+            <a:endParaRPr b="0" lang="en-US" sz="3200" spc="-1" strike="noStrike">
               <a:latin typeface="Arial"/>
             </a:endParaRPr>
           </a:p>
@@ -4231,7 +3967,7 @@
       </p:grpSpPr>
       <p:sp>
         <p:nvSpPr>
-          <p:cNvPr id="26" name="PlaceHolder 1"/>
+          <p:cNvPr id="25" name="PlaceHolder 1"/>
           <p:cNvSpPr>
             <a:spLocks noGrp="1"/>
           </p:cNvSpPr>
@@ -4242,7 +3978,7 @@
         <p:spPr>
           <a:xfrm>
             <a:off x="3537000" y="1578240"/>
-            <a:ext cx="5017320" cy="1578600"/>
+            <a:ext cx="5016960" cy="1578240"/>
           </a:xfrm>
           <a:prstGeom prst="rect">
             <a:avLst/>
@@ -4253,18 +3989,16 @@
             <a:noAutofit/>
           </a:bodyPr>
           <a:p>
-            <a:endParaRPr b="0" lang="en-US" sz="1400" spc="-1" strike="noStrike">
-              <a:solidFill>
-                <a:srgbClr val="000000"/>
-              </a:solidFill>
-              <a:latin typeface="Arial"/>
-            </a:endParaRPr>
-          </a:p>
-        </p:txBody>
-      </p:sp>
-      <p:sp>
-        <p:nvSpPr>
-          <p:cNvPr id="27" name="PlaceHolder 2"/>
+            <a:pPr algn="ctr"/>
+            <a:endParaRPr b="0" lang="en-US" sz="4400" spc="-1" strike="noStrike">
+              <a:latin typeface="Arial"/>
+            </a:endParaRPr>
+          </a:p>
+        </p:txBody>
+      </p:sp>
+      <p:sp>
+        <p:nvSpPr>
+          <p:cNvPr id="26" name="PlaceHolder 2"/>
           <p:cNvSpPr>
             <a:spLocks noGrp="1"/>
           </p:cNvSpPr>
@@ -4286,18 +4020,15 @@
             <a:normAutofit/>
           </a:bodyPr>
           <a:p>
-            <a:endParaRPr b="0" lang="en-US" sz="1400" spc="-1" strike="noStrike">
-              <a:solidFill>
-                <a:srgbClr val="000000"/>
-              </a:solidFill>
-              <a:latin typeface="Arial"/>
-            </a:endParaRPr>
-          </a:p>
-        </p:txBody>
-      </p:sp>
-      <p:sp>
-        <p:nvSpPr>
-          <p:cNvPr id="28" name="PlaceHolder 3"/>
+            <a:endParaRPr b="0" lang="en-US" sz="3200" spc="-1" strike="noStrike">
+              <a:latin typeface="Arial"/>
+            </a:endParaRPr>
+          </a:p>
+        </p:txBody>
+      </p:sp>
+      <p:sp>
+        <p:nvSpPr>
+          <p:cNvPr id="27" name="PlaceHolder 3"/>
           <p:cNvSpPr>
             <a:spLocks noGrp="1"/>
           </p:cNvSpPr>
@@ -4319,18 +4050,15 @@
             <a:normAutofit/>
           </a:bodyPr>
           <a:p>
-            <a:endParaRPr b="0" lang="en-US" sz="1400" spc="-1" strike="noStrike">
-              <a:solidFill>
-                <a:srgbClr val="000000"/>
-              </a:solidFill>
-              <a:latin typeface="Arial"/>
-            </a:endParaRPr>
-          </a:p>
-        </p:txBody>
-      </p:sp>
-      <p:sp>
-        <p:nvSpPr>
-          <p:cNvPr id="29" name="PlaceHolder 4"/>
+            <a:endParaRPr b="0" lang="en-US" sz="3200" spc="-1" strike="noStrike">
+              <a:latin typeface="Arial"/>
+            </a:endParaRPr>
+          </a:p>
+        </p:txBody>
+      </p:sp>
+      <p:sp>
+        <p:nvSpPr>
+          <p:cNvPr id="28" name="PlaceHolder 4"/>
           <p:cNvSpPr>
             <a:spLocks noGrp="1"/>
           </p:cNvSpPr>
@@ -4352,10 +4080,7 @@
             <a:normAutofit/>
           </a:bodyPr>
           <a:p>
-            <a:endParaRPr b="0" lang="en-US" sz="1400" spc="-1" strike="noStrike">
-              <a:solidFill>
-                <a:srgbClr val="000000"/>
-              </a:solidFill>
+            <a:endParaRPr b="0" lang="en-US" sz="3200" spc="-1" strike="noStrike">
               <a:latin typeface="Arial"/>
             </a:endParaRPr>
           </a:p>
@@ -4398,8 +4123,8 @@
         </p:nvSpPr>
         <p:spPr>
           <a:xfrm rot="5400000">
-            <a:off x="7500600" y="0"/>
-            <a:ext cx="1643400" cy="1643400"/>
+            <a:off x="7500960" y="0"/>
+            <a:ext cx="1643040" cy="1643040"/>
           </a:xfrm>
           <a:prstGeom prst="diagStripe">
             <a:avLst>
@@ -4430,10 +4155,10 @@
         </p:nvGrpSpPr>
         <p:grpSpPr>
           <a:xfrm>
-            <a:off x="0" y="1080"/>
-            <a:ext cx="5153400" cy="5133960"/>
-            <a:chOff x="0" y="1080"/>
-            <a:chExt cx="5153400" cy="5133960"/>
+            <a:off x="-360" y="1800"/>
+            <a:ext cx="5153400" cy="5133600"/>
+            <a:chOff x="-360" y="1800"/>
+            <a:chExt cx="5153400" cy="5133600"/>
           </a:xfrm>
         </p:grpSpPr>
         <p:sp>
@@ -4444,8 +4169,8 @@
           </p:nvSpPr>
           <p:spPr>
             <a:xfrm rot="16200000">
-              <a:off x="9720" y="-8280"/>
-              <a:ext cx="5133960" cy="5153400"/>
+              <a:off x="9720" y="-7560"/>
+              <a:ext cx="5133600" cy="5153040"/>
             </a:xfrm>
             <a:prstGeom prst="diagStripe">
               <a:avLst>
@@ -4476,8 +4201,8 @@
           </p:nvSpPr>
           <p:spPr>
             <a:xfrm rot="16200000">
-              <a:off x="7200" y="1135080"/>
-              <a:ext cx="3981960" cy="3996720"/>
+              <a:off x="6840" y="1135440"/>
+              <a:ext cx="3981600" cy="3996360"/>
             </a:xfrm>
             <a:prstGeom prst="diagStripe">
               <a:avLst>
@@ -4508,8 +4233,8 @@
           </p:nvSpPr>
           <p:spPr>
             <a:xfrm rot="16200000">
-              <a:off x="5760" y="-2880"/>
-              <a:ext cx="2291040" cy="2299680"/>
+              <a:off x="5760" y="-2160"/>
+              <a:ext cx="2290680" cy="2299320"/>
             </a:xfrm>
             <a:prstGeom prst="diagStripe">
               <a:avLst>
@@ -4538,8 +4263,8 @@
           </p:nvSpPr>
           <p:spPr>
             <a:xfrm flipH="1">
-              <a:off x="652680" y="588240"/>
-              <a:ext cx="2299680" cy="2291040"/>
+              <a:off x="651960" y="588240"/>
+              <a:ext cx="2299320" cy="2290680"/>
             </a:xfrm>
             <a:prstGeom prst="diagStripe">
               <a:avLst>
@@ -4574,30 +4299,24 @@
         <p:spPr>
           <a:xfrm>
             <a:off x="3537000" y="1578240"/>
-            <a:ext cx="5017320" cy="1578600"/>
-          </a:xfrm>
-          <a:prstGeom prst="rect">
-            <a:avLst/>
-          </a:prstGeom>
-        </p:spPr>
-        <p:txBody>
-          <a:bodyPr tIns="91440" bIns="91440">
+            <a:ext cx="5016960" cy="1578240"/>
+          </a:xfrm>
+          <a:prstGeom prst="rect">
+            <a:avLst/>
+          </a:prstGeom>
+        </p:spPr>
+        <p:txBody>
+          <a:bodyPr lIns="0" rIns="0" tIns="0" bIns="0" anchor="ctr">
             <a:noAutofit/>
           </a:bodyPr>
           <a:p>
             <a:r>
-              <a:rPr b="0" lang="en-US" sz="4000" spc="-1" strike="noStrike">
-                <a:solidFill>
-                  <a:srgbClr val="000000"/>
-                </a:solidFill>
+              <a:rPr b="0" lang="en-US" sz="1800" spc="-1" strike="noStrike">
                 <a:latin typeface="Arial"/>
               </a:rPr>
               <a:t>Click to edit the title text format</a:t>
             </a:r>
-            <a:endParaRPr b="0" lang="en-US" sz="4000" spc="-1" strike="noStrike">
-              <a:solidFill>
-                <a:srgbClr val="000000"/>
-              </a:solidFill>
+            <a:endParaRPr b="0" lang="en-US" sz="1800" spc="-1" strike="noStrike">
               <a:latin typeface="Arial"/>
             </a:endParaRPr>
           </a:p>
@@ -4606,51 +4325,6 @@
       <p:sp>
         <p:nvSpPr>
           <p:cNvPr id="7" name="PlaceHolder 8"/>
-          <p:cNvSpPr>
-            <a:spLocks noGrp="1"/>
-          </p:cNvSpPr>
-          <p:nvPr>
-            <p:ph type="sldNum"/>
-          </p:nvPr>
-        </p:nvSpPr>
-        <p:spPr>
-          <a:xfrm>
-            <a:off x="8472600" y="4663080"/>
-            <a:ext cx="548280" cy="393120"/>
-          </a:xfrm>
-          <a:prstGeom prst="rect">
-            <a:avLst/>
-          </a:prstGeom>
-        </p:spPr>
-        <p:txBody>
-          <a:bodyPr tIns="91440" bIns="91440" anchor="ctr">
-            <a:noAutofit/>
-          </a:bodyPr>
-          <a:p>
-            <a:pPr algn="r">
-              <a:lnSpc>
-                <a:spcPct val="100000"/>
-              </a:lnSpc>
-            </a:pPr>
-            <a:fld id="{F6879D71-E1E4-42DC-A688-224DEE735C8A}" type="slidenum">
-              <a:rPr b="0" lang="en-US" sz="1000" spc="-1" strike="noStrike">
-                <a:solidFill>
-                  <a:srgbClr val="ffffff"/>
-                </a:solidFill>
-                <a:latin typeface="Lato"/>
-                <a:ea typeface="Lato"/>
-              </a:rPr>
-              <a:t>7</a:t>
-            </a:fld>
-            <a:endParaRPr b="0" lang="en-US" sz="1000" spc="-1" strike="noStrike">
-              <a:latin typeface="Times New Roman"/>
-            </a:endParaRPr>
-          </a:p>
-        </p:txBody>
-      </p:sp>
-      <p:sp>
-        <p:nvSpPr>
-          <p:cNvPr id="8" name="PlaceHolder 9"/>
           <p:cNvSpPr>
             <a:spLocks noGrp="1"/>
           </p:cNvSpPr>
@@ -4684,18 +4358,36 @@
               <a:buChar char=""/>
             </a:pPr>
             <a:r>
-              <a:rPr b="0" lang="en-US" sz="1400" spc="-1" strike="noStrike">
-                <a:solidFill>
-                  <a:srgbClr val="000000"/>
-                </a:solidFill>
-                <a:latin typeface="Arial"/>
-              </a:rPr>
-              <a:t>Click to edit the outline text format</a:t>
-            </a:r>
-            <a:endParaRPr b="0" lang="en-US" sz="1400" spc="-1" strike="noStrike">
-              <a:solidFill>
-                <a:srgbClr val="000000"/>
-              </a:solidFill>
+              <a:rPr b="0" lang="en-US" sz="3200" spc="-1" strike="noStrike">
+                <a:latin typeface="Arial"/>
+              </a:rPr>
+              <a:t>Click to </a:t>
+            </a:r>
+            <a:r>
+              <a:rPr b="0" lang="en-US" sz="3200" spc="-1" strike="noStrike">
+                <a:latin typeface="Arial"/>
+              </a:rPr>
+              <a:t>edit the </a:t>
+            </a:r>
+            <a:r>
+              <a:rPr b="0" lang="en-US" sz="3200" spc="-1" strike="noStrike">
+                <a:latin typeface="Arial"/>
+              </a:rPr>
+              <a:t>outline </a:t>
+            </a:r>
+            <a:r>
+              <a:rPr b="0" lang="en-US" sz="3200" spc="-1" strike="noStrike">
+                <a:latin typeface="Arial"/>
+              </a:rPr>
+              <a:t>text </a:t>
+            </a:r>
+            <a:r>
+              <a:rPr b="0" lang="en-US" sz="3200" spc="-1" strike="noStrike">
+                <a:latin typeface="Arial"/>
+              </a:rPr>
+              <a:t>format</a:t>
+            </a:r>
+            <a:endParaRPr b="0" lang="en-US" sz="3200" spc="-1" strike="noStrike">
               <a:latin typeface="Arial"/>
             </a:endParaRPr>
           </a:p>
@@ -4712,18 +4404,36 @@
               <a:buChar char=""/>
             </a:pPr>
             <a:r>
-              <a:rPr b="0" lang="en-US" sz="1400" spc="-1" strike="noStrike">
-                <a:solidFill>
-                  <a:srgbClr val="000000"/>
-                </a:solidFill>
-                <a:latin typeface="Arial"/>
-              </a:rPr>
-              <a:t>Second Outline Level</a:t>
-            </a:r>
-            <a:endParaRPr b="0" lang="en-US" sz="1400" spc="-1" strike="noStrike">
-              <a:solidFill>
-                <a:srgbClr val="000000"/>
-              </a:solidFill>
+              <a:rPr b="0" lang="en-US" sz="2800" spc="-1" strike="noStrike">
+                <a:latin typeface="Arial"/>
+              </a:rPr>
+              <a:t>Secon</a:t>
+            </a:r>
+            <a:r>
+              <a:rPr b="0" lang="en-US" sz="2800" spc="-1" strike="noStrike">
+                <a:latin typeface="Arial"/>
+              </a:rPr>
+              <a:t>d </a:t>
+            </a:r>
+            <a:r>
+              <a:rPr b="0" lang="en-US" sz="2800" spc="-1" strike="noStrike">
+                <a:latin typeface="Arial"/>
+              </a:rPr>
+              <a:t>Outlin</a:t>
+            </a:r>
+            <a:r>
+              <a:rPr b="0" lang="en-US" sz="2800" spc="-1" strike="noStrike">
+                <a:latin typeface="Arial"/>
+              </a:rPr>
+              <a:t>e </a:t>
+            </a:r>
+            <a:r>
+              <a:rPr b="0" lang="en-US" sz="2800" spc="-1" strike="noStrike">
+                <a:latin typeface="Arial"/>
+              </a:rPr>
+              <a:t>Level</a:t>
+            </a:r>
+            <a:endParaRPr b="0" lang="en-US" sz="2800" spc="-1" strike="noStrike">
               <a:latin typeface="Arial"/>
             </a:endParaRPr>
           </a:p>
@@ -4740,18 +4450,42 @@
               <a:buChar char=""/>
             </a:pPr>
             <a:r>
-              <a:rPr b="0" lang="en-US" sz="1400" spc="-1" strike="noStrike">
-                <a:solidFill>
-                  <a:srgbClr val="000000"/>
-                </a:solidFill>
-                <a:latin typeface="Arial"/>
-              </a:rPr>
-              <a:t>Third Outline Level</a:t>
-            </a:r>
-            <a:endParaRPr b="0" lang="en-US" sz="1400" spc="-1" strike="noStrike">
-              <a:solidFill>
-                <a:srgbClr val="000000"/>
-              </a:solidFill>
+              <a:rPr b="0" lang="en-US" sz="2400" spc="-1" strike="noStrike">
+                <a:latin typeface="Arial"/>
+              </a:rPr>
+              <a:t>Thir</a:t>
+            </a:r>
+            <a:r>
+              <a:rPr b="0" lang="en-US" sz="2400" spc="-1" strike="noStrike">
+                <a:latin typeface="Arial"/>
+              </a:rPr>
+              <a:t>d </a:t>
+            </a:r>
+            <a:r>
+              <a:rPr b="0" lang="en-US" sz="2400" spc="-1" strike="noStrike">
+                <a:latin typeface="Arial"/>
+              </a:rPr>
+              <a:t>Outli</a:t>
+            </a:r>
+            <a:r>
+              <a:rPr b="0" lang="en-US" sz="2400" spc="-1" strike="noStrike">
+                <a:latin typeface="Arial"/>
+              </a:rPr>
+              <a:t>ne </a:t>
+            </a:r>
+            <a:r>
+              <a:rPr b="0" lang="en-US" sz="2400" spc="-1" strike="noStrike">
+                <a:latin typeface="Arial"/>
+              </a:rPr>
+              <a:t>Lev</a:t>
+            </a:r>
+            <a:r>
+              <a:rPr b="0" lang="en-US" sz="2400" spc="-1" strike="noStrike">
+                <a:latin typeface="Arial"/>
+              </a:rPr>
+              <a:t>el</a:t>
+            </a:r>
+            <a:endParaRPr b="0" lang="en-US" sz="2400" spc="-1" strike="noStrike">
               <a:latin typeface="Arial"/>
             </a:endParaRPr>
           </a:p>
@@ -4768,18 +4502,84 @@
               <a:buChar char=""/>
             </a:pPr>
             <a:r>
-              <a:rPr b="0" lang="en-US" sz="1400" spc="-1" strike="noStrike">
-                <a:solidFill>
-                  <a:srgbClr val="000000"/>
-                </a:solidFill>
-                <a:latin typeface="Arial"/>
-              </a:rPr>
-              <a:t>Fourth Outline Level</a:t>
-            </a:r>
-            <a:endParaRPr b="0" lang="en-US" sz="1400" spc="-1" strike="noStrike">
-              <a:solidFill>
-                <a:srgbClr val="000000"/>
-              </a:solidFill>
+              <a:rPr b="0" lang="en-US" sz="2000" spc="-1" strike="noStrike">
+                <a:latin typeface="Arial"/>
+              </a:rPr>
+              <a:t>F</a:t>
+            </a:r>
+            <a:r>
+              <a:rPr b="0" lang="en-US" sz="2000" spc="-1" strike="noStrike">
+                <a:latin typeface="Arial"/>
+              </a:rPr>
+              <a:t>o</a:t>
+            </a:r>
+            <a:r>
+              <a:rPr b="0" lang="en-US" sz="2000" spc="-1" strike="noStrike">
+                <a:latin typeface="Arial"/>
+              </a:rPr>
+              <a:t>ur</a:t>
+            </a:r>
+            <a:r>
+              <a:rPr b="0" lang="en-US" sz="2000" spc="-1" strike="noStrike">
+                <a:latin typeface="Arial"/>
+              </a:rPr>
+              <a:t>th </a:t>
+            </a:r>
+            <a:r>
+              <a:rPr b="0" lang="en-US" sz="2000" spc="-1" strike="noStrike">
+                <a:latin typeface="Arial"/>
+              </a:rPr>
+              <a:t>O</a:t>
+            </a:r>
+            <a:r>
+              <a:rPr b="0" lang="en-US" sz="2000" spc="-1" strike="noStrike">
+                <a:latin typeface="Arial"/>
+              </a:rPr>
+              <a:t>ut</a:t>
+            </a:r>
+            <a:r>
+              <a:rPr b="0" lang="en-US" sz="2000" spc="-1" strike="noStrike">
+                <a:latin typeface="Arial"/>
+              </a:rPr>
+              <a:t>li</a:t>
+            </a:r>
+            <a:r>
+              <a:rPr b="0" lang="en-US" sz="2000" spc="-1" strike="noStrike">
+                <a:latin typeface="Arial"/>
+              </a:rPr>
+              <a:t>n</a:t>
+            </a:r>
+            <a:r>
+              <a:rPr b="0" lang="en-US" sz="2000" spc="-1" strike="noStrike">
+                <a:latin typeface="Arial"/>
+              </a:rPr>
+              <a:t>e </a:t>
+            </a:r>
+            <a:r>
+              <a:rPr b="0" lang="en-US" sz="2000" spc="-1" strike="noStrike">
+                <a:latin typeface="Arial"/>
+              </a:rPr>
+              <a:t>L</a:t>
+            </a:r>
+            <a:r>
+              <a:rPr b="0" lang="en-US" sz="2000" spc="-1" strike="noStrike">
+                <a:latin typeface="Arial"/>
+              </a:rPr>
+              <a:t>e</a:t>
+            </a:r>
+            <a:r>
+              <a:rPr b="0" lang="en-US" sz="2000" spc="-1" strike="noStrike">
+                <a:latin typeface="Arial"/>
+              </a:rPr>
+              <a:t>v</a:t>
+            </a:r>
+            <a:r>
+              <a:rPr b="0" lang="en-US" sz="2000" spc="-1" strike="noStrike">
+                <a:latin typeface="Arial"/>
+              </a:rPr>
+              <a:t>el</a:t>
+            </a:r>
+            <a:endParaRPr b="0" lang="en-US" sz="2000" spc="-1" strike="noStrike">
               <a:latin typeface="Arial"/>
             </a:endParaRPr>
           </a:p>
@@ -4797,17 +4597,119 @@
             </a:pPr>
             <a:r>
               <a:rPr b="0" lang="en-US" sz="2000" spc="-1" strike="noStrike">
-                <a:solidFill>
-                  <a:srgbClr val="000000"/>
-                </a:solidFill>
-                <a:latin typeface="Arial"/>
-              </a:rPr>
-              <a:t>Fifth Outline Level</a:t>
+                <a:latin typeface="Arial"/>
+              </a:rPr>
+              <a:t>F</a:t>
+            </a:r>
+            <a:r>
+              <a:rPr b="0" lang="en-US" sz="2000" spc="-1" strike="noStrike">
+                <a:latin typeface="Arial"/>
+              </a:rPr>
+              <a:t>i</a:t>
+            </a:r>
+            <a:r>
+              <a:rPr b="0" lang="en-US" sz="2000" spc="-1" strike="noStrike">
+                <a:latin typeface="Arial"/>
+              </a:rPr>
+              <a:t>f</a:t>
+            </a:r>
+            <a:r>
+              <a:rPr b="0" lang="en-US" sz="2000" spc="-1" strike="noStrike">
+                <a:latin typeface="Arial"/>
+              </a:rPr>
+              <a:t>t</a:t>
+            </a:r>
+            <a:r>
+              <a:rPr b="0" lang="en-US" sz="2000" spc="-1" strike="noStrike">
+                <a:latin typeface="Arial"/>
+              </a:rPr>
+              <a:t>h</a:t>
+            </a:r>
+            <a:r>
+              <a:rPr b="0" lang="en-US" sz="2000" spc="-1" strike="noStrike">
+                <a:latin typeface="Arial"/>
+              </a:rPr>
+              <a:t> </a:t>
+            </a:r>
+            <a:r>
+              <a:rPr b="0" lang="en-US" sz="2000" spc="-1" strike="noStrike">
+                <a:latin typeface="Arial"/>
+              </a:rPr>
+              <a:t>O</a:t>
+            </a:r>
+            <a:r>
+              <a:rPr b="0" lang="en-US" sz="2000" spc="-1" strike="noStrike">
+                <a:latin typeface="Arial"/>
+              </a:rPr>
+              <a:t>u</a:t>
+            </a:r>
+            <a:r>
+              <a:rPr b="0" lang="en-US" sz="2000" spc="-1" strike="noStrike">
+                <a:latin typeface="Arial"/>
+              </a:rPr>
+              <a:t>t</a:t>
+            </a:r>
+            <a:r>
+              <a:rPr b="0" lang="en-US" sz="2000" spc="-1" strike="noStrike">
+                <a:latin typeface="Arial"/>
+              </a:rPr>
+              <a:t>l</a:t>
+            </a:r>
+            <a:r>
+              <a:rPr b="0" lang="en-US" sz="2000" spc="-1" strike="noStrike">
+                <a:latin typeface="Arial"/>
+              </a:rPr>
+              <a:t>i</a:t>
+            </a:r>
+            <a:r>
+              <a:rPr b="0" lang="en-US" sz="2000" spc="-1" strike="noStrike">
+                <a:latin typeface="Arial"/>
+              </a:rPr>
+              <a:t>n</a:t>
+            </a:r>
+            <a:r>
+              <a:rPr b="0" lang="en-US" sz="2000" spc="-1" strike="noStrike">
+                <a:latin typeface="Arial"/>
+              </a:rPr>
+              <a:t>e</a:t>
+            </a:r>
+            <a:r>
+              <a:rPr b="0" lang="en-US" sz="2000" spc="-1" strike="noStrike">
+                <a:latin typeface="Arial"/>
+              </a:rPr>
+              <a:t> </a:t>
+            </a:r>
+            <a:r>
+              <a:rPr b="0" lang="en-US" sz="2000" spc="-1" strike="noStrike">
+                <a:latin typeface="Arial"/>
+              </a:rPr>
+              <a:t>L</a:t>
+            </a:r>
+            <a:r>
+              <a:rPr b="0" lang="en-US" sz="2000" spc="-1" strike="noStrike">
+                <a:latin typeface="Arial"/>
+              </a:rPr>
+              <a:t>e</a:t>
+            </a:r>
+            <a:r>
+              <a:rPr b="0" lang="en-US" sz="2000" spc="-1" strike="noStrike">
+                <a:latin typeface="Arial"/>
+              </a:rPr>
+              <a:t>v</a:t>
+            </a:r>
+            <a:r>
+              <a:rPr b="0" lang="en-US" sz="2000" spc="-1" strike="noStrike">
+                <a:latin typeface="Arial"/>
+              </a:rPr>
+              <a:t>e</a:t>
+            </a:r>
+            <a:r>
+              <a:rPr b="0" lang="en-US" sz="2000" spc="-1" strike="noStrike">
+                <a:latin typeface="Arial"/>
+              </a:rPr>
+              <a:t>l</a:t>
             </a:r>
             <a:endParaRPr b="0" lang="en-US" sz="2000" spc="-1" strike="noStrike">
-              <a:solidFill>
-                <a:srgbClr val="000000"/>
-              </a:solidFill>
               <a:latin typeface="Arial"/>
             </a:endParaRPr>
           </a:p>
@@ -4825,17 +4727,119 @@
             </a:pPr>
             <a:r>
               <a:rPr b="0" lang="en-US" sz="2000" spc="-1" strike="noStrike">
-                <a:solidFill>
-                  <a:srgbClr val="000000"/>
-                </a:solidFill>
-                <a:latin typeface="Arial"/>
-              </a:rPr>
-              <a:t>Sixth Outline Level</a:t>
+                <a:latin typeface="Arial"/>
+              </a:rPr>
+              <a:t>S</a:t>
+            </a:r>
+            <a:r>
+              <a:rPr b="0" lang="en-US" sz="2000" spc="-1" strike="noStrike">
+                <a:latin typeface="Arial"/>
+              </a:rPr>
+              <a:t>i</a:t>
+            </a:r>
+            <a:r>
+              <a:rPr b="0" lang="en-US" sz="2000" spc="-1" strike="noStrike">
+                <a:latin typeface="Arial"/>
+              </a:rPr>
+              <a:t>x</a:t>
+            </a:r>
+            <a:r>
+              <a:rPr b="0" lang="en-US" sz="2000" spc="-1" strike="noStrike">
+                <a:latin typeface="Arial"/>
+              </a:rPr>
+              <a:t>t</a:t>
+            </a:r>
+            <a:r>
+              <a:rPr b="0" lang="en-US" sz="2000" spc="-1" strike="noStrike">
+                <a:latin typeface="Arial"/>
+              </a:rPr>
+              <a:t>h</a:t>
+            </a:r>
+            <a:r>
+              <a:rPr b="0" lang="en-US" sz="2000" spc="-1" strike="noStrike">
+                <a:latin typeface="Arial"/>
+              </a:rPr>
+              <a:t> </a:t>
+            </a:r>
+            <a:r>
+              <a:rPr b="0" lang="en-US" sz="2000" spc="-1" strike="noStrike">
+                <a:latin typeface="Arial"/>
+              </a:rPr>
+              <a:t>O</a:t>
+            </a:r>
+            <a:r>
+              <a:rPr b="0" lang="en-US" sz="2000" spc="-1" strike="noStrike">
+                <a:latin typeface="Arial"/>
+              </a:rPr>
+              <a:t>u</a:t>
+            </a:r>
+            <a:r>
+              <a:rPr b="0" lang="en-US" sz="2000" spc="-1" strike="noStrike">
+                <a:latin typeface="Arial"/>
+              </a:rPr>
+              <a:t>t</a:t>
+            </a:r>
+            <a:r>
+              <a:rPr b="0" lang="en-US" sz="2000" spc="-1" strike="noStrike">
+                <a:latin typeface="Arial"/>
+              </a:rPr>
+              <a:t>l</a:t>
+            </a:r>
+            <a:r>
+              <a:rPr b="0" lang="en-US" sz="2000" spc="-1" strike="noStrike">
+                <a:latin typeface="Arial"/>
+              </a:rPr>
+              <a:t>i</a:t>
+            </a:r>
+            <a:r>
+              <a:rPr b="0" lang="en-US" sz="2000" spc="-1" strike="noStrike">
+                <a:latin typeface="Arial"/>
+              </a:rPr>
+              <a:t>n</a:t>
+            </a:r>
+            <a:r>
+              <a:rPr b="0" lang="en-US" sz="2000" spc="-1" strike="noStrike">
+                <a:latin typeface="Arial"/>
+              </a:rPr>
+              <a:t>e</a:t>
+            </a:r>
+            <a:r>
+              <a:rPr b="0" lang="en-US" sz="2000" spc="-1" strike="noStrike">
+                <a:latin typeface="Arial"/>
+              </a:rPr>
+              <a:t> </a:t>
+            </a:r>
+            <a:r>
+              <a:rPr b="0" lang="en-US" sz="2000" spc="-1" strike="noStrike">
+                <a:latin typeface="Arial"/>
+              </a:rPr>
+              <a:t>L</a:t>
+            </a:r>
+            <a:r>
+              <a:rPr b="0" lang="en-US" sz="2000" spc="-1" strike="noStrike">
+                <a:latin typeface="Arial"/>
+              </a:rPr>
+              <a:t>e</a:t>
+            </a:r>
+            <a:r>
+              <a:rPr b="0" lang="en-US" sz="2000" spc="-1" strike="noStrike">
+                <a:latin typeface="Arial"/>
+              </a:rPr>
+              <a:t>v</a:t>
+            </a:r>
+            <a:r>
+              <a:rPr b="0" lang="en-US" sz="2000" spc="-1" strike="noStrike">
+                <a:latin typeface="Arial"/>
+              </a:rPr>
+              <a:t>e</a:t>
+            </a:r>
+            <a:r>
+              <a:rPr b="0" lang="en-US" sz="2000" spc="-1" strike="noStrike">
+                <a:latin typeface="Arial"/>
+              </a:rPr>
+              <a:t>l</a:t>
             </a:r>
             <a:endParaRPr b="0" lang="en-US" sz="2000" spc="-1" strike="noStrike">
-              <a:solidFill>
-                <a:srgbClr val="000000"/>
-              </a:solidFill>
               <a:latin typeface="Arial"/>
             </a:endParaRPr>
           </a:p>
@@ -4853,17 +4857,131 @@
             </a:pPr>
             <a:r>
               <a:rPr b="0" lang="en-US" sz="2000" spc="-1" strike="noStrike">
-                <a:solidFill>
-                  <a:srgbClr val="000000"/>
-                </a:solidFill>
-                <a:latin typeface="Arial"/>
-              </a:rPr>
-              <a:t>Seventh Outline Level</a:t>
+                <a:latin typeface="Arial"/>
+              </a:rPr>
+              <a:t>S</a:t>
+            </a:r>
+            <a:r>
+              <a:rPr b="0" lang="en-US" sz="2000" spc="-1" strike="noStrike">
+                <a:latin typeface="Arial"/>
+              </a:rPr>
+              <a:t>e</a:t>
+            </a:r>
+            <a:r>
+              <a:rPr b="0" lang="en-US" sz="2000" spc="-1" strike="noStrike">
+                <a:latin typeface="Arial"/>
+              </a:rPr>
+              <a:t>v</a:t>
+            </a:r>
+            <a:r>
+              <a:rPr b="0" lang="en-US" sz="2000" spc="-1" strike="noStrike">
+                <a:latin typeface="Arial"/>
+              </a:rPr>
+              <a:t>e</a:t>
+            </a:r>
+            <a:r>
+              <a:rPr b="0" lang="en-US" sz="2000" spc="-1" strike="noStrike">
+                <a:latin typeface="Arial"/>
+              </a:rPr>
+              <a:t>n</a:t>
+            </a:r>
+            <a:r>
+              <a:rPr b="0" lang="en-US" sz="2000" spc="-1" strike="noStrike">
+                <a:latin typeface="Arial"/>
+              </a:rPr>
+              <a:t>t</a:t>
+            </a:r>
+            <a:r>
+              <a:rPr b="0" lang="en-US" sz="2000" spc="-1" strike="noStrike">
+                <a:latin typeface="Arial"/>
+              </a:rPr>
+              <a:t>h</a:t>
+            </a:r>
+            <a:r>
+              <a:rPr b="0" lang="en-US" sz="2000" spc="-1" strike="noStrike">
+                <a:latin typeface="Arial"/>
+              </a:rPr>
+              <a:t> </a:t>
+            </a:r>
+            <a:r>
+              <a:rPr b="0" lang="en-US" sz="2000" spc="-1" strike="noStrike">
+                <a:latin typeface="Arial"/>
+              </a:rPr>
+              <a:t>O</a:t>
+            </a:r>
+            <a:r>
+              <a:rPr b="0" lang="en-US" sz="2000" spc="-1" strike="noStrike">
+                <a:latin typeface="Arial"/>
+              </a:rPr>
+              <a:t>u</a:t>
+            </a:r>
+            <a:r>
+              <a:rPr b="0" lang="en-US" sz="2000" spc="-1" strike="noStrike">
+                <a:latin typeface="Arial"/>
+              </a:rPr>
+              <a:t>t</a:t>
+            </a:r>
+            <a:r>
+              <a:rPr b="0" lang="en-US" sz="2000" spc="-1" strike="noStrike">
+                <a:latin typeface="Arial"/>
+              </a:rPr>
+              <a:t>l</a:t>
+            </a:r>
+            <a:r>
+              <a:rPr b="0" lang="en-US" sz="2000" spc="-1" strike="noStrike">
+                <a:latin typeface="Arial"/>
+              </a:rPr>
+              <a:t>i</a:t>
+            </a:r>
+            <a:r>
+              <a:rPr b="0" lang="en-US" sz="2000" spc="-1" strike="noStrike">
+                <a:latin typeface="Arial"/>
+              </a:rPr>
+              <a:t>n</a:t>
+            </a:r>
+            <a:r>
+              <a:rPr b="0" lang="en-US" sz="2000" spc="-1" strike="noStrike">
+                <a:latin typeface="Arial"/>
+              </a:rPr>
+              <a:t>e</a:t>
+            </a:r>
+            <a:r>
+              <a:rPr b="0" lang="en-US" sz="2000" spc="-1" strike="noStrike">
+                <a:latin typeface="Arial"/>
+              </a:rPr>
+              <a:t> </a:t>
+            </a:r>
+            <a:r>
+              <a:rPr b="0" lang="en-US" sz="2000" spc="-1" strike="noStrike">
+                <a:latin typeface="Arial"/>
+              </a:rPr>
+              <a:t>L</a:t>
+            </a:r>
+            <a:r>
+              <a:rPr b="0" lang="en-US" sz="2000" spc="-1" strike="noStrike">
+                <a:latin typeface="Arial"/>
+              </a:rPr>
+              <a:t>e</a:t>
+            </a:r>
+            <a:r>
+              <a:rPr b="0" lang="en-US" sz="2000" spc="-1" strike="noStrike">
+                <a:latin typeface="Arial"/>
+              </a:rPr>
+              <a:t>v</a:t>
+            </a:r>
+            <a:r>
+              <a:rPr b="0" lang="en-US" sz="2000" spc="-1" strike="noStrike">
+                <a:latin typeface="Arial"/>
+              </a:rPr>
+              <a:t>e</a:t>
+            </a:r>
+            <a:r>
+              <a:rPr b="0" lang="en-US" sz="2000" spc="-1" strike="noStrike">
+                <a:latin typeface="Arial"/>
+              </a:rPr>
+              <a:t>l</a:t>
             </a:r>
             <a:endParaRPr b="0" lang="en-US" sz="2000" spc="-1" strike="noStrike">
-              <a:solidFill>
-                <a:srgbClr val="000000"/>
-              </a:solidFill>
               <a:latin typeface="Arial"/>
             </a:endParaRPr>
           </a:p>
@@ -4915,28 +5033,28 @@
       </p:grpSpPr>
       <p:grpSp>
         <p:nvGrpSpPr>
-          <p:cNvPr id="45" name="Group 1"/>
+          <p:cNvPr id="44" name="Group 1"/>
           <p:cNvGrpSpPr/>
           <p:nvPr/>
         </p:nvGrpSpPr>
         <p:grpSpPr>
           <a:xfrm>
-            <a:off x="0" y="381240"/>
-            <a:ext cx="1037520" cy="1015920"/>
-            <a:chOff x="0" y="381240"/>
-            <a:chExt cx="1037520" cy="1015920"/>
+            <a:off x="0" y="381600"/>
+            <a:ext cx="1036800" cy="1015200"/>
+            <a:chOff x="0" y="381600"/>
+            <a:chExt cx="1036800" cy="1015200"/>
           </a:xfrm>
         </p:grpSpPr>
         <p:sp>
           <p:nvSpPr>
-            <p:cNvPr id="46" name="CustomShape 2"/>
+            <p:cNvPr id="45" name="CustomShape 2"/>
             <p:cNvSpPr/>
             <p:nvPr/>
           </p:nvSpPr>
           <p:spPr>
             <a:xfrm rot="16200000">
-              <a:off x="0" y="381240"/>
-              <a:ext cx="808560" cy="808560"/>
+              <a:off x="0" y="381600"/>
+              <a:ext cx="808200" cy="808200"/>
             </a:xfrm>
             <a:prstGeom prst="diagStripe">
               <a:avLst>
@@ -4959,14 +5077,14 @@
         </p:sp>
         <p:sp>
           <p:nvSpPr>
-            <p:cNvPr id="47" name="CustomShape 3"/>
+            <p:cNvPr id="46" name="CustomShape 3"/>
             <p:cNvSpPr/>
             <p:nvPr/>
           </p:nvSpPr>
           <p:spPr>
             <a:xfrm flipH="1">
-              <a:off x="228960" y="588600"/>
-              <a:ext cx="808560" cy="808560"/>
+              <a:off x="228240" y="588600"/>
+              <a:ext cx="808200" cy="808200"/>
             </a:xfrm>
             <a:prstGeom prst="diagStripe">
               <a:avLst>
@@ -4990,7 +5108,7 @@
       </p:grpSp>
       <p:sp>
         <p:nvSpPr>
-          <p:cNvPr id="48" name="PlaceHolder 4"/>
+          <p:cNvPr id="47" name="PlaceHolder 4"/>
           <p:cNvSpPr>
             <a:spLocks noGrp="1"/>
           </p:cNvSpPr>
@@ -5000,39 +5118,33 @@
         </p:nvSpPr>
         <p:spPr>
           <a:xfrm>
-            <a:off x="1297440" y="393840"/>
-            <a:ext cx="7038720" cy="913680"/>
-          </a:xfrm>
-          <a:prstGeom prst="rect">
-            <a:avLst/>
-          </a:prstGeom>
-        </p:spPr>
-        <p:txBody>
-          <a:bodyPr tIns="91440" bIns="91440">
+            <a:off x="3537000" y="1578240"/>
+            <a:ext cx="5016960" cy="1578240"/>
+          </a:xfrm>
+          <a:prstGeom prst="rect">
+            <a:avLst/>
+          </a:prstGeom>
+        </p:spPr>
+        <p:txBody>
+          <a:bodyPr lIns="0" rIns="0" tIns="0" bIns="0" anchor="ctr">
             <a:noAutofit/>
           </a:bodyPr>
           <a:p>
             <a:r>
-              <a:rPr b="0" lang="en-US" sz="2400" spc="-1" strike="noStrike">
-                <a:solidFill>
-                  <a:srgbClr val="000000"/>
-                </a:solidFill>
+              <a:rPr b="0" lang="en-US" sz="1800" spc="-1" strike="noStrike">
                 <a:latin typeface="Arial"/>
               </a:rPr>
               <a:t>Click to edit the title text format</a:t>
             </a:r>
-            <a:endParaRPr b="0" lang="en-US" sz="2400" spc="-1" strike="noStrike">
-              <a:solidFill>
-                <a:srgbClr val="000000"/>
-              </a:solidFill>
-              <a:latin typeface="Arial"/>
-            </a:endParaRPr>
-          </a:p>
-        </p:txBody>
-      </p:sp>
-      <p:sp>
-        <p:nvSpPr>
-          <p:cNvPr id="49" name="PlaceHolder 5"/>
+            <a:endParaRPr b="0" lang="en-US" sz="1800" spc="-1" strike="noStrike">
+              <a:latin typeface="Arial"/>
+            </a:endParaRPr>
+          </a:p>
+        </p:txBody>
+      </p:sp>
+      <p:sp>
+        <p:nvSpPr>
+          <p:cNvPr id="48" name="PlaceHolder 5"/>
           <p:cNvSpPr>
             <a:spLocks noGrp="1"/>
           </p:cNvSpPr>
@@ -5042,16 +5154,16 @@
         </p:nvSpPr>
         <p:spPr>
           <a:xfrm>
-            <a:off x="1297440" y="1567440"/>
-            <a:ext cx="7038720" cy="2910960"/>
-          </a:xfrm>
-          <a:prstGeom prst="rect">
-            <a:avLst/>
-          </a:prstGeom>
-        </p:spPr>
-        <p:txBody>
-          <a:bodyPr tIns="91440" bIns="91440">
-            <a:noAutofit/>
+            <a:off x="457200" y="1203480"/>
+            <a:ext cx="8228880" cy="2982600"/>
+          </a:xfrm>
+          <a:prstGeom prst="rect">
+            <a:avLst/>
+          </a:prstGeom>
+        </p:spPr>
+        <p:txBody>
+          <a:bodyPr lIns="0" rIns="0" tIns="0" bIns="0">
+            <a:normAutofit/>
           </a:bodyPr>
           <a:p>
             <a:pPr marL="432000" indent="-324000">
@@ -5066,18 +5178,12 @@
               <a:buChar char=""/>
             </a:pPr>
             <a:r>
-              <a:rPr b="0" lang="en-US" sz="1300" spc="-1" strike="noStrike">
-                <a:solidFill>
-                  <a:srgbClr val="000000"/>
-                </a:solidFill>
+              <a:rPr b="0" lang="en-US" sz="1800" spc="-1" strike="noStrike">
                 <a:latin typeface="Arial"/>
               </a:rPr>
               <a:t>Click to edit the outline text format</a:t>
             </a:r>
-            <a:endParaRPr b="0" lang="en-US" sz="1300" spc="-1" strike="noStrike">
-              <a:solidFill>
-                <a:srgbClr val="000000"/>
-              </a:solidFill>
+            <a:endParaRPr b="0" lang="en-US" sz="1800" spc="-1" strike="noStrike">
               <a:latin typeface="Arial"/>
             </a:endParaRPr>
           </a:p>
@@ -5094,18 +5200,12 @@
               <a:buChar char=""/>
             </a:pPr>
             <a:r>
-              <a:rPr b="0" lang="en-US" sz="1300" spc="-1" strike="noStrike">
-                <a:solidFill>
-                  <a:srgbClr val="000000"/>
-                </a:solidFill>
+              <a:rPr b="0" lang="en-US" sz="1800" spc="-1" strike="noStrike">
                 <a:latin typeface="Arial"/>
               </a:rPr>
               <a:t>Second Outline Level</a:t>
             </a:r>
-            <a:endParaRPr b="0" lang="en-US" sz="1300" spc="-1" strike="noStrike">
-              <a:solidFill>
-                <a:srgbClr val="000000"/>
-              </a:solidFill>
+            <a:endParaRPr b="0" lang="en-US" sz="1800" spc="-1" strike="noStrike">
               <a:latin typeface="Arial"/>
             </a:endParaRPr>
           </a:p>
@@ -5122,18 +5222,12 @@
               <a:buChar char=""/>
             </a:pPr>
             <a:r>
-              <a:rPr b="0" lang="en-US" sz="1300" spc="-1" strike="noStrike">
-                <a:solidFill>
-                  <a:srgbClr val="000000"/>
-                </a:solidFill>
+              <a:rPr b="0" lang="en-US" sz="1800" spc="-1" strike="noStrike">
                 <a:latin typeface="Arial"/>
               </a:rPr>
               <a:t>Third Outline Level</a:t>
             </a:r>
-            <a:endParaRPr b="0" lang="en-US" sz="1300" spc="-1" strike="noStrike">
-              <a:solidFill>
-                <a:srgbClr val="000000"/>
-              </a:solidFill>
+            <a:endParaRPr b="0" lang="en-US" sz="1800" spc="-1" strike="noStrike">
               <a:latin typeface="Arial"/>
             </a:endParaRPr>
           </a:p>
@@ -5150,18 +5244,12 @@
               <a:buChar char=""/>
             </a:pPr>
             <a:r>
-              <a:rPr b="0" lang="en-US" sz="1300" spc="-1" strike="noStrike">
-                <a:solidFill>
-                  <a:srgbClr val="000000"/>
-                </a:solidFill>
+              <a:rPr b="0" lang="en-US" sz="1800" spc="-1" strike="noStrike">
                 <a:latin typeface="Arial"/>
               </a:rPr>
               <a:t>Fourth Outline Level</a:t>
             </a:r>
-            <a:endParaRPr b="0" lang="en-US" sz="1300" spc="-1" strike="noStrike">
-              <a:solidFill>
-                <a:srgbClr val="000000"/>
-              </a:solidFill>
+            <a:endParaRPr b="0" lang="en-US" sz="1800" spc="-1" strike="noStrike">
               <a:latin typeface="Arial"/>
             </a:endParaRPr>
           </a:p>
@@ -5178,18 +5266,12 @@
               <a:buChar char=""/>
             </a:pPr>
             <a:r>
-              <a:rPr b="0" lang="en-US" sz="1300" spc="-1" strike="noStrike">
-                <a:solidFill>
-                  <a:srgbClr val="000000"/>
-                </a:solidFill>
+              <a:rPr b="0" lang="en-US" sz="1800" spc="-1" strike="noStrike">
                 <a:latin typeface="Arial"/>
               </a:rPr>
               <a:t>Fifth Outline Level</a:t>
             </a:r>
-            <a:endParaRPr b="0" lang="en-US" sz="1300" spc="-1" strike="noStrike">
-              <a:solidFill>
-                <a:srgbClr val="000000"/>
-              </a:solidFill>
+            <a:endParaRPr b="0" lang="en-US" sz="1800" spc="-1" strike="noStrike">
               <a:latin typeface="Arial"/>
             </a:endParaRPr>
           </a:p>
@@ -5206,18 +5288,12 @@
               <a:buChar char=""/>
             </a:pPr>
             <a:r>
-              <a:rPr b="0" lang="en-US" sz="1300" spc="-1" strike="noStrike">
-                <a:solidFill>
-                  <a:srgbClr val="000000"/>
-                </a:solidFill>
+              <a:rPr b="0" lang="en-US" sz="1800" spc="-1" strike="noStrike">
                 <a:latin typeface="Arial"/>
               </a:rPr>
               <a:t>Sixth Outline Level</a:t>
             </a:r>
-            <a:endParaRPr b="0" lang="en-US" sz="1300" spc="-1" strike="noStrike">
-              <a:solidFill>
-                <a:srgbClr val="000000"/>
-              </a:solidFill>
+            <a:endParaRPr b="0" lang="en-US" sz="1800" spc="-1" strike="noStrike">
               <a:latin typeface="Arial"/>
             </a:endParaRPr>
           </a:p>
@@ -5234,64 +5310,13 @@
               <a:buChar char=""/>
             </a:pPr>
             <a:r>
-              <a:rPr b="0" lang="en-US" sz="1300" spc="-1" strike="noStrike">
-                <a:solidFill>
-                  <a:srgbClr val="000000"/>
-                </a:solidFill>
+              <a:rPr b="0" lang="en-US" sz="1800" spc="-1" strike="noStrike">
                 <a:latin typeface="Arial"/>
               </a:rPr>
               <a:t>Seventh Outline Level</a:t>
             </a:r>
-            <a:endParaRPr b="0" lang="en-US" sz="1300" spc="-1" strike="noStrike">
-              <a:solidFill>
-                <a:srgbClr val="000000"/>
-              </a:solidFill>
-              <a:latin typeface="Arial"/>
-            </a:endParaRPr>
-          </a:p>
-        </p:txBody>
-      </p:sp>
-      <p:sp>
-        <p:nvSpPr>
-          <p:cNvPr id="50" name="PlaceHolder 6"/>
-          <p:cNvSpPr>
-            <a:spLocks noGrp="1"/>
-          </p:cNvSpPr>
-          <p:nvPr>
-            <p:ph type="sldNum"/>
-          </p:nvPr>
-        </p:nvSpPr>
-        <p:spPr>
-          <a:xfrm>
-            <a:off x="8472600" y="4663080"/>
-            <a:ext cx="548280" cy="393120"/>
-          </a:xfrm>
-          <a:prstGeom prst="rect">
-            <a:avLst/>
-          </a:prstGeom>
-        </p:spPr>
-        <p:txBody>
-          <a:bodyPr tIns="91440" bIns="91440" anchor="ctr">
-            <a:noAutofit/>
-          </a:bodyPr>
-          <a:p>
-            <a:pPr algn="r">
-              <a:lnSpc>
-                <a:spcPct val="100000"/>
-              </a:lnSpc>
-            </a:pPr>
-            <a:fld id="{26EA78EB-334F-43A2-84A3-C0831AAC293C}" type="slidenum">
-              <a:rPr b="0" lang="en-US" sz="1000" spc="-1" strike="noStrike">
-                <a:solidFill>
-                  <a:srgbClr val="ffffff"/>
-                </a:solidFill>
-                <a:latin typeface="Lato"/>
-                <a:ea typeface="Lato"/>
-              </a:rPr>
-              <a:t>1</a:t>
-            </a:fld>
-            <a:endParaRPr b="0" lang="en-US" sz="1000" spc="-1" strike="noStrike">
-              <a:latin typeface="Times New Roman"/>
+            <a:endParaRPr b="0" lang="en-US" sz="1800" spc="-1" strike="noStrike">
+              <a:latin typeface="Arial"/>
             </a:endParaRPr>
           </a:p>
         </p:txBody>
@@ -5342,28 +5367,28 @@
       </p:grpSpPr>
       <p:grpSp>
         <p:nvGrpSpPr>
-          <p:cNvPr id="87" name="Group 1"/>
+          <p:cNvPr id="85" name="Group 1"/>
           <p:cNvGrpSpPr/>
           <p:nvPr/>
         </p:nvGrpSpPr>
         <p:grpSpPr>
           <a:xfrm>
-            <a:off x="0" y="381240"/>
-            <a:ext cx="1037520" cy="1015920"/>
-            <a:chOff x="0" y="381240"/>
-            <a:chExt cx="1037520" cy="1015920"/>
+            <a:off x="0" y="381600"/>
+            <a:ext cx="1036800" cy="1015200"/>
+            <a:chOff x="0" y="381600"/>
+            <a:chExt cx="1036800" cy="1015200"/>
           </a:xfrm>
         </p:grpSpPr>
         <p:sp>
           <p:nvSpPr>
-            <p:cNvPr id="88" name="CustomShape 2"/>
+            <p:cNvPr id="86" name="CustomShape 2"/>
             <p:cNvSpPr/>
             <p:nvPr/>
           </p:nvSpPr>
           <p:spPr>
             <a:xfrm rot="16200000">
-              <a:off x="0" y="381240"/>
-              <a:ext cx="808560" cy="808560"/>
+              <a:off x="0" y="381600"/>
+              <a:ext cx="808200" cy="808200"/>
             </a:xfrm>
             <a:prstGeom prst="diagStripe">
               <a:avLst>
@@ -5386,14 +5411,14 @@
         </p:sp>
         <p:sp>
           <p:nvSpPr>
-            <p:cNvPr id="89" name="CustomShape 3"/>
+            <p:cNvPr id="87" name="CustomShape 3"/>
             <p:cNvSpPr/>
             <p:nvPr/>
           </p:nvSpPr>
           <p:spPr>
             <a:xfrm flipH="1">
-              <a:off x="228960" y="588600"/>
-              <a:ext cx="808560" cy="808560"/>
+              <a:off x="228240" y="588600"/>
+              <a:ext cx="808200" cy="808200"/>
             </a:xfrm>
             <a:prstGeom prst="diagStripe">
               <a:avLst>
@@ -5417,7 +5442,7 @@
       </p:grpSp>
       <p:sp>
         <p:nvSpPr>
-          <p:cNvPr id="90" name="PlaceHolder 4"/>
+          <p:cNvPr id="88" name="PlaceHolder 4"/>
           <p:cNvSpPr>
             <a:spLocks noGrp="1"/>
           </p:cNvSpPr>
@@ -5427,39 +5452,33 @@
         </p:nvSpPr>
         <p:spPr>
           <a:xfrm>
-            <a:off x="1297440" y="393840"/>
-            <a:ext cx="7038720" cy="913680"/>
-          </a:xfrm>
-          <a:prstGeom prst="rect">
-            <a:avLst/>
-          </a:prstGeom>
-        </p:spPr>
-        <p:txBody>
-          <a:bodyPr tIns="91440" bIns="91440">
+            <a:off x="3537000" y="1578240"/>
+            <a:ext cx="5016960" cy="1578240"/>
+          </a:xfrm>
+          <a:prstGeom prst="rect">
+            <a:avLst/>
+          </a:prstGeom>
+        </p:spPr>
+        <p:txBody>
+          <a:bodyPr lIns="0" rIns="0" tIns="0" bIns="0" anchor="ctr">
             <a:noAutofit/>
           </a:bodyPr>
           <a:p>
             <a:r>
-              <a:rPr b="0" lang="en-US" sz="2400" spc="-1" strike="noStrike">
-                <a:solidFill>
-                  <a:srgbClr val="000000"/>
-                </a:solidFill>
+              <a:rPr b="0" lang="en-US" sz="1800" spc="-1" strike="noStrike">
                 <a:latin typeface="Arial"/>
               </a:rPr>
               <a:t>Click to edit the title text format</a:t>
             </a:r>
-            <a:endParaRPr b="0" lang="en-US" sz="2400" spc="-1" strike="noStrike">
-              <a:solidFill>
-                <a:srgbClr val="000000"/>
-              </a:solidFill>
-              <a:latin typeface="Arial"/>
-            </a:endParaRPr>
-          </a:p>
-        </p:txBody>
-      </p:sp>
-      <p:sp>
-        <p:nvSpPr>
-          <p:cNvPr id="91" name="PlaceHolder 5"/>
+            <a:endParaRPr b="0" lang="en-US" sz="1800" spc="-1" strike="noStrike">
+              <a:latin typeface="Arial"/>
+            </a:endParaRPr>
+          </a:p>
+        </p:txBody>
+      </p:sp>
+      <p:sp>
+        <p:nvSpPr>
+          <p:cNvPr id="89" name="PlaceHolder 5"/>
           <p:cNvSpPr>
             <a:spLocks noGrp="1"/>
           </p:cNvSpPr>
@@ -5469,16 +5488,16 @@
         </p:nvSpPr>
         <p:spPr>
           <a:xfrm>
-            <a:off x="1297440" y="1567440"/>
-            <a:ext cx="3402720" cy="2910960"/>
-          </a:xfrm>
-          <a:prstGeom prst="rect">
-            <a:avLst/>
-          </a:prstGeom>
-        </p:spPr>
-        <p:txBody>
-          <a:bodyPr tIns="91440" bIns="91440">
-            <a:noAutofit/>
+            <a:off x="457200" y="1203480"/>
+            <a:ext cx="4015440" cy="2982600"/>
+          </a:xfrm>
+          <a:prstGeom prst="rect">
+            <a:avLst/>
+          </a:prstGeom>
+        </p:spPr>
+        <p:txBody>
+          <a:bodyPr lIns="0" rIns="0" tIns="0" bIns="0">
+            <a:normAutofit fontScale="97000"/>
           </a:bodyPr>
           <a:p>
             <a:pPr marL="432000" indent="-324000">
@@ -5493,18 +5512,12 @@
               <a:buChar char=""/>
             </a:pPr>
             <a:r>
-              <a:rPr b="0" lang="en-US" sz="1300" spc="-1" strike="noStrike">
-                <a:solidFill>
-                  <a:srgbClr val="000000"/>
-                </a:solidFill>
+              <a:rPr b="0" lang="en-US" sz="1800" spc="-1" strike="noStrike">
                 <a:latin typeface="Arial"/>
               </a:rPr>
               <a:t>Click to edit the outline text format</a:t>
             </a:r>
-            <a:endParaRPr b="0" lang="en-US" sz="1300" spc="-1" strike="noStrike">
-              <a:solidFill>
-                <a:srgbClr val="000000"/>
-              </a:solidFill>
+            <a:endParaRPr b="0" lang="en-US" sz="1800" spc="-1" strike="noStrike">
               <a:latin typeface="Arial"/>
             </a:endParaRPr>
           </a:p>
@@ -5521,18 +5534,12 @@
               <a:buChar char=""/>
             </a:pPr>
             <a:r>
-              <a:rPr b="0" lang="en-US" sz="1300" spc="-1" strike="noStrike">
-                <a:solidFill>
-                  <a:srgbClr val="000000"/>
-                </a:solidFill>
+              <a:rPr b="0" lang="en-US" sz="1800" spc="-1" strike="noStrike">
                 <a:latin typeface="Arial"/>
               </a:rPr>
               <a:t>Second Outline Level</a:t>
             </a:r>
-            <a:endParaRPr b="0" lang="en-US" sz="1300" spc="-1" strike="noStrike">
-              <a:solidFill>
-                <a:srgbClr val="000000"/>
-              </a:solidFill>
+            <a:endParaRPr b="0" lang="en-US" sz="1800" spc="-1" strike="noStrike">
               <a:latin typeface="Arial"/>
             </a:endParaRPr>
           </a:p>
@@ -5549,18 +5556,12 @@
               <a:buChar char=""/>
             </a:pPr>
             <a:r>
-              <a:rPr b="0" lang="en-US" sz="1300" spc="-1" strike="noStrike">
-                <a:solidFill>
-                  <a:srgbClr val="000000"/>
-                </a:solidFill>
+              <a:rPr b="0" lang="en-US" sz="1800" spc="-1" strike="noStrike">
                 <a:latin typeface="Arial"/>
               </a:rPr>
               <a:t>Third Outline Level</a:t>
             </a:r>
-            <a:endParaRPr b="0" lang="en-US" sz="1300" spc="-1" strike="noStrike">
-              <a:solidFill>
-                <a:srgbClr val="000000"/>
-              </a:solidFill>
+            <a:endParaRPr b="0" lang="en-US" sz="1800" spc="-1" strike="noStrike">
               <a:latin typeface="Arial"/>
             </a:endParaRPr>
           </a:p>
@@ -5577,18 +5578,12 @@
               <a:buChar char=""/>
             </a:pPr>
             <a:r>
-              <a:rPr b="0" lang="en-US" sz="1300" spc="-1" strike="noStrike">
-                <a:solidFill>
-                  <a:srgbClr val="000000"/>
-                </a:solidFill>
+              <a:rPr b="0" lang="en-US" sz="1800" spc="-1" strike="noStrike">
                 <a:latin typeface="Arial"/>
               </a:rPr>
               <a:t>Fourth Outline Level</a:t>
             </a:r>
-            <a:endParaRPr b="0" lang="en-US" sz="1300" spc="-1" strike="noStrike">
-              <a:solidFill>
-                <a:srgbClr val="000000"/>
-              </a:solidFill>
+            <a:endParaRPr b="0" lang="en-US" sz="1800" spc="-1" strike="noStrike">
               <a:latin typeface="Arial"/>
             </a:endParaRPr>
           </a:p>
@@ -5605,18 +5600,12 @@
               <a:buChar char=""/>
             </a:pPr>
             <a:r>
-              <a:rPr b="0" lang="en-US" sz="1300" spc="-1" strike="noStrike">
-                <a:solidFill>
-                  <a:srgbClr val="000000"/>
-                </a:solidFill>
+              <a:rPr b="0" lang="en-US" sz="1800" spc="-1" strike="noStrike">
                 <a:latin typeface="Arial"/>
               </a:rPr>
               <a:t>Fifth Outline Level</a:t>
             </a:r>
-            <a:endParaRPr b="0" lang="en-US" sz="1300" spc="-1" strike="noStrike">
-              <a:solidFill>
-                <a:srgbClr val="000000"/>
-              </a:solidFill>
+            <a:endParaRPr b="0" lang="en-US" sz="1800" spc="-1" strike="noStrike">
               <a:latin typeface="Arial"/>
             </a:endParaRPr>
           </a:p>
@@ -5633,18 +5622,12 @@
               <a:buChar char=""/>
             </a:pPr>
             <a:r>
-              <a:rPr b="0" lang="en-US" sz="1300" spc="-1" strike="noStrike">
-                <a:solidFill>
-                  <a:srgbClr val="000000"/>
-                </a:solidFill>
+              <a:rPr b="0" lang="en-US" sz="1800" spc="-1" strike="noStrike">
                 <a:latin typeface="Arial"/>
               </a:rPr>
               <a:t>Sixth Outline Level</a:t>
             </a:r>
-            <a:endParaRPr b="0" lang="en-US" sz="1300" spc="-1" strike="noStrike">
-              <a:solidFill>
-                <a:srgbClr val="000000"/>
-              </a:solidFill>
+            <a:endParaRPr b="0" lang="en-US" sz="1800" spc="-1" strike="noStrike">
               <a:latin typeface="Arial"/>
             </a:endParaRPr>
           </a:p>
@@ -5661,26 +5644,20 @@
               <a:buChar char=""/>
             </a:pPr>
             <a:r>
-              <a:rPr b="0" lang="en-US" sz="1300" spc="-1" strike="noStrike">
-                <a:solidFill>
-                  <a:srgbClr val="000000"/>
-                </a:solidFill>
+              <a:rPr b="0" lang="en-US" sz="1800" spc="-1" strike="noStrike">
                 <a:latin typeface="Arial"/>
               </a:rPr>
               <a:t>Seventh Outline Level</a:t>
             </a:r>
-            <a:endParaRPr b="0" lang="en-US" sz="1300" spc="-1" strike="noStrike">
-              <a:solidFill>
-                <a:srgbClr val="000000"/>
-              </a:solidFill>
-              <a:latin typeface="Arial"/>
-            </a:endParaRPr>
-          </a:p>
-        </p:txBody>
-      </p:sp>
-      <p:sp>
-        <p:nvSpPr>
-          <p:cNvPr id="92" name="PlaceHolder 6"/>
+            <a:endParaRPr b="0" lang="en-US" sz="1800" spc="-1" strike="noStrike">
+              <a:latin typeface="Arial"/>
+            </a:endParaRPr>
+          </a:p>
+        </p:txBody>
+      </p:sp>
+      <p:sp>
+        <p:nvSpPr>
+          <p:cNvPr id="90" name="PlaceHolder 6"/>
           <p:cNvSpPr>
             <a:spLocks noGrp="1"/>
           </p:cNvSpPr>
@@ -5690,16 +5667,16 @@
         </p:nvSpPr>
         <p:spPr>
           <a:xfrm>
-            <a:off x="4933080" y="1567440"/>
-            <a:ext cx="3402720" cy="2910960"/>
-          </a:xfrm>
-          <a:prstGeom prst="rect">
-            <a:avLst/>
-          </a:prstGeom>
-        </p:spPr>
-        <p:txBody>
-          <a:bodyPr tIns="91440" bIns="91440">
-            <a:noAutofit/>
+            <a:off x="4674240" y="1203480"/>
+            <a:ext cx="4015440" cy="2982600"/>
+          </a:xfrm>
+          <a:prstGeom prst="rect">
+            <a:avLst/>
+          </a:prstGeom>
+        </p:spPr>
+        <p:txBody>
+          <a:bodyPr lIns="0" rIns="0" tIns="0" bIns="0">
+            <a:normAutofit fontScale="97000"/>
           </a:bodyPr>
           <a:p>
             <a:pPr marL="432000" indent="-324000">
@@ -5714,18 +5691,12 @@
               <a:buChar char=""/>
             </a:pPr>
             <a:r>
-              <a:rPr b="0" lang="en-US" sz="1300" spc="-1" strike="noStrike">
-                <a:solidFill>
-                  <a:srgbClr val="000000"/>
-                </a:solidFill>
+              <a:rPr b="0" lang="en-US" sz="1800" spc="-1" strike="noStrike">
                 <a:latin typeface="Arial"/>
               </a:rPr>
               <a:t>Click to edit the outline text format</a:t>
             </a:r>
-            <a:endParaRPr b="0" lang="en-US" sz="1300" spc="-1" strike="noStrike">
-              <a:solidFill>
-                <a:srgbClr val="000000"/>
-              </a:solidFill>
+            <a:endParaRPr b="0" lang="en-US" sz="1800" spc="-1" strike="noStrike">
               <a:latin typeface="Arial"/>
             </a:endParaRPr>
           </a:p>
@@ -5742,18 +5713,12 @@
               <a:buChar char=""/>
             </a:pPr>
             <a:r>
-              <a:rPr b="0" lang="en-US" sz="1300" spc="-1" strike="noStrike">
-                <a:solidFill>
-                  <a:srgbClr val="000000"/>
-                </a:solidFill>
+              <a:rPr b="0" lang="en-US" sz="1800" spc="-1" strike="noStrike">
                 <a:latin typeface="Arial"/>
               </a:rPr>
               <a:t>Second Outline Level</a:t>
             </a:r>
-            <a:endParaRPr b="0" lang="en-US" sz="1300" spc="-1" strike="noStrike">
-              <a:solidFill>
-                <a:srgbClr val="000000"/>
-              </a:solidFill>
+            <a:endParaRPr b="0" lang="en-US" sz="1800" spc="-1" strike="noStrike">
               <a:latin typeface="Arial"/>
             </a:endParaRPr>
           </a:p>
@@ -5770,18 +5735,12 @@
               <a:buChar char=""/>
             </a:pPr>
             <a:r>
-              <a:rPr b="0" lang="en-US" sz="1300" spc="-1" strike="noStrike">
-                <a:solidFill>
-                  <a:srgbClr val="000000"/>
-                </a:solidFill>
+              <a:rPr b="0" lang="en-US" sz="1800" spc="-1" strike="noStrike">
                 <a:latin typeface="Arial"/>
               </a:rPr>
               <a:t>Third Outline Level</a:t>
             </a:r>
-            <a:endParaRPr b="0" lang="en-US" sz="1300" spc="-1" strike="noStrike">
-              <a:solidFill>
-                <a:srgbClr val="000000"/>
-              </a:solidFill>
+            <a:endParaRPr b="0" lang="en-US" sz="1800" spc="-1" strike="noStrike">
               <a:latin typeface="Arial"/>
             </a:endParaRPr>
           </a:p>
@@ -5798,18 +5757,12 @@
               <a:buChar char=""/>
             </a:pPr>
             <a:r>
-              <a:rPr b="0" lang="en-US" sz="1300" spc="-1" strike="noStrike">
-                <a:solidFill>
-                  <a:srgbClr val="000000"/>
-                </a:solidFill>
+              <a:rPr b="0" lang="en-US" sz="1800" spc="-1" strike="noStrike">
                 <a:latin typeface="Arial"/>
               </a:rPr>
               <a:t>Fourth Outline Level</a:t>
             </a:r>
-            <a:endParaRPr b="0" lang="en-US" sz="1300" spc="-1" strike="noStrike">
-              <a:solidFill>
-                <a:srgbClr val="000000"/>
-              </a:solidFill>
+            <a:endParaRPr b="0" lang="en-US" sz="1800" spc="-1" strike="noStrike">
               <a:latin typeface="Arial"/>
             </a:endParaRPr>
           </a:p>
@@ -5826,18 +5779,12 @@
               <a:buChar char=""/>
             </a:pPr>
             <a:r>
-              <a:rPr b="0" lang="en-US" sz="1300" spc="-1" strike="noStrike">
-                <a:solidFill>
-                  <a:srgbClr val="000000"/>
-                </a:solidFill>
+              <a:rPr b="0" lang="en-US" sz="1800" spc="-1" strike="noStrike">
                 <a:latin typeface="Arial"/>
               </a:rPr>
               <a:t>Fifth Outline Level</a:t>
             </a:r>
-            <a:endParaRPr b="0" lang="en-US" sz="1300" spc="-1" strike="noStrike">
-              <a:solidFill>
-                <a:srgbClr val="000000"/>
-              </a:solidFill>
+            <a:endParaRPr b="0" lang="en-US" sz="1800" spc="-1" strike="noStrike">
               <a:latin typeface="Arial"/>
             </a:endParaRPr>
           </a:p>
@@ -5854,18 +5801,12 @@
               <a:buChar char=""/>
             </a:pPr>
             <a:r>
-              <a:rPr b="0" lang="en-US" sz="1300" spc="-1" strike="noStrike">
-                <a:solidFill>
-                  <a:srgbClr val="000000"/>
-                </a:solidFill>
+              <a:rPr b="0" lang="en-US" sz="1800" spc="-1" strike="noStrike">
                 <a:latin typeface="Arial"/>
               </a:rPr>
               <a:t>Sixth Outline Level</a:t>
             </a:r>
-            <a:endParaRPr b="0" lang="en-US" sz="1300" spc="-1" strike="noStrike">
-              <a:solidFill>
-                <a:srgbClr val="000000"/>
-              </a:solidFill>
+            <a:endParaRPr b="0" lang="en-US" sz="1800" spc="-1" strike="noStrike">
               <a:latin typeface="Arial"/>
             </a:endParaRPr>
           </a:p>
@@ -5882,64 +5823,13 @@
               <a:buChar char=""/>
             </a:pPr>
             <a:r>
-              <a:rPr b="0" lang="en-US" sz="1300" spc="-1" strike="noStrike">
-                <a:solidFill>
-                  <a:srgbClr val="000000"/>
-                </a:solidFill>
+              <a:rPr b="0" lang="en-US" sz="1800" spc="-1" strike="noStrike">
                 <a:latin typeface="Arial"/>
               </a:rPr>
               <a:t>Seventh Outline Level</a:t>
             </a:r>
-            <a:endParaRPr b="0" lang="en-US" sz="1300" spc="-1" strike="noStrike">
-              <a:solidFill>
-                <a:srgbClr val="000000"/>
-              </a:solidFill>
-              <a:latin typeface="Arial"/>
-            </a:endParaRPr>
-          </a:p>
-        </p:txBody>
-      </p:sp>
-      <p:sp>
-        <p:nvSpPr>
-          <p:cNvPr id="93" name="PlaceHolder 7"/>
-          <p:cNvSpPr>
-            <a:spLocks noGrp="1"/>
-          </p:cNvSpPr>
-          <p:nvPr>
-            <p:ph type="sldNum"/>
-          </p:nvPr>
-        </p:nvSpPr>
-        <p:spPr>
-          <a:xfrm>
-            <a:off x="8472600" y="4663080"/>
-            <a:ext cx="548280" cy="393120"/>
-          </a:xfrm>
-          <a:prstGeom prst="rect">
-            <a:avLst/>
-          </a:prstGeom>
-        </p:spPr>
-        <p:txBody>
-          <a:bodyPr tIns="91440" bIns="91440" anchor="ctr">
-            <a:noAutofit/>
-          </a:bodyPr>
-          <a:p>
-            <a:pPr algn="r">
-              <a:lnSpc>
-                <a:spcPct val="100000"/>
-              </a:lnSpc>
-            </a:pPr>
-            <a:fld id="{E2C49C83-7730-45BF-AE81-8DF4712C789F}" type="slidenum">
-              <a:rPr b="0" lang="en-US" sz="1000" spc="-1" strike="noStrike">
-                <a:solidFill>
-                  <a:srgbClr val="ffffff"/>
-                </a:solidFill>
-                <a:latin typeface="Lato"/>
-                <a:ea typeface="Lato"/>
-              </a:rPr>
-              <a:t>1</a:t>
-            </a:fld>
-            <a:endParaRPr b="0" lang="en-US" sz="1000" spc="-1" strike="noStrike">
-              <a:latin typeface="Times New Roman"/>
+            <a:endParaRPr b="0" lang="en-US" sz="1800" spc="-1" strike="noStrike">
+              <a:latin typeface="Arial"/>
             </a:endParaRPr>
           </a:p>
         </p:txBody>
@@ -5983,14 +5873,14 @@
       </p:grpSpPr>
       <p:sp>
         <p:nvSpPr>
-          <p:cNvPr id="130" name="TextShape 1"/>
-          <p:cNvSpPr txBox="1"/>
+          <p:cNvPr id="127" name="CustomShape 1"/>
+          <p:cNvSpPr/>
           <p:nvPr/>
         </p:nvSpPr>
         <p:spPr>
           <a:xfrm>
             <a:off x="2953080" y="1726560"/>
-            <a:ext cx="6190920" cy="1447920"/>
+            <a:ext cx="6190560" cy="1447560"/>
           </a:xfrm>
           <a:prstGeom prst="rect">
             <a:avLst/>
@@ -6000,8 +5890,14 @@
             <a:noFill/>
           </a:ln>
         </p:spPr>
-        <p:txBody>
-          <a:bodyPr tIns="91440" bIns="91440">
+        <p:style>
+          <a:lnRef idx="0"/>
+          <a:fillRef idx="0"/>
+          <a:effectRef idx="0"/>
+          <a:fontRef idx="minor"/>
+        </p:style>
+        <p:txBody>
+          <a:bodyPr lIns="90000" rIns="90000" tIns="91440" bIns="91440">
             <a:noAutofit/>
           </a:bodyPr>
           <a:p>
@@ -6021,9 +5917,87 @@
               <a:t>CSS phần 1</a:t>
             </a:r>
             <a:endParaRPr b="0" lang="en-US" sz="4000" spc="-1" strike="noStrike">
-              <a:solidFill>
-                <a:srgbClr val="000000"/>
-              </a:solidFill>
+              <a:latin typeface="Arial"/>
+            </a:endParaRPr>
+          </a:p>
+        </p:txBody>
+      </p:sp>
+    </p:spTree>
+  </p:cSld>
+  <mc:AlternateContent>
+    <mc:Choice Requires="p14">
+      <p:transition spd="slow" p14:dur="2000"/>
+    </mc:Choice>
+    <mc:Fallback>
+      <p:transition spd="slow"/>
+    </mc:Fallback>
+  </mc:AlternateContent>
+</p:sld>
+</file>
+
+<file path=ppt/slides/slide10.xml><?xml version="1.0" encoding="utf-8"?>
+<p:sld xmlns:a="http://schemas.openxmlformats.org/drawingml/2006/main" xmlns:p="http://schemas.openxmlformats.org/presentationml/2006/main" xmlns:r="http://schemas.openxmlformats.org/officeDocument/2006/relationships" xmlns:p14="http://schemas.microsoft.com/office/powerpoint/2010/main" xmlns:p15="http://schemas.microsoft.com/office/powerpoint/2012/main" xmlns:mc="http://schemas.openxmlformats.org/markup-compatibility/2006">
+  <p:cSld>
+    <p:spTree>
+      <p:nvGrpSpPr>
+        <p:cNvPr id="1" name=""/>
+        <p:cNvGrpSpPr/>
+        <p:nvPr/>
+      </p:nvGrpSpPr>
+      <p:grpSpPr>
+        <a:xfrm>
+          <a:off x="0" y="0"/>
+          <a:ext cx="0" cy="0"/>
+          <a:chOff x="0" y="0"/>
+          <a:chExt cx="0" cy="0"/>
+        </a:xfrm>
+      </p:grpSpPr>
+      <p:sp>
+        <p:nvSpPr>
+          <p:cNvPr id="147" name="CustomShape 1"/>
+          <p:cNvSpPr/>
+          <p:nvPr/>
+        </p:nvSpPr>
+        <p:spPr>
+          <a:xfrm>
+            <a:off x="2953080" y="1726560"/>
+            <a:ext cx="6190560" cy="1447560"/>
+          </a:xfrm>
+          <a:prstGeom prst="rect">
+            <a:avLst/>
+          </a:prstGeom>
+          <a:noFill/>
+          <a:ln>
+            <a:noFill/>
+          </a:ln>
+        </p:spPr>
+        <p:style>
+          <a:lnRef idx="0"/>
+          <a:fillRef idx="0"/>
+          <a:effectRef idx="0"/>
+          <a:fontRef idx="minor"/>
+        </p:style>
+        <p:txBody>
+          <a:bodyPr lIns="90000" rIns="90000" tIns="91440" bIns="91440">
+            <a:noAutofit/>
+          </a:bodyPr>
+          <a:p>
+            <a:pPr>
+              <a:lnSpc>
+                <a:spcPct val="100000"/>
+              </a:lnSpc>
+            </a:pPr>
+            <a:r>
+              <a:rPr b="1" lang="en-US" sz="4000" spc="-1" strike="noStrike">
+                <a:solidFill>
+                  <a:srgbClr val="ffffff"/>
+                </a:solidFill>
+                <a:latin typeface="Montserrat"/>
+                <a:ea typeface="Montserrat"/>
+              </a:rPr>
+              <a:t>BÀI TẬP</a:t>
+            </a:r>
+            <a:endParaRPr b="0" lang="en-US" sz="4000" spc="-1" strike="noStrike">
               <a:latin typeface="Arial"/>
             </a:endParaRPr>
           </a:p>
@@ -6061,14 +6035,14 @@
       </p:grpSpPr>
       <p:sp>
         <p:nvSpPr>
-          <p:cNvPr id="131" name="TextShape 1"/>
-          <p:cNvSpPr txBox="1"/>
+          <p:cNvPr id="128" name="CustomShape 1"/>
+          <p:cNvSpPr/>
           <p:nvPr/>
         </p:nvSpPr>
         <p:spPr>
           <a:xfrm>
             <a:off x="1297440" y="393840"/>
-            <a:ext cx="7038720" cy="913680"/>
+            <a:ext cx="7038360" cy="913320"/>
           </a:xfrm>
           <a:prstGeom prst="rect">
             <a:avLst/>
@@ -6078,8 +6052,14 @@
             <a:noFill/>
           </a:ln>
         </p:spPr>
-        <p:txBody>
-          <a:bodyPr tIns="91440" bIns="91440">
+        <p:style>
+          <a:lnRef idx="0"/>
+          <a:fillRef idx="0"/>
+          <a:effectRef idx="0"/>
+          <a:fontRef idx="minor"/>
+        </p:style>
+        <p:txBody>
+          <a:bodyPr lIns="90000" rIns="90000" tIns="91440" bIns="91440">
             <a:noAutofit/>
           </a:bodyPr>
           <a:p>
@@ -6099,24 +6079,21 @@
               <a:t>CSS là gì?</a:t>
             </a:r>
             <a:endParaRPr b="0" lang="en-US" sz="2400" spc="-1" strike="noStrike">
-              <a:solidFill>
-                <a:srgbClr val="000000"/>
-              </a:solidFill>
-              <a:latin typeface="Arial"/>
-            </a:endParaRPr>
-          </a:p>
-        </p:txBody>
-      </p:sp>
-      <p:sp>
-        <p:nvSpPr>
-          <p:cNvPr id="132" name="TextShape 2"/>
-          <p:cNvSpPr txBox="1"/>
+              <a:latin typeface="Arial"/>
+            </a:endParaRPr>
+          </a:p>
+        </p:txBody>
+      </p:sp>
+      <p:sp>
+        <p:nvSpPr>
+          <p:cNvPr id="129" name="CustomShape 2"/>
+          <p:cNvSpPr/>
           <p:nvPr/>
         </p:nvSpPr>
         <p:spPr>
           <a:xfrm>
             <a:off x="1297440" y="1567440"/>
-            <a:ext cx="7038720" cy="3575520"/>
+            <a:ext cx="7038360" cy="3575160"/>
           </a:xfrm>
           <a:prstGeom prst="rect">
             <a:avLst/>
@@ -6126,12 +6103,18 @@
             <a:noFill/>
           </a:ln>
         </p:spPr>
-        <p:txBody>
-          <a:bodyPr tIns="91440" bIns="91440">
+        <p:style>
+          <a:lnRef idx="0"/>
+          <a:fillRef idx="0"/>
+          <a:effectRef idx="0"/>
+          <a:fontRef idx="minor"/>
+        </p:style>
+        <p:txBody>
+          <a:bodyPr lIns="90000" rIns="90000" tIns="91440" bIns="91440">
             <a:noAutofit/>
           </a:bodyPr>
           <a:p>
-            <a:pPr marL="457200" indent="-323640">
+            <a:pPr marL="457200" indent="-323280">
               <a:lnSpc>
                 <a:spcPct val="115000"/>
               </a:lnSpc>
@@ -6152,9 +6135,6 @@
               <a:t>CSS là ngôn ngữ tạo phong cách cho trang web – Cascading Style Sheet language.</a:t>
             </a:r>
             <a:endParaRPr b="0" lang="en-US" sz="1500" spc="-1" strike="noStrike">
-              <a:solidFill>
-                <a:srgbClr val="000000"/>
-              </a:solidFill>
               <a:latin typeface="Arial"/>
             </a:endParaRPr>
           </a:p>
@@ -6168,14 +6148,11 @@
               </a:spcBef>
             </a:pPr>
             <a:endParaRPr b="0" lang="en-US" sz="1500" spc="-1" strike="noStrike">
-              <a:solidFill>
-                <a:srgbClr val="000000"/>
-              </a:solidFill>
-              <a:latin typeface="Arial"/>
-            </a:endParaRPr>
-          </a:p>
-          <a:p>
-            <a:pPr marL="457200" indent="-323640">
+              <a:latin typeface="Arial"/>
+            </a:endParaRPr>
+          </a:p>
+          <a:p>
+            <a:pPr marL="457200" indent="-323280">
               <a:lnSpc>
                 <a:spcPct val="115000"/>
               </a:lnSpc>
@@ -6199,9 +6176,6 @@
               <a:t>Css dùng để tạo phong cách và định kiểu cho những yếu tố được viết dưới dạng ngôn ngữ đánh dấu, như là HTML.</a:t>
             </a:r>
             <a:endParaRPr b="0" lang="en-US" sz="1500" spc="-1" strike="noStrike">
-              <a:solidFill>
-                <a:srgbClr val="000000"/>
-              </a:solidFill>
               <a:latin typeface="Arial"/>
             </a:endParaRPr>
           </a:p>
@@ -6215,14 +6189,11 @@
               </a:spcBef>
             </a:pPr>
             <a:endParaRPr b="0" lang="en-US" sz="1500" spc="-1" strike="noStrike">
-              <a:solidFill>
-                <a:srgbClr val="000000"/>
-              </a:solidFill>
-              <a:latin typeface="Arial"/>
-            </a:endParaRPr>
-          </a:p>
-          <a:p>
-            <a:pPr marL="457200" indent="-323640">
+              <a:latin typeface="Arial"/>
+            </a:endParaRPr>
+          </a:p>
+          <a:p>
+            <a:pPr marL="457200" indent="-323280">
               <a:lnSpc>
                 <a:spcPct val="115000"/>
               </a:lnSpc>
@@ -6246,9 +6217,6 @@
               <a:t>Nó có thể điều khiển định dạng của nhiều trang web cùng lúc để tiết kiệm công sức cho người viết web.</a:t>
             </a:r>
             <a:endParaRPr b="0" lang="en-US" sz="1500" spc="-1" strike="noStrike">
-              <a:solidFill>
-                <a:srgbClr val="000000"/>
-              </a:solidFill>
               <a:latin typeface="Arial"/>
             </a:endParaRPr>
           </a:p>
@@ -6286,14 +6254,14 @@
       </p:grpSpPr>
       <p:sp>
         <p:nvSpPr>
-          <p:cNvPr id="133" name="TextShape 1"/>
-          <p:cNvSpPr txBox="1"/>
+          <p:cNvPr id="130" name="CustomShape 1"/>
+          <p:cNvSpPr/>
           <p:nvPr/>
         </p:nvSpPr>
         <p:spPr>
           <a:xfrm>
             <a:off x="1297440" y="393840"/>
-            <a:ext cx="7038720" cy="913680"/>
+            <a:ext cx="7038360" cy="913320"/>
           </a:xfrm>
           <a:prstGeom prst="rect">
             <a:avLst/>
@@ -6303,8 +6271,14 @@
             <a:noFill/>
           </a:ln>
         </p:spPr>
-        <p:txBody>
-          <a:bodyPr tIns="91440" bIns="91440">
+        <p:style>
+          <a:lnRef idx="0"/>
+          <a:fillRef idx="0"/>
+          <a:effectRef idx="0"/>
+          <a:fontRef idx="minor"/>
+        </p:style>
+        <p:txBody>
+          <a:bodyPr lIns="90000" rIns="90000" tIns="91440" bIns="91440">
             <a:noAutofit/>
           </a:bodyPr>
           <a:p>
@@ -6324,24 +6298,21 @@
               <a:t>Cấu trúc khi viết CSS</a:t>
             </a:r>
             <a:endParaRPr b="0" lang="en-US" sz="2400" spc="-1" strike="noStrike">
-              <a:solidFill>
-                <a:srgbClr val="000000"/>
-              </a:solidFill>
-              <a:latin typeface="Arial"/>
-            </a:endParaRPr>
-          </a:p>
-        </p:txBody>
-      </p:sp>
-      <p:sp>
-        <p:nvSpPr>
-          <p:cNvPr id="134" name="TextShape 2"/>
-          <p:cNvSpPr txBox="1"/>
+              <a:latin typeface="Arial"/>
+            </a:endParaRPr>
+          </a:p>
+        </p:txBody>
+      </p:sp>
+      <p:sp>
+        <p:nvSpPr>
+          <p:cNvPr id="131" name="CustomShape 2"/>
+          <p:cNvSpPr/>
           <p:nvPr/>
         </p:nvSpPr>
         <p:spPr>
           <a:xfrm>
             <a:off x="1297440" y="1567440"/>
-            <a:ext cx="7038720" cy="2910960"/>
+            <a:ext cx="7038360" cy="2910600"/>
           </a:xfrm>
           <a:prstGeom prst="rect">
             <a:avLst/>
@@ -6351,8 +6322,14 @@
             <a:noFill/>
           </a:ln>
         </p:spPr>
-        <p:txBody>
-          <a:bodyPr tIns="91440" bIns="91440">
+        <p:style>
+          <a:lnRef idx="0"/>
+          <a:fillRef idx="0"/>
+          <a:effectRef idx="0"/>
+          <a:fontRef idx="minor"/>
+        </p:style>
+        <p:txBody>
+          <a:bodyPr lIns="90000" rIns="90000" tIns="91440" bIns="91440">
             <a:noAutofit/>
           </a:bodyPr>
           <a:p>
@@ -6372,9 +6349,6 @@
               <a:t>property: value; (thuộc tính: giá trị;)</a:t>
             </a:r>
             <a:endParaRPr b="0" lang="en-US" sz="1800" spc="-1" strike="noStrike">
-              <a:solidFill>
-                <a:srgbClr val="000000"/>
-              </a:solidFill>
               <a:latin typeface="Arial"/>
             </a:endParaRPr>
           </a:p>
@@ -6398,14 +6372,11 @@
               <a:t>Ví dụ:</a:t>
             </a:r>
             <a:endParaRPr b="0" lang="en-US" sz="1400" spc="-1" strike="noStrike">
-              <a:solidFill>
-                <a:srgbClr val="000000"/>
-              </a:solidFill>
-              <a:latin typeface="Arial"/>
-            </a:endParaRPr>
-          </a:p>
-          <a:p>
-            <a:pPr marL="457200" indent="-317160">
+              <a:latin typeface="Arial"/>
+            </a:endParaRPr>
+          </a:p>
+          <a:p>
+            <a:pPr marL="457200" indent="-316800">
               <a:lnSpc>
                 <a:spcPct val="115000"/>
               </a:lnSpc>
@@ -6429,14 +6400,11 @@
               <a:t>color: white;</a:t>
             </a:r>
             <a:endParaRPr b="0" lang="en-US" sz="1400" spc="-1" strike="noStrike">
-              <a:solidFill>
-                <a:srgbClr val="000000"/>
-              </a:solidFill>
-              <a:latin typeface="Arial"/>
-            </a:endParaRPr>
-          </a:p>
-          <a:p>
-            <a:pPr marL="457200" indent="-317160">
+              <a:latin typeface="Arial"/>
+            </a:endParaRPr>
+          </a:p>
+          <a:p>
+            <a:pPr marL="457200" indent="-316800">
               <a:lnSpc>
                 <a:spcPct val="115000"/>
               </a:lnSpc>
@@ -6457,14 +6425,11 @@
               <a:t>background: black;</a:t>
             </a:r>
             <a:endParaRPr b="0" lang="en-US" sz="1400" spc="-1" strike="noStrike">
-              <a:solidFill>
-                <a:srgbClr val="000000"/>
-              </a:solidFill>
-              <a:latin typeface="Arial"/>
-            </a:endParaRPr>
-          </a:p>
-          <a:p>
-            <a:pPr marL="457200" indent="-317160">
+              <a:latin typeface="Arial"/>
+            </a:endParaRPr>
+          </a:p>
+          <a:p>
+            <a:pPr marL="457200" indent="-316800">
               <a:lnSpc>
                 <a:spcPct val="115000"/>
               </a:lnSpc>
@@ -6485,14 +6450,11 @@
               <a:t>font-size: 20px;</a:t>
             </a:r>
             <a:endParaRPr b="0" lang="en-US" sz="1400" spc="-1" strike="noStrike">
-              <a:solidFill>
-                <a:srgbClr val="000000"/>
-              </a:solidFill>
-              <a:latin typeface="Arial"/>
-            </a:endParaRPr>
-          </a:p>
-          <a:p>
-            <a:pPr marL="457200" indent="-317160">
+              <a:latin typeface="Arial"/>
+            </a:endParaRPr>
+          </a:p>
+          <a:p>
+            <a:pPr marL="457200" indent="-316800">
               <a:lnSpc>
                 <a:spcPct val="115000"/>
               </a:lnSpc>
@@ -6513,9 +6475,6 @@
               <a:t>...</a:t>
             </a:r>
             <a:endParaRPr b="0" lang="en-US" sz="1400" spc="-1" strike="noStrike">
-              <a:solidFill>
-                <a:srgbClr val="000000"/>
-              </a:solidFill>
               <a:latin typeface="Arial"/>
             </a:endParaRPr>
           </a:p>
@@ -6553,14 +6512,14 @@
       </p:grpSpPr>
       <p:sp>
         <p:nvSpPr>
-          <p:cNvPr id="135" name="TextShape 1"/>
-          <p:cNvSpPr txBox="1"/>
+          <p:cNvPr id="132" name="CustomShape 1"/>
+          <p:cNvSpPr/>
           <p:nvPr/>
         </p:nvSpPr>
         <p:spPr>
           <a:xfrm>
             <a:off x="1297440" y="393840"/>
-            <a:ext cx="7038720" cy="913680"/>
+            <a:ext cx="7038360" cy="913320"/>
           </a:xfrm>
           <a:prstGeom prst="rect">
             <a:avLst/>
@@ -6570,8 +6529,14 @@
             <a:noFill/>
           </a:ln>
         </p:spPr>
-        <p:txBody>
-          <a:bodyPr tIns="91440" bIns="91440">
+        <p:style>
+          <a:lnRef idx="0"/>
+          <a:fillRef idx="0"/>
+          <a:effectRef idx="0"/>
+          <a:fontRef idx="minor"/>
+        </p:style>
+        <p:txBody>
+          <a:bodyPr lIns="90000" rIns="90000" tIns="91440" bIns="91440">
             <a:noAutofit/>
           </a:bodyPr>
           <a:p>
@@ -6591,24 +6556,21 @@
               <a:t>Các cách sử dụng CSS</a:t>
             </a:r>
             <a:endParaRPr b="0" lang="en-US" sz="2400" spc="-1" strike="noStrike">
-              <a:solidFill>
-                <a:srgbClr val="000000"/>
-              </a:solidFill>
-              <a:latin typeface="Arial"/>
-            </a:endParaRPr>
-          </a:p>
-        </p:txBody>
-      </p:sp>
-      <p:sp>
-        <p:nvSpPr>
-          <p:cNvPr id="136" name="TextShape 2"/>
-          <p:cNvSpPr txBox="1"/>
+              <a:latin typeface="Arial"/>
+            </a:endParaRPr>
+          </a:p>
+        </p:txBody>
+      </p:sp>
+      <p:sp>
+        <p:nvSpPr>
+          <p:cNvPr id="133" name="CustomShape 2"/>
+          <p:cNvSpPr/>
           <p:nvPr/>
         </p:nvSpPr>
         <p:spPr>
           <a:xfrm>
             <a:off x="1297440" y="1567440"/>
-            <a:ext cx="7038720" cy="2910960"/>
+            <a:ext cx="7038360" cy="2910600"/>
           </a:xfrm>
           <a:prstGeom prst="rect">
             <a:avLst/>
@@ -6618,8 +6580,14 @@
             <a:noFill/>
           </a:ln>
         </p:spPr>
-        <p:txBody>
-          <a:bodyPr tIns="91440" bIns="91440">
+        <p:style>
+          <a:lnRef idx="0"/>
+          <a:fillRef idx="0"/>
+          <a:effectRef idx="0"/>
+          <a:fontRef idx="minor"/>
+        </p:style>
+        <p:txBody>
+          <a:bodyPr lIns="90000" rIns="90000" tIns="91440" bIns="91440">
             <a:noAutofit/>
           </a:bodyPr>
           <a:p>
@@ -6639,9 +6607,6 @@
               <a:t>Cách 1: Inline CSS</a:t>
             </a:r>
             <a:endParaRPr b="0" lang="en-US" sz="1800" spc="-1" strike="noStrike">
-              <a:solidFill>
-                <a:srgbClr val="000000"/>
-              </a:solidFill>
               <a:latin typeface="Arial"/>
             </a:endParaRPr>
           </a:p>
@@ -6665,9 +6630,6 @@
               <a:t>Ta đặt các cặp property: value vào bên trong thuộc tính style nằm ở thẻ mở của phần tử.</a:t>
             </a:r>
             <a:endParaRPr b="0" lang="en-US" sz="1400" spc="-1" strike="noStrike">
-              <a:solidFill>
-                <a:srgbClr val="000000"/>
-              </a:solidFill>
               <a:latin typeface="Arial"/>
             </a:endParaRPr>
           </a:p>
@@ -6691,9 +6653,6 @@
               <a:t>Ví dụ: </a:t>
             </a:r>
             <a:endParaRPr b="0" lang="en-US" sz="1400" spc="-1" strike="noStrike">
-              <a:solidFill>
-                <a:srgbClr val="000000"/>
-              </a:solidFill>
               <a:latin typeface="Arial"/>
             </a:endParaRPr>
           </a:p>
@@ -6720,9 +6679,6 @@
               <a:t>&lt;div style="width: 500px; height: 500px; background: blue"&gt;&lt;/div&gt;</a:t>
             </a:r>
             <a:endParaRPr b="0" lang="en-US" sz="1400" spc="-1" strike="noStrike">
-              <a:solidFill>
-                <a:srgbClr val="000000"/>
-              </a:solidFill>
               <a:latin typeface="Arial"/>
             </a:endParaRPr>
           </a:p>
@@ -6760,14 +6716,14 @@
       </p:grpSpPr>
       <p:sp>
         <p:nvSpPr>
-          <p:cNvPr id="137" name="TextShape 1"/>
-          <p:cNvSpPr txBox="1"/>
+          <p:cNvPr id="134" name="CustomShape 1"/>
+          <p:cNvSpPr/>
           <p:nvPr/>
         </p:nvSpPr>
         <p:spPr>
           <a:xfrm>
             <a:off x="1297440" y="393840"/>
-            <a:ext cx="7038720" cy="913680"/>
+            <a:ext cx="7038360" cy="913320"/>
           </a:xfrm>
           <a:prstGeom prst="rect">
             <a:avLst/>
@@ -6777,8 +6733,14 @@
             <a:noFill/>
           </a:ln>
         </p:spPr>
-        <p:txBody>
-          <a:bodyPr tIns="91440" bIns="91440">
+        <p:style>
+          <a:lnRef idx="0"/>
+          <a:fillRef idx="0"/>
+          <a:effectRef idx="0"/>
+          <a:fontRef idx="minor"/>
+        </p:style>
+        <p:txBody>
+          <a:bodyPr lIns="90000" rIns="90000" tIns="91440" bIns="91440">
             <a:noAutofit/>
           </a:bodyPr>
           <a:p>
@@ -6798,24 +6760,21 @@
               <a:t>CLASS và ID</a:t>
             </a:r>
             <a:endParaRPr b="0" lang="en-US" sz="2400" spc="-1" strike="noStrike">
-              <a:solidFill>
-                <a:srgbClr val="000000"/>
-              </a:solidFill>
-              <a:latin typeface="Arial"/>
-            </a:endParaRPr>
-          </a:p>
-        </p:txBody>
-      </p:sp>
-      <p:sp>
-        <p:nvSpPr>
-          <p:cNvPr id="138" name="TextShape 2"/>
-          <p:cNvSpPr txBox="1"/>
+              <a:latin typeface="Arial"/>
+            </a:endParaRPr>
+          </a:p>
+        </p:txBody>
+      </p:sp>
+      <p:sp>
+        <p:nvSpPr>
+          <p:cNvPr id="135" name="CustomShape 2"/>
+          <p:cNvSpPr/>
           <p:nvPr/>
         </p:nvSpPr>
         <p:spPr>
           <a:xfrm>
             <a:off x="1297440" y="1567440"/>
-            <a:ext cx="3402720" cy="2910960"/>
+            <a:ext cx="3402360" cy="2910600"/>
           </a:xfrm>
           <a:prstGeom prst="rect">
             <a:avLst/>
@@ -6825,8 +6784,14 @@
             <a:noFill/>
           </a:ln>
         </p:spPr>
-        <p:txBody>
-          <a:bodyPr tIns="91440" bIns="91440">
+        <p:style>
+          <a:lnRef idx="0"/>
+          <a:fillRef idx="0"/>
+          <a:effectRef idx="0"/>
+          <a:fontRef idx="minor"/>
+        </p:style>
+        <p:txBody>
+          <a:bodyPr lIns="90000" rIns="90000" tIns="91440" bIns="91440">
             <a:noAutofit/>
           </a:bodyPr>
           <a:p>
@@ -6886,9 +6851,6 @@
               <a:t> của các phần tử bị trùng nhau.</a:t>
             </a:r>
             <a:endParaRPr b="0" lang="en-US" sz="1300" spc="-1" strike="noStrike">
-              <a:solidFill>
-                <a:srgbClr val="000000"/>
-              </a:solidFill>
               <a:latin typeface="Arial"/>
             </a:endParaRPr>
           </a:p>
@@ -6912,9 +6874,6 @@
               <a:t>Khai báo tên id trong css:</a:t>
             </a:r>
             <a:endParaRPr b="0" lang="en-US" sz="1300" spc="-1" strike="noStrike">
-              <a:solidFill>
-                <a:srgbClr val="000000"/>
-              </a:solidFill>
               <a:latin typeface="Arial"/>
             </a:endParaRPr>
           </a:p>
@@ -6942,24 +6901,21 @@
               <a:t>#idname</a:t>
             </a:r>
             <a:endParaRPr b="0" lang="en-US" sz="1300" spc="-1" strike="noStrike">
-              <a:solidFill>
-                <a:srgbClr val="000000"/>
-              </a:solidFill>
-              <a:latin typeface="Arial"/>
-            </a:endParaRPr>
-          </a:p>
-        </p:txBody>
-      </p:sp>
-      <p:sp>
-        <p:nvSpPr>
-          <p:cNvPr id="139" name="TextShape 3"/>
-          <p:cNvSpPr txBox="1"/>
+              <a:latin typeface="Arial"/>
+            </a:endParaRPr>
+          </a:p>
+        </p:txBody>
+      </p:sp>
+      <p:sp>
+        <p:nvSpPr>
+          <p:cNvPr id="136" name="CustomShape 3"/>
+          <p:cNvSpPr/>
           <p:nvPr/>
         </p:nvSpPr>
         <p:spPr>
           <a:xfrm>
             <a:off x="4933080" y="1567440"/>
-            <a:ext cx="3402720" cy="2910960"/>
+            <a:ext cx="3402360" cy="2910600"/>
           </a:xfrm>
           <a:prstGeom prst="rect">
             <a:avLst/>
@@ -6969,8 +6925,14 @@
             <a:noFill/>
           </a:ln>
         </p:spPr>
-        <p:txBody>
-          <a:bodyPr tIns="91440" bIns="91440">
+        <p:style>
+          <a:lnRef idx="0"/>
+          <a:fillRef idx="0"/>
+          <a:effectRef idx="0"/>
+          <a:fontRef idx="minor"/>
+        </p:style>
+        <p:txBody>
+          <a:bodyPr lIns="90000" rIns="90000" tIns="91440" bIns="91440">
             <a:noAutofit/>
           </a:bodyPr>
           <a:p>
@@ -7022,9 +6984,6 @@
               <a:t>Khai báo tên class trong css:</a:t>
             </a:r>
             <a:endParaRPr b="0" lang="en-US" sz="1300" spc="-1" strike="noStrike">
-              <a:solidFill>
-                <a:srgbClr val="000000"/>
-              </a:solidFill>
               <a:latin typeface="Arial"/>
             </a:endParaRPr>
           </a:p>
@@ -7052,9 +7011,6 @@
               <a:t>.classname</a:t>
             </a:r>
             <a:endParaRPr b="0" lang="en-US" sz="1300" spc="-1" strike="noStrike">
-              <a:solidFill>
-                <a:srgbClr val="000000"/>
-              </a:solidFill>
               <a:latin typeface="Arial"/>
             </a:endParaRPr>
           </a:p>
@@ -7092,14 +7048,14 @@
       </p:grpSpPr>
       <p:sp>
         <p:nvSpPr>
-          <p:cNvPr id="140" name="TextShape 1"/>
-          <p:cNvSpPr txBox="1"/>
+          <p:cNvPr id="137" name="CustomShape 1"/>
+          <p:cNvSpPr/>
           <p:nvPr/>
         </p:nvSpPr>
         <p:spPr>
           <a:xfrm>
             <a:off x="1297440" y="421920"/>
-            <a:ext cx="3402720" cy="4721400"/>
+            <a:ext cx="3402360" cy="4721040"/>
           </a:xfrm>
           <a:prstGeom prst="rect">
             <a:avLst/>
@@ -7109,8 +7065,14 @@
             <a:noFill/>
           </a:ln>
         </p:spPr>
-        <p:txBody>
-          <a:bodyPr tIns="91440" bIns="91440">
+        <p:style>
+          <a:lnRef idx="0"/>
+          <a:fillRef idx="0"/>
+          <a:effectRef idx="0"/>
+          <a:fontRef idx="minor"/>
+        </p:style>
+        <p:txBody>
+          <a:bodyPr lIns="90000" rIns="90000" tIns="91440" bIns="91440">
             <a:noAutofit/>
           </a:bodyPr>
           <a:p>
@@ -7130,9 +7092,6 @@
               <a:t>Cách 2: Internal CSS</a:t>
             </a:r>
             <a:endParaRPr b="0" lang="en-US" sz="1800" spc="-1" strike="noStrike">
-              <a:solidFill>
-                <a:srgbClr val="000000"/>
-              </a:solidFill>
               <a:latin typeface="Arial"/>
             </a:endParaRPr>
           </a:p>
@@ -7156,9 +7115,6 @@
               <a:t>Đặt các bộ định dạng CSS vào bên trong &lt;style type="text/css"&gt;&lt;/style&gt; </a:t>
             </a:r>
             <a:endParaRPr b="0" lang="en-US" sz="1300" spc="-1" strike="noStrike">
-              <a:solidFill>
-                <a:srgbClr val="000000"/>
-              </a:solidFill>
               <a:latin typeface="Arial"/>
             </a:endParaRPr>
           </a:p>
@@ -7182,9 +7138,6 @@
               <a:t>&lt;style type="text/css"&gt;&lt;/style&gt; đặt bên trong phần &lt;head&gt;&lt;/head&gt;</a:t>
             </a:r>
             <a:endParaRPr b="0" lang="en-US" sz="1300" spc="-1" strike="noStrike">
-              <a:solidFill>
-                <a:srgbClr val="000000"/>
-              </a:solidFill>
               <a:latin typeface="Arial"/>
             </a:endParaRPr>
           </a:p>
@@ -7208,9 +7161,6 @@
               <a:t>Cú pháp định dạng phần tử: </a:t>
             </a:r>
             <a:endParaRPr b="0" lang="en-US" sz="1300" spc="-1" strike="noStrike">
-              <a:solidFill>
-                <a:srgbClr val="000000"/>
-              </a:solidFill>
               <a:latin typeface="Arial"/>
             </a:endParaRPr>
           </a:p>
@@ -7234,9 +7184,6 @@
               <a:t>selector {</a:t>
             </a:r>
             <a:endParaRPr b="0" lang="en-US" sz="1300" spc="-1" strike="noStrike">
-              <a:solidFill>
-                <a:srgbClr val="000000"/>
-              </a:solidFill>
               <a:latin typeface="Arial"/>
             </a:endParaRPr>
           </a:p>
@@ -7260,9 +7207,6 @@
               <a:t>property1: value;</a:t>
             </a:r>
             <a:endParaRPr b="0" lang="en-US" sz="1300" spc="-1" strike="noStrike">
-              <a:solidFill>
-                <a:srgbClr val="000000"/>
-              </a:solidFill>
               <a:latin typeface="Arial"/>
             </a:endParaRPr>
           </a:p>
@@ -7286,9 +7230,6 @@
               <a:t>property2: value;</a:t>
             </a:r>
             <a:endParaRPr b="0" lang="en-US" sz="1300" spc="-1" strike="noStrike">
-              <a:solidFill>
-                <a:srgbClr val="000000"/>
-              </a:solidFill>
               <a:latin typeface="Arial"/>
             </a:endParaRPr>
           </a:p>
@@ -7312,9 +7253,6 @@
               <a:t>property3: value;</a:t>
             </a:r>
             <a:endParaRPr b="0" lang="en-US" sz="1300" spc="-1" strike="noStrike">
-              <a:solidFill>
-                <a:srgbClr val="000000"/>
-              </a:solidFill>
               <a:latin typeface="Arial"/>
             </a:endParaRPr>
           </a:p>
@@ -7341,24 +7279,21 @@
               <a:t>}</a:t>
             </a:r>
             <a:endParaRPr b="0" lang="en-US" sz="1300" spc="-1" strike="noStrike">
-              <a:solidFill>
-                <a:srgbClr val="000000"/>
-              </a:solidFill>
-              <a:latin typeface="Arial"/>
-            </a:endParaRPr>
-          </a:p>
-        </p:txBody>
-      </p:sp>
-      <p:sp>
-        <p:nvSpPr>
-          <p:cNvPr id="141" name="TextShape 2"/>
-          <p:cNvSpPr txBox="1"/>
+              <a:latin typeface="Arial"/>
+            </a:endParaRPr>
+          </a:p>
+        </p:txBody>
+      </p:sp>
+      <p:sp>
+        <p:nvSpPr>
+          <p:cNvPr id="138" name="CustomShape 2"/>
+          <p:cNvSpPr/>
           <p:nvPr/>
         </p:nvSpPr>
         <p:spPr>
           <a:xfrm>
             <a:off x="4933080" y="421560"/>
-            <a:ext cx="3402720" cy="4721400"/>
+            <a:ext cx="3402360" cy="4721040"/>
           </a:xfrm>
           <a:prstGeom prst="rect">
             <a:avLst/>
@@ -7368,8 +7303,14 @@
             <a:noFill/>
           </a:ln>
         </p:spPr>
-        <p:txBody>
-          <a:bodyPr tIns="91440" bIns="91440">
+        <p:style>
+          <a:lnRef idx="0"/>
+          <a:fillRef idx="0"/>
+          <a:effectRef idx="0"/>
+          <a:fontRef idx="minor"/>
+        </p:style>
+        <p:txBody>
+          <a:bodyPr lIns="90000" rIns="90000" tIns="91440" bIns="91440">
             <a:noAutofit/>
           </a:bodyPr>
           <a:p>
@@ -7389,9 +7330,6 @@
               <a:t>Cách 3: External CSS</a:t>
             </a:r>
             <a:endParaRPr b="0" lang="en-US" sz="1800" spc="-1" strike="noStrike">
-              <a:solidFill>
-                <a:srgbClr val="000000"/>
-              </a:solidFill>
               <a:latin typeface="Arial"/>
             </a:endParaRPr>
           </a:p>
@@ -7415,9 +7353,6 @@
               <a:t>Đặt các bộ định dạng CSS vào bên trong một tập tin css.</a:t>
             </a:r>
             <a:endParaRPr b="0" lang="en-US" sz="1300" spc="-1" strike="noStrike">
-              <a:solidFill>
-                <a:srgbClr val="000000"/>
-              </a:solidFill>
               <a:latin typeface="Arial"/>
             </a:endParaRPr>
           </a:p>
@@ -7441,9 +7376,6 @@
               <a:t>Trong phần &lt;head&gt;, ta sử dụng cú pháp phía dưới để nhúng tập tin css vào trang web.</a:t>
             </a:r>
             <a:endParaRPr b="0" lang="en-US" sz="1300" spc="-1" strike="noStrike">
-              <a:solidFill>
-                <a:srgbClr val="000000"/>
-              </a:solidFill>
               <a:latin typeface="Arial"/>
             </a:endParaRPr>
           </a:p>
@@ -7470,9 +7402,6 @@
               <a:t>&lt;link rel="stylesheet" type="text/css" href="đường dẫn đến tập tin CSS"&gt;</a:t>
             </a:r>
             <a:endParaRPr b="0" lang="en-US" sz="1300" spc="-1" strike="noStrike">
-              <a:solidFill>
-                <a:srgbClr val="000000"/>
-              </a:solidFill>
               <a:latin typeface="Arial"/>
             </a:endParaRPr>
           </a:p>
@@ -7510,14 +7439,14 @@
       </p:grpSpPr>
       <p:sp>
         <p:nvSpPr>
-          <p:cNvPr id="142" name="TextShape 1"/>
-          <p:cNvSpPr txBox="1"/>
+          <p:cNvPr id="139" name="CustomShape 1"/>
+          <p:cNvSpPr/>
           <p:nvPr/>
         </p:nvSpPr>
         <p:spPr>
           <a:xfrm>
             <a:off x="1297440" y="393840"/>
-            <a:ext cx="7038720" cy="913680"/>
+            <a:ext cx="7038360" cy="913320"/>
           </a:xfrm>
           <a:prstGeom prst="rect">
             <a:avLst/>
@@ -7527,8 +7456,14 @@
             <a:noFill/>
           </a:ln>
         </p:spPr>
-        <p:txBody>
-          <a:bodyPr tIns="91440" bIns="91440">
+        <p:style>
+          <a:lnRef idx="0"/>
+          <a:fillRef idx="0"/>
+          <a:effectRef idx="0"/>
+          <a:fontRef idx="minor"/>
+        </p:style>
+        <p:txBody>
+          <a:bodyPr lIns="90000" rIns="90000" tIns="91440" bIns="91440">
             <a:noAutofit/>
           </a:bodyPr>
           <a:p>
@@ -7558,24 +7493,21 @@
               <a:t>cần chú ý</a:t>
             </a:r>
             <a:endParaRPr b="0" lang="en-US" sz="2400" spc="-1" strike="noStrike">
-              <a:solidFill>
-                <a:srgbClr val="000000"/>
-              </a:solidFill>
-              <a:latin typeface="Arial"/>
-            </a:endParaRPr>
-          </a:p>
-        </p:txBody>
-      </p:sp>
-      <p:sp>
-        <p:nvSpPr>
-          <p:cNvPr id="143" name="TextShape 2"/>
-          <p:cNvSpPr txBox="1"/>
+              <a:latin typeface="Arial"/>
+            </a:endParaRPr>
+          </a:p>
+        </p:txBody>
+      </p:sp>
+      <p:sp>
+        <p:nvSpPr>
+          <p:cNvPr id="140" name="CustomShape 2"/>
+          <p:cNvSpPr/>
           <p:nvPr/>
         </p:nvSpPr>
         <p:spPr>
           <a:xfrm>
-            <a:off x="1297440" y="1307880"/>
-            <a:ext cx="3402720" cy="3812760"/>
+            <a:off x="1297440" y="1005840"/>
+            <a:ext cx="3402360" cy="4114440"/>
           </a:xfrm>
           <a:prstGeom prst="rect">
             <a:avLst/>
@@ -7585,12 +7517,18 @@
             <a:noFill/>
           </a:ln>
         </p:spPr>
-        <p:txBody>
-          <a:bodyPr tIns="91440" bIns="91440">
+        <p:style>
+          <a:lnRef idx="0"/>
+          <a:fillRef idx="0"/>
+          <a:effectRef idx="0"/>
+          <a:fontRef idx="minor"/>
+        </p:style>
+        <p:txBody>
+          <a:bodyPr lIns="90000" rIns="90000" tIns="91440" bIns="91440">
             <a:noAutofit/>
           </a:bodyPr>
           <a:p>
-            <a:pPr marL="457200" indent="-310680">
+            <a:pPr marL="457200" indent="-310320">
               <a:lnSpc>
                 <a:spcPct val="115000"/>
               </a:lnSpc>
@@ -7611,9 +7549,6 @@
               <a:t>margin:</a:t>
             </a:r>
             <a:endParaRPr b="0" lang="en-US" sz="1000" spc="-1" strike="noStrike">
-              <a:solidFill>
-                <a:srgbClr val="000000"/>
-              </a:solidFill>
               <a:latin typeface="Arial"/>
             </a:endParaRPr>
           </a:p>
@@ -7637,14 +7572,11 @@
               <a:t>Thuộc tính margin canh lề cho thành phần.</a:t>
             </a:r>
             <a:endParaRPr b="0" lang="en-US" sz="1000" spc="-1" strike="noStrike">
-              <a:solidFill>
-                <a:srgbClr val="000000"/>
-              </a:solidFill>
-              <a:latin typeface="Arial"/>
-            </a:endParaRPr>
-          </a:p>
-          <a:p>
-            <a:pPr marL="457200" indent="-310680">
+              <a:latin typeface="Arial"/>
+            </a:endParaRPr>
+          </a:p>
+          <a:p>
+            <a:pPr marL="457200" indent="-310320">
               <a:lnSpc>
                 <a:spcPct val="115000"/>
               </a:lnSpc>
@@ -7668,9 +7600,6 @@
               <a:t>padding:</a:t>
             </a:r>
             <a:endParaRPr b="0" lang="en-US" sz="1000" spc="-1" strike="noStrike">
-              <a:solidFill>
-                <a:srgbClr val="000000"/>
-              </a:solidFill>
               <a:latin typeface="Arial"/>
             </a:endParaRPr>
           </a:p>
@@ -7694,35 +7623,6 @@
               <a:t>Thuộc tính padding thêm vào khoảng không cho thành phần.</a:t>
             </a:r>
             <a:endParaRPr b="0" lang="en-US" sz="1000" spc="-1" strike="noStrike">
-              <a:solidFill>
-                <a:srgbClr val="000000"/>
-              </a:solidFill>
-              <a:latin typeface="Arial"/>
-            </a:endParaRPr>
-          </a:p>
-          <a:p>
-            <a:pPr>
-              <a:lnSpc>
-                <a:spcPct val="115000"/>
-              </a:lnSpc>
-              <a:spcBef>
-                <a:spcPts val="1599"/>
-              </a:spcBef>
-            </a:pPr>
-            <a:r>
-              <a:rPr b="0" lang="en-US" sz="1000" spc="-1" strike="noStrike">
-                <a:solidFill>
-                  <a:srgbClr val="ffffff"/>
-                </a:solidFill>
-                <a:latin typeface="Montserrat"/>
-                <a:ea typeface="Montserrat"/>
-              </a:rPr>
-              <a:t>Box-sizing : boder-box;</a:t>
-            </a:r>
-            <a:endParaRPr b="0" lang="en-US" sz="1000" spc="-1" strike="noStrike">
-              <a:solidFill>
-                <a:srgbClr val="000000"/>
-              </a:solidFill>
               <a:latin typeface="Arial"/>
             </a:endParaRPr>
           </a:p>
@@ -7743,17 +7643,37 @@
                 <a:latin typeface="Montserrat"/>
                 <a:ea typeface="Montserrat"/>
               </a:rPr>
+              <a:t>Box-sizing : boder-box;</a:t>
+            </a:r>
+            <a:endParaRPr b="0" lang="en-US" sz="1000" spc="-1" strike="noStrike">
+              <a:latin typeface="Arial"/>
+            </a:endParaRPr>
+          </a:p>
+          <a:p>
+            <a:pPr marL="457200">
+              <a:lnSpc>
+                <a:spcPct val="115000"/>
+              </a:lnSpc>
+              <a:spcBef>
+                <a:spcPts val="1599"/>
+              </a:spcBef>
+            </a:pPr>
+            <a:r>
+              <a:rPr b="0" lang="en-US" sz="1000" spc="-1" strike="noStrike">
+                <a:solidFill>
+                  <a:srgbClr val="ffffff"/>
+                </a:solidFill>
+                <a:latin typeface="Montserrat"/>
+                <a:ea typeface="Montserrat"/>
+              </a:rPr>
               <a:t>Giúp phần content nằm trọn trong width .thay đổi padding không bị vỡ giao diện</a:t>
             </a:r>
             <a:endParaRPr b="0" lang="en-US" sz="1000" spc="-1" strike="noStrike">
-              <a:solidFill>
-                <a:srgbClr val="000000"/>
-              </a:solidFill>
-              <a:latin typeface="Arial"/>
-            </a:endParaRPr>
-          </a:p>
-          <a:p>
-            <a:pPr marL="457200" indent="-310680">
+              <a:latin typeface="Arial"/>
+            </a:endParaRPr>
+          </a:p>
+          <a:p>
+            <a:pPr marL="457200" indent="-310320">
               <a:lnSpc>
                 <a:spcPct val="115000"/>
               </a:lnSpc>
@@ -7777,9 +7697,6 @@
               <a:t>float:</a:t>
             </a:r>
             <a:endParaRPr b="0" lang="en-US" sz="1000" spc="-1" strike="noStrike">
-              <a:solidFill>
-                <a:srgbClr val="000000"/>
-              </a:solidFill>
               <a:latin typeface="Arial"/>
             </a:endParaRPr>
           </a:p>
@@ -7806,24 +7723,21 @@
               <a:t>Thuộc tính float xác định có hay không một thành phần được trôi nổi.</a:t>
             </a:r>
             <a:endParaRPr b="0" lang="en-US" sz="1000" spc="-1" strike="noStrike">
-              <a:solidFill>
-                <a:srgbClr val="000000"/>
-              </a:solidFill>
-              <a:latin typeface="Arial"/>
-            </a:endParaRPr>
-          </a:p>
-        </p:txBody>
-      </p:sp>
-      <p:sp>
-        <p:nvSpPr>
-          <p:cNvPr id="144" name="TextShape 3"/>
-          <p:cNvSpPr txBox="1"/>
+              <a:latin typeface="Arial"/>
+            </a:endParaRPr>
+          </a:p>
+        </p:txBody>
+      </p:sp>
+      <p:sp>
+        <p:nvSpPr>
+          <p:cNvPr id="141" name="CustomShape 3"/>
+          <p:cNvSpPr/>
           <p:nvPr/>
         </p:nvSpPr>
         <p:spPr>
           <a:xfrm>
-            <a:off x="4933080" y="1307520"/>
-            <a:ext cx="3402720" cy="3835080"/>
+            <a:off x="4950720" y="1097280"/>
+            <a:ext cx="3402360" cy="4044960"/>
           </a:xfrm>
           <a:prstGeom prst="rect">
             <a:avLst/>
@@ -7833,12 +7747,18 @@
             <a:noFill/>
           </a:ln>
         </p:spPr>
-        <p:txBody>
-          <a:bodyPr tIns="91440" bIns="91440">
+        <p:style>
+          <a:lnRef idx="0"/>
+          <a:fillRef idx="0"/>
+          <a:effectRef idx="0"/>
+          <a:fontRef idx="minor"/>
+        </p:style>
+        <p:txBody>
+          <a:bodyPr lIns="90000" rIns="90000" tIns="91440" bIns="91440">
             <a:noAutofit/>
           </a:bodyPr>
           <a:p>
-            <a:pPr marL="457200" indent="-310680">
+            <a:pPr marL="457200" indent="-310320">
               <a:lnSpc>
                 <a:spcPct val="115000"/>
               </a:lnSpc>
@@ -7859,9 +7779,6 @@
               <a:t>position:</a:t>
             </a:r>
             <a:endParaRPr b="0" lang="en-US" sz="1300" spc="-1" strike="noStrike">
-              <a:solidFill>
-                <a:srgbClr val="000000"/>
-              </a:solidFill>
               <a:latin typeface="Arial"/>
             </a:endParaRPr>
           </a:p>
@@ -7885,9 +7802,6 @@
               <a:t>Thuộc tính position xác định loại của phương pháp định vị vị trí cho thành phần.</a:t>
             </a:r>
             <a:endParaRPr b="0" lang="en-US" sz="1300" spc="-1" strike="noStrike">
-              <a:solidFill>
-                <a:srgbClr val="000000"/>
-              </a:solidFill>
               <a:latin typeface="Arial"/>
             </a:endParaRPr>
           </a:p>
@@ -7911,9 +7825,6 @@
               <a:t>Thuộc tính position thường dùng kèm với các thuộc tính định vị trí: left, right, bottom, top</a:t>
             </a:r>
             <a:endParaRPr b="0" lang="en-US" sz="1300" spc="-1" strike="noStrike">
-              <a:solidFill>
-                <a:srgbClr val="000000"/>
-              </a:solidFill>
               <a:latin typeface="Arial"/>
             </a:endParaRPr>
           </a:p>
@@ -7937,14 +7848,11 @@
               <a:t>Giá trị cần chú ý:</a:t>
             </a:r>
             <a:endParaRPr b="0" lang="en-US" sz="1300" spc="-1" strike="noStrike">
-              <a:solidFill>
-                <a:srgbClr val="000000"/>
-              </a:solidFill>
-              <a:latin typeface="Arial"/>
-            </a:endParaRPr>
-          </a:p>
-          <a:p>
-            <a:pPr marL="914400" indent="-310680">
+              <a:latin typeface="Arial"/>
+            </a:endParaRPr>
+          </a:p>
+          <a:p>
+            <a:pPr marL="914400" indent="-310320">
               <a:lnSpc>
                 <a:spcPct val="115000"/>
               </a:lnSpc>
@@ -7968,14 +7876,11 @@
               <a:t>relative</a:t>
             </a:r>
             <a:endParaRPr b="0" lang="en-US" sz="1300" spc="-1" strike="noStrike">
-              <a:solidFill>
-                <a:srgbClr val="000000"/>
-              </a:solidFill>
-              <a:latin typeface="Arial"/>
-            </a:endParaRPr>
-          </a:p>
-          <a:p>
-            <a:pPr marL="914400" indent="-310680">
+              <a:latin typeface="Arial"/>
+            </a:endParaRPr>
+          </a:p>
+          <a:p>
+            <a:pPr marL="914400" indent="-310320">
               <a:lnSpc>
                 <a:spcPct val="115000"/>
               </a:lnSpc>
@@ -7996,14 +7901,11 @@
               <a:t>absolute</a:t>
             </a:r>
             <a:endParaRPr b="0" lang="en-US" sz="1300" spc="-1" strike="noStrike">
-              <a:solidFill>
-                <a:srgbClr val="000000"/>
-              </a:solidFill>
-              <a:latin typeface="Arial"/>
-            </a:endParaRPr>
-          </a:p>
-          <a:p>
-            <a:pPr marL="914400" indent="-310680">
+              <a:latin typeface="Arial"/>
+            </a:endParaRPr>
+          </a:p>
+          <a:p>
+            <a:pPr marL="914400" indent="-310320">
               <a:lnSpc>
                 <a:spcPct val="115000"/>
               </a:lnSpc>
@@ -8021,12 +7923,9 @@
                 <a:latin typeface="Montserrat"/>
                 <a:ea typeface="Montserrat"/>
               </a:rPr>
-              <a:t>fixed</a:t>
+              <a:t>Fixed : tương tự như absolute,nhưng không dựa vào vị trí của thằng cha</a:t>
             </a:r>
             <a:endParaRPr b="0" lang="en-US" sz="1300" spc="-1" strike="noStrike">
-              <a:solidFill>
-                <a:srgbClr val="000000"/>
-              </a:solidFill>
               <a:latin typeface="Arial"/>
             </a:endParaRPr>
           </a:p>
@@ -8043,9 +7942,6 @@
               </a:spcAft>
             </a:pPr>
             <a:endParaRPr b="0" lang="en-US" sz="1300" spc="-1" strike="noStrike">
-              <a:solidFill>
-                <a:srgbClr val="000000"/>
-              </a:solidFill>
               <a:latin typeface="Arial"/>
             </a:endParaRPr>
           </a:p>
@@ -8083,14 +7979,14 @@
       </p:grpSpPr>
       <p:sp>
         <p:nvSpPr>
-          <p:cNvPr id="145" name="TextShape 1"/>
-          <p:cNvSpPr txBox="1"/>
+          <p:cNvPr id="142" name="CustomShape 1"/>
+          <p:cNvSpPr/>
           <p:nvPr/>
         </p:nvSpPr>
         <p:spPr>
           <a:xfrm>
             <a:off x="1297440" y="393840"/>
-            <a:ext cx="7038720" cy="913680"/>
+            <a:ext cx="7038360" cy="913320"/>
           </a:xfrm>
           <a:prstGeom prst="rect">
             <a:avLst/>
@@ -8100,8 +7996,14 @@
             <a:noFill/>
           </a:ln>
         </p:spPr>
-        <p:txBody>
-          <a:bodyPr tIns="91440" bIns="91440">
+        <p:style>
+          <a:lnRef idx="0"/>
+          <a:fillRef idx="0"/>
+          <a:effectRef idx="0"/>
+          <a:fontRef idx="minor"/>
+        </p:style>
+        <p:txBody>
+          <a:bodyPr lIns="90000" rIns="90000" tIns="91440" bIns="91440">
             <a:noAutofit/>
           </a:bodyPr>
           <a:p>
@@ -8131,24 +8033,21 @@
               <a:t>cần chú ý</a:t>
             </a:r>
             <a:endParaRPr b="0" lang="en-US" sz="2400" spc="-1" strike="noStrike">
-              <a:solidFill>
-                <a:srgbClr val="000000"/>
-              </a:solidFill>
-              <a:latin typeface="Arial"/>
-            </a:endParaRPr>
-          </a:p>
-        </p:txBody>
-      </p:sp>
-      <p:sp>
-        <p:nvSpPr>
-          <p:cNvPr id="146" name="TextShape 2"/>
-          <p:cNvSpPr txBox="1"/>
+              <a:latin typeface="Arial"/>
+            </a:endParaRPr>
+          </a:p>
+        </p:txBody>
+      </p:sp>
+      <p:sp>
+        <p:nvSpPr>
+          <p:cNvPr id="143" name="CustomShape 2"/>
+          <p:cNvSpPr/>
           <p:nvPr/>
         </p:nvSpPr>
         <p:spPr>
           <a:xfrm>
             <a:off x="1297440" y="1307880"/>
-            <a:ext cx="3402720" cy="3575520"/>
+            <a:ext cx="3402360" cy="3575160"/>
           </a:xfrm>
           <a:prstGeom prst="rect">
             <a:avLst/>
@@ -8158,12 +8057,18 @@
             <a:noFill/>
           </a:ln>
         </p:spPr>
-        <p:txBody>
-          <a:bodyPr tIns="91440" bIns="91440">
+        <p:style>
+          <a:lnRef idx="0"/>
+          <a:fillRef idx="0"/>
+          <a:effectRef idx="0"/>
+          <a:fontRef idx="minor"/>
+        </p:style>
+        <p:txBody>
+          <a:bodyPr lIns="90000" rIns="90000" tIns="91440" bIns="91440">
             <a:noAutofit/>
           </a:bodyPr>
           <a:p>
-            <a:pPr marL="457200" indent="-310680">
+            <a:pPr marL="457200" indent="-310320">
               <a:lnSpc>
                 <a:spcPct val="115000"/>
               </a:lnSpc>
@@ -8184,9 +8089,6 @@
               <a:t>:hover</a:t>
             </a:r>
             <a:endParaRPr b="0" lang="en-US" sz="1300" spc="-1" strike="noStrike">
-              <a:solidFill>
-                <a:srgbClr val="000000"/>
-              </a:solidFill>
               <a:latin typeface="Arial"/>
             </a:endParaRPr>
           </a:p>
@@ -8210,14 +8112,11 @@
               <a:t>chọn các liên kết được hover (di chuyển chuột lên thành phần).</a:t>
             </a:r>
             <a:endParaRPr b="0" lang="en-US" sz="1300" spc="-1" strike="noStrike">
-              <a:solidFill>
-                <a:srgbClr val="000000"/>
-              </a:solidFill>
-              <a:latin typeface="Arial"/>
-            </a:endParaRPr>
-          </a:p>
-          <a:p>
-            <a:pPr marL="457200" indent="-310680">
+              <a:latin typeface="Arial"/>
+            </a:endParaRPr>
+          </a:p>
+          <a:p>
+            <a:pPr marL="457200" indent="-310320">
               <a:lnSpc>
                 <a:spcPct val="115000"/>
               </a:lnSpc>
@@ -8241,9 +8140,6 @@
               <a:t>:first-child</a:t>
             </a:r>
             <a:endParaRPr b="0" lang="en-US" sz="1300" spc="-1" strike="noStrike">
-              <a:solidFill>
-                <a:srgbClr val="000000"/>
-              </a:solidFill>
               <a:latin typeface="Arial"/>
             </a:endParaRPr>
           </a:p>
@@ -8267,14 +8163,11 @@
               <a:t>chọn thành phần đầu tiên của thành phần cha chứa nó.</a:t>
             </a:r>
             <a:endParaRPr b="0" lang="en-US" sz="1300" spc="-1" strike="noStrike">
-              <a:solidFill>
-                <a:srgbClr val="000000"/>
-              </a:solidFill>
-              <a:latin typeface="Arial"/>
-            </a:endParaRPr>
-          </a:p>
-          <a:p>
-            <a:pPr marL="457200" indent="-310680">
+              <a:latin typeface="Arial"/>
+            </a:endParaRPr>
+          </a:p>
+          <a:p>
+            <a:pPr marL="457200" indent="-310320">
               <a:lnSpc>
                 <a:spcPct val="115000"/>
               </a:lnSpc>
@@ -8298,9 +8191,6 @@
               <a:t>:last-child</a:t>
             </a:r>
             <a:endParaRPr b="0" lang="en-US" sz="1300" spc="-1" strike="noStrike">
-              <a:solidFill>
-                <a:srgbClr val="000000"/>
-              </a:solidFill>
               <a:latin typeface="Arial"/>
             </a:endParaRPr>
           </a:p>
@@ -8327,24 +8217,21 @@
               <a:t>chọn thành phần cuối cùng của thành phần cha chứa nó.</a:t>
             </a:r>
             <a:endParaRPr b="0" lang="en-US" sz="1300" spc="-1" strike="noStrike">
-              <a:solidFill>
-                <a:srgbClr val="000000"/>
-              </a:solidFill>
-              <a:latin typeface="Arial"/>
-            </a:endParaRPr>
-          </a:p>
-        </p:txBody>
-      </p:sp>
-      <p:sp>
-        <p:nvSpPr>
-          <p:cNvPr id="147" name="TextShape 3"/>
-          <p:cNvSpPr txBox="1"/>
+              <a:latin typeface="Arial"/>
+            </a:endParaRPr>
+          </a:p>
+        </p:txBody>
+      </p:sp>
+      <p:sp>
+        <p:nvSpPr>
+          <p:cNvPr id="144" name="CustomShape 3"/>
+          <p:cNvSpPr/>
           <p:nvPr/>
         </p:nvSpPr>
         <p:spPr>
           <a:xfrm>
             <a:off x="4933080" y="1307880"/>
-            <a:ext cx="3402720" cy="3835080"/>
+            <a:ext cx="3402360" cy="3834720"/>
           </a:xfrm>
           <a:prstGeom prst="rect">
             <a:avLst/>
@@ -8354,12 +8241,18 @@
             <a:noFill/>
           </a:ln>
         </p:spPr>
-        <p:txBody>
-          <a:bodyPr tIns="91440" bIns="91440">
+        <p:style>
+          <a:lnRef idx="0"/>
+          <a:fillRef idx="0"/>
+          <a:effectRef idx="0"/>
+          <a:fontRef idx="minor"/>
+        </p:style>
+        <p:txBody>
+          <a:bodyPr lIns="90000" rIns="90000" tIns="91440" bIns="91440">
             <a:noAutofit/>
           </a:bodyPr>
           <a:p>
-            <a:pPr marL="457200" indent="-310680">
+            <a:pPr marL="457200" indent="-310320">
               <a:lnSpc>
                 <a:spcPct val="115000"/>
               </a:lnSpc>
@@ -8377,12 +8270,34 @@
                 <a:latin typeface="Montserrat"/>
                 <a:ea typeface="Montserrat"/>
               </a:rPr>
-              <a:t>:nth-child()</a:t>
+              <a:t>:nth-child() </a:t>
             </a:r>
             <a:endParaRPr b="0" lang="en-US" sz="1300" spc="-1" strike="noStrike">
-              <a:solidFill>
-                <a:srgbClr val="000000"/>
-              </a:solidFill>
+              <a:latin typeface="Arial"/>
+            </a:endParaRPr>
+          </a:p>
+          <a:p>
+            <a:pPr marL="457200" indent="-310320">
+              <a:lnSpc>
+                <a:spcPct val="115000"/>
+              </a:lnSpc>
+              <a:buClr>
+                <a:srgbClr val="ffffff"/>
+              </a:buClr>
+              <a:buFont typeface="Montserrat"/>
+              <a:buChar char="●"/>
+            </a:pPr>
+            <a:r>
+              <a:rPr b="0" lang="en-US" sz="1300" spc="-1" strike="noStrike">
+                <a:solidFill>
+                  <a:srgbClr val="ffffff"/>
+                </a:solidFill>
+                <a:latin typeface="Montserrat"/>
+                <a:ea typeface="Montserrat"/>
+              </a:rPr>
+              <a:t>ex:    ul  li:nth-child(3)</a:t>
+            </a:r>
+            <a:endParaRPr b="0" lang="en-US" sz="1300" spc="-1" strike="noStrike">
               <a:latin typeface="Arial"/>
             </a:endParaRPr>
           </a:p>
@@ -8406,14 +8321,57 @@
               <a:t>chọn một thành phần cụ thể của thành phần cha chứa nó.</a:t>
             </a:r>
             <a:endParaRPr b="0" lang="en-US" sz="1300" spc="-1" strike="noStrike">
-              <a:solidFill>
-                <a:srgbClr val="000000"/>
-              </a:solidFill>
-              <a:latin typeface="Arial"/>
-            </a:endParaRPr>
-          </a:p>
-          <a:p>
-            <a:pPr>
+              <a:latin typeface="Arial"/>
+            </a:endParaRPr>
+          </a:p>
+          <a:p>
+            <a:pPr marL="457200">
+              <a:lnSpc>
+                <a:spcPct val="115000"/>
+              </a:lnSpc>
+              <a:spcBef>
+                <a:spcPts val="1599"/>
+              </a:spcBef>
+            </a:pPr>
+            <a:r>
+              <a:rPr b="0" lang="en-US" sz="1300" spc="-1" strike="noStrike">
+                <a:solidFill>
+                  <a:srgbClr val="ffffff"/>
+                </a:solidFill>
+                <a:latin typeface="Montserrat"/>
+                <a:ea typeface="Montserrat"/>
+              </a:rPr>
+              <a:t>:focus  → thay đổi thuộc tính của input khi mình focus vào ô input </a:t>
+            </a:r>
+            <a:endParaRPr b="0" lang="en-US" sz="1300" spc="-1" strike="noStrike">
+              <a:latin typeface="Arial"/>
+            </a:endParaRPr>
+          </a:p>
+          <a:p>
+            <a:pPr marL="457200">
+              <a:lnSpc>
+                <a:spcPct val="115000"/>
+              </a:lnSpc>
+              <a:spcBef>
+                <a:spcPts val="1599"/>
+              </a:spcBef>
+            </a:pPr>
+            <a:r>
+              <a:rPr b="0" lang="en-US" sz="1300" spc="-1" strike="noStrike">
+                <a:solidFill>
+                  <a:srgbClr val="ffffff"/>
+                </a:solidFill>
+                <a:latin typeface="Montserrat"/>
+                <a:ea typeface="Montserrat"/>
+              </a:rPr>
+              <a:t>:placeholder  -&gt; hiện nội dung trong thẻ input </a:t>
+            </a:r>
+            <a:endParaRPr b="0" lang="en-US" sz="1300" spc="-1" strike="noStrike">
+              <a:latin typeface="Arial"/>
+            </a:endParaRPr>
+          </a:p>
+          <a:p>
+            <a:pPr marL="457200">
               <a:lnSpc>
                 <a:spcPct val="115000"/>
               </a:lnSpc>
@@ -8425,9 +8383,6 @@
               </a:spcAft>
             </a:pPr>
             <a:endParaRPr b="0" lang="en-US" sz="1300" spc="-1" strike="noStrike">
-              <a:solidFill>
-                <a:srgbClr val="000000"/>
-              </a:solidFill>
               <a:latin typeface="Arial"/>
             </a:endParaRPr>
           </a:p>
@@ -8465,14 +8420,14 @@
       </p:grpSpPr>
       <p:sp>
         <p:nvSpPr>
-          <p:cNvPr id="148" name="TextShape 1"/>
+          <p:cNvPr id="145" name="TextShape 1"/>
           <p:cNvSpPr txBox="1"/>
           <p:nvPr/>
         </p:nvSpPr>
         <p:spPr>
           <a:xfrm>
-            <a:off x="2953080" y="1726560"/>
-            <a:ext cx="6190920" cy="1447920"/>
+            <a:off x="822960" y="1463040"/>
+            <a:ext cx="5212080" cy="2982600"/>
           </a:xfrm>
           <a:prstGeom prst="rect">
             <a:avLst/>
@@ -8483,29 +8438,102 @@
           </a:ln>
         </p:spPr>
         <p:txBody>
-          <a:bodyPr tIns="91440" bIns="91440">
-            <a:noAutofit/>
-          </a:bodyPr>
-          <a:p>
-            <a:pPr>
-              <a:lnSpc>
-                <a:spcPct val="100000"/>
-              </a:lnSpc>
-            </a:pPr>
-            <a:r>
-              <a:rPr b="1" lang="en-US" sz="4000" spc="-1" strike="noStrike">
-                <a:solidFill>
-                  <a:srgbClr val="ffffff"/>
-                </a:solidFill>
-                <a:latin typeface="Montserrat"/>
-                <a:ea typeface="Montserrat"/>
-              </a:rPr>
-              <a:t>BÀI TẬP</a:t>
-            </a:r>
-            <a:endParaRPr b="0" lang="en-US" sz="4000" spc="-1" strike="noStrike">
-              <a:solidFill>
-                <a:srgbClr val="000000"/>
-              </a:solidFill>
+          <a:bodyPr lIns="0" rIns="0" tIns="0" bIns="0">
+            <a:normAutofit/>
+          </a:bodyPr>
+          <a:p>
+            <a:pPr marL="432000" indent="-324000">
+              <a:spcBef>
+                <a:spcPts val="1417"/>
+              </a:spcBef>
+              <a:buClr>
+                <a:srgbClr val="ffffff"/>
+              </a:buClr>
+              <a:buSzPct val="45000"/>
+              <a:buFont typeface="Wingdings" charset="2"/>
+              <a:buChar char=""/>
+            </a:pPr>
+            <a:r>
+              <a:rPr b="0" lang="en-US" sz="1600" spc="-1" strike="noStrike">
+                <a:latin typeface="Arial"/>
+              </a:rPr>
+              <a:t>box-sizing: border-box; → để phần padding khong tràn ra ngoài </a:t>
+            </a:r>
+            <a:endParaRPr b="0" lang="en-US" sz="1600" spc="-1" strike="noStrike">
+              <a:latin typeface="Arial"/>
+            </a:endParaRPr>
+          </a:p>
+          <a:p>
+            <a:pPr marL="432000" indent="-324000">
+              <a:spcBef>
+                <a:spcPts val="1417"/>
+              </a:spcBef>
+              <a:buClr>
+                <a:srgbClr val="ffffff"/>
+              </a:buClr>
+              <a:buSzPct val="45000"/>
+              <a:buFont typeface="Wingdings" charset="2"/>
+              <a:buChar char=""/>
+            </a:pPr>
+            <a:r>
+              <a:rPr b="0" lang="en-US" sz="1600" spc="-1" strike="noStrike">
+                <a:latin typeface="Arial"/>
+              </a:rPr>
+              <a:t>Border-radius : 5px / 5%;</a:t>
+            </a:r>
+            <a:endParaRPr b="0" lang="en-US" sz="1600" spc="-1" strike="noStrike">
+              <a:latin typeface="Arial"/>
+            </a:endParaRPr>
+          </a:p>
+          <a:p>
+            <a:pPr marL="432000" indent="-324000">
+              <a:spcBef>
+                <a:spcPts val="1417"/>
+              </a:spcBef>
+              <a:buClr>
+                <a:srgbClr val="ffffff"/>
+              </a:buClr>
+              <a:buSzPct val="45000"/>
+              <a:buFont typeface="Wingdings" charset="2"/>
+              <a:buChar char=""/>
+            </a:pPr>
+            <a:r>
+              <a:rPr b="0" lang="en-US" sz="1600" spc="-1" strike="noStrike">
+                <a:latin typeface="Arial"/>
+              </a:rPr>
+              <a:t>Outline: 0; -&gt; khử viền khi mình focus vào input</a:t>
+            </a:r>
+            <a:endParaRPr b="0" lang="en-US" sz="1600" spc="-1" strike="noStrike">
+              <a:latin typeface="Arial"/>
+            </a:endParaRPr>
+          </a:p>
+        </p:txBody>
+      </p:sp>
+      <p:sp>
+        <p:nvSpPr>
+          <p:cNvPr id="146" name="TextShape 2"/>
+          <p:cNvSpPr txBox="1"/>
+          <p:nvPr/>
+        </p:nvSpPr>
+        <p:spPr>
+          <a:xfrm>
+            <a:off x="6544440" y="1280160"/>
+            <a:ext cx="1959480" cy="2982600"/>
+          </a:xfrm>
+          <a:prstGeom prst="rect">
+            <a:avLst/>
+          </a:prstGeom>
+          <a:noFill/>
+          <a:ln>
+            <a:noFill/>
+          </a:ln>
+        </p:spPr>
+        <p:txBody>
+          <a:bodyPr lIns="0" rIns="0" tIns="0" bIns="0">
+            <a:normAutofit/>
+          </a:bodyPr>
+          <a:p>
+            <a:endParaRPr b="0" lang="en-US" sz="3200" spc="-1" strike="noStrike">
               <a:latin typeface="Arial"/>
             </a:endParaRPr>
           </a:p>
